--- a/24NAG1279_U18_CapstoneProject/CapstoneProject_DollyKumari.pptx
+++ b/24NAG1279_U18_CapstoneProject/CapstoneProject_DollyKumari.pptx
@@ -1,34 +1,129 @@
 
 <file path=ppt/presentation.xml><?xml version="1.0" encoding="utf-8"?>
-<p:presentation xmlns:a="http://schemas.openxmlformats.org/drawingml/2006/main" xmlns:p="http://schemas.openxmlformats.org/presentationml/2006/main" xmlns:r="http://schemas.openxmlformats.org/officeDocument/2006/relationships" xmlns:p14="http://schemas.microsoft.com/office/powerpoint/2010/main" xmlns:p15="http://schemas.microsoft.com/office/powerpoint/2012/main" xmlns:mc="http://schemas.openxmlformats.org/markup-compatibility/2006">
+<p:presentation xmlns:a="http://schemas.openxmlformats.org/drawingml/2006/main" xmlns:r="http://schemas.openxmlformats.org/officeDocument/2006/relationships" xmlns:p="http://schemas.openxmlformats.org/presentationml/2006/main">
   <p:sldMasterIdLst>
-    <p:sldMasterId id="2147483648" r:id="rId2"/>
-    <p:sldMasterId id="2147483661" r:id="rId3"/>
+    <p:sldMasterId id="2147483648" r:id="rId1"/>
+    <p:sldMasterId id="2147483661" r:id="rId2"/>
   </p:sldMasterIdLst>
   <p:sldIdLst>
-    <p:sldId id="256" r:id="rId4"/>
-    <p:sldId id="257" r:id="rId5"/>
-    <p:sldId id="258" r:id="rId6"/>
-    <p:sldId id="259" r:id="rId7"/>
-    <p:sldId id="260" r:id="rId8"/>
-    <p:sldId id="261" r:id="rId9"/>
-    <p:sldId id="262" r:id="rId10"/>
-    <p:sldId id="263" r:id="rId11"/>
-    <p:sldId id="264" r:id="rId12"/>
-    <p:sldId id="265" r:id="rId13"/>
-    <p:sldId id="266" r:id="rId14"/>
-    <p:sldId id="267" r:id="rId15"/>
-    <p:sldId id="268" r:id="rId16"/>
-    <p:sldId id="269" r:id="rId17"/>
-    <p:sldId id="270" r:id="rId18"/>
+    <p:sldId id="256" r:id="rId3"/>
+    <p:sldId id="257" r:id="rId4"/>
+    <p:sldId id="258" r:id="rId5"/>
+    <p:sldId id="259" r:id="rId6"/>
+    <p:sldId id="260" r:id="rId7"/>
+    <p:sldId id="261" r:id="rId8"/>
+    <p:sldId id="262" r:id="rId9"/>
+    <p:sldId id="263" r:id="rId10"/>
+    <p:sldId id="264" r:id="rId11"/>
+    <p:sldId id="265" r:id="rId12"/>
+    <p:sldId id="266" r:id="rId13"/>
+    <p:sldId id="267" r:id="rId14"/>
+    <p:sldId id="268" r:id="rId15"/>
+    <p:sldId id="269" r:id="rId16"/>
+    <p:sldId id="270" r:id="rId17"/>
   </p:sldIdLst>
   <p:sldSz cx="12192000" cy="6858000"/>
   <p:notesSz cx="12192000" cy="6858000"/>
+  <p:defaultTextStyle>
+    <a:defPPr>
+      <a:defRPr lang="en-US"/>
+    </a:defPPr>
+    <a:lvl1pPr marL="0" algn="l" defTabSz="914400" rtl="0" eaLnBrk="1" latinLnBrk="0" hangingPunct="1">
+      <a:defRPr sz="1800" kern="1200">
+        <a:solidFill>
+          <a:schemeClr val="tx1"/>
+        </a:solidFill>
+        <a:latin typeface="+mn-lt"/>
+        <a:ea typeface="+mn-ea"/>
+        <a:cs typeface="+mn-cs"/>
+      </a:defRPr>
+    </a:lvl1pPr>
+    <a:lvl2pPr marL="457200" algn="l" defTabSz="914400" rtl="0" eaLnBrk="1" latinLnBrk="0" hangingPunct="1">
+      <a:defRPr sz="1800" kern="1200">
+        <a:solidFill>
+          <a:schemeClr val="tx1"/>
+        </a:solidFill>
+        <a:latin typeface="+mn-lt"/>
+        <a:ea typeface="+mn-ea"/>
+        <a:cs typeface="+mn-cs"/>
+      </a:defRPr>
+    </a:lvl2pPr>
+    <a:lvl3pPr marL="914400" algn="l" defTabSz="914400" rtl="0" eaLnBrk="1" latinLnBrk="0" hangingPunct="1">
+      <a:defRPr sz="1800" kern="1200">
+        <a:solidFill>
+          <a:schemeClr val="tx1"/>
+        </a:solidFill>
+        <a:latin typeface="+mn-lt"/>
+        <a:ea typeface="+mn-ea"/>
+        <a:cs typeface="+mn-cs"/>
+      </a:defRPr>
+    </a:lvl3pPr>
+    <a:lvl4pPr marL="1371600" algn="l" defTabSz="914400" rtl="0" eaLnBrk="1" latinLnBrk="0" hangingPunct="1">
+      <a:defRPr sz="1800" kern="1200">
+        <a:solidFill>
+          <a:schemeClr val="tx1"/>
+        </a:solidFill>
+        <a:latin typeface="+mn-lt"/>
+        <a:ea typeface="+mn-ea"/>
+        <a:cs typeface="+mn-cs"/>
+      </a:defRPr>
+    </a:lvl4pPr>
+    <a:lvl5pPr marL="1828800" algn="l" defTabSz="914400" rtl="0" eaLnBrk="1" latinLnBrk="0" hangingPunct="1">
+      <a:defRPr sz="1800" kern="1200">
+        <a:solidFill>
+          <a:schemeClr val="tx1"/>
+        </a:solidFill>
+        <a:latin typeface="+mn-lt"/>
+        <a:ea typeface="+mn-ea"/>
+        <a:cs typeface="+mn-cs"/>
+      </a:defRPr>
+    </a:lvl5pPr>
+    <a:lvl6pPr marL="2286000" algn="l" defTabSz="914400" rtl="0" eaLnBrk="1" latinLnBrk="0" hangingPunct="1">
+      <a:defRPr sz="1800" kern="1200">
+        <a:solidFill>
+          <a:schemeClr val="tx1"/>
+        </a:solidFill>
+        <a:latin typeface="+mn-lt"/>
+        <a:ea typeface="+mn-ea"/>
+        <a:cs typeface="+mn-cs"/>
+      </a:defRPr>
+    </a:lvl6pPr>
+    <a:lvl7pPr marL="2743200" algn="l" defTabSz="914400" rtl="0" eaLnBrk="1" latinLnBrk="0" hangingPunct="1">
+      <a:defRPr sz="1800" kern="1200">
+        <a:solidFill>
+          <a:schemeClr val="tx1"/>
+        </a:solidFill>
+        <a:latin typeface="+mn-lt"/>
+        <a:ea typeface="+mn-ea"/>
+        <a:cs typeface="+mn-cs"/>
+      </a:defRPr>
+    </a:lvl7pPr>
+    <a:lvl8pPr marL="3200400" algn="l" defTabSz="914400" rtl="0" eaLnBrk="1" latinLnBrk="0" hangingPunct="1">
+      <a:defRPr sz="1800" kern="1200">
+        <a:solidFill>
+          <a:schemeClr val="tx1"/>
+        </a:solidFill>
+        <a:latin typeface="+mn-lt"/>
+        <a:ea typeface="+mn-ea"/>
+        <a:cs typeface="+mn-cs"/>
+      </a:defRPr>
+    </a:lvl8pPr>
+    <a:lvl9pPr marL="3657600" algn="l" defTabSz="914400" rtl="0" eaLnBrk="1" latinLnBrk="0" hangingPunct="1">
+      <a:defRPr sz="1800" kern="1200">
+        <a:solidFill>
+          <a:schemeClr val="tx1"/>
+        </a:solidFill>
+        <a:latin typeface="+mn-lt"/>
+        <a:ea typeface="+mn-ea"/>
+        <a:cs typeface="+mn-cs"/>
+      </a:defRPr>
+    </a:lvl9pPr>
+  </p:defaultTextStyle>
 </p:presentation>
 </file>
 
 <file path=ppt/slideLayouts/slideLayout1.xml><?xml version="1.0" encoding="utf-8"?>
-<p:sldLayout xmlns:a="http://schemas.openxmlformats.org/drawingml/2006/main" xmlns:p="http://schemas.openxmlformats.org/presentationml/2006/main" xmlns:r="http://schemas.openxmlformats.org/officeDocument/2006/relationships" xmlns:p14="http://schemas.microsoft.com/office/powerpoint/2010/main" xmlns:p15="http://schemas.microsoft.com/office/powerpoint/2012/main" xmlns:mc="http://schemas.openxmlformats.org/markup-compatibility/2006" type="blank" preserve="1">
+<p:sldLayout xmlns:a="http://schemas.openxmlformats.org/drawingml/2006/main" xmlns:r="http://schemas.openxmlformats.org/officeDocument/2006/relationships" xmlns:p="http://schemas.openxmlformats.org/presentationml/2006/main" type="blank" preserve="1">
   <p:cSld name="Blank Slide">
     <p:spTree>
       <p:nvGrpSpPr>
@@ -57,6 +152,7 @@
         <p:spPr/>
         <p:txBody>
           <a:bodyPr/>
+          <a:lstStyle/>
           <a:p>
             <a:r>
               <a:t>Footer</a:t>
@@ -77,10 +173,12 @@
         <p:spPr/>
         <p:txBody>
           <a:bodyPr/>
+          <a:lstStyle/>
           <a:p>
             <a:fld id="{C88FA81C-54D6-405D-8D9A-2C1D89162A05}" type="slidenum">
-              <a:t>&lt;#&gt;</a:t>
+              <a:t>‹#›</a:t>
             </a:fld>
+            <a:endParaRPr/>
           </a:p>
         </p:txBody>
       </p:sp>
@@ -97,21 +195,22 @@
         <p:spPr/>
         <p:txBody>
           <a:bodyPr/>
-          <a:p>
-            <a:r>
-              <a:rPr lang="en-IN"/>
-              <a:t/>
-            </a:r>
+          <a:lstStyle/>
+          <a:p>
+            <a:endParaRPr/>
           </a:p>
         </p:txBody>
       </p:sp>
     </p:spTree>
   </p:cSld>
+  <p:clrMapOvr>
+    <a:masterClrMapping/>
+  </p:clrMapOvr>
 </p:sldLayout>
 </file>
 
 <file path=ppt/slideLayouts/slideLayout10.xml><?xml version="1.0" encoding="utf-8"?>
-<p:sldLayout xmlns:a="http://schemas.openxmlformats.org/drawingml/2006/main" xmlns:p="http://schemas.openxmlformats.org/presentationml/2006/main" xmlns:r="http://schemas.openxmlformats.org/officeDocument/2006/relationships" xmlns:p14="http://schemas.microsoft.com/office/powerpoint/2010/main" xmlns:p15="http://schemas.microsoft.com/office/powerpoint/2012/main" xmlns:mc="http://schemas.openxmlformats.org/markup-compatibility/2006" type="objOverTx" preserve="1">
+<p:sldLayout xmlns:a="http://schemas.openxmlformats.org/drawingml/2006/main" xmlns:r="http://schemas.openxmlformats.org/officeDocument/2006/relationships" xmlns:p="http://schemas.openxmlformats.org/presentationml/2006/main" type="objOverTx" preserve="1">
   <p:cSld name="Title, Content over Content">
     <p:spTree>
       <p:nvGrpSpPr>
@@ -151,11 +250,12 @@
           </a:ln>
         </p:spPr>
         <p:txBody>
-          <a:bodyPr lIns="0" rIns="0" tIns="0" bIns="0" anchor="ctr">
+          <a:bodyPr lIns="0" tIns="0" rIns="0" bIns="0" anchor="ctr">
             <a:noAutofit/>
           </a:bodyPr>
-          <a:p>
-            <a:endParaRPr b="0" lang="en-IN" sz="1400" spc="-1" strike="noStrike">
+          <a:lstStyle/>
+          <a:p>
+            <a:endParaRPr lang="en-IN" sz="1400" b="0" strike="noStrike" spc="-1">
               <a:solidFill>
                 <a:srgbClr val="000000"/>
               </a:solidFill>
@@ -188,11 +288,12 @@
           </a:ln>
         </p:spPr>
         <p:txBody>
-          <a:bodyPr lIns="0" rIns="0" tIns="0" bIns="0" anchor="t">
+          <a:bodyPr lIns="0" tIns="0" rIns="0" bIns="0" anchor="t">
             <a:normAutofit/>
           </a:bodyPr>
-          <a:p>
-            <a:endParaRPr b="0" lang="en-IN" sz="1400" spc="-1" strike="noStrike">
+          <a:lstStyle/>
+          <a:p>
+            <a:endParaRPr lang="en-IN" sz="1400" b="0" strike="noStrike" spc="-1">
               <a:solidFill>
                 <a:srgbClr val="000000"/>
               </a:solidFill>
@@ -225,11 +326,12 @@
           </a:ln>
         </p:spPr>
         <p:txBody>
-          <a:bodyPr lIns="0" rIns="0" tIns="0" bIns="0" anchor="t">
+          <a:bodyPr lIns="0" tIns="0" rIns="0" bIns="0" anchor="t">
             <a:normAutofit/>
           </a:bodyPr>
-          <a:p>
-            <a:endParaRPr b="0" lang="en-IN" sz="1400" spc="-1" strike="noStrike">
+          <a:lstStyle/>
+          <a:p>
+            <a:endParaRPr lang="en-IN" sz="1400" b="0" strike="noStrike" spc="-1">
               <a:solidFill>
                 <a:srgbClr val="000000"/>
               </a:solidFill>
@@ -251,6 +353,7 @@
         <p:spPr/>
         <p:txBody>
           <a:bodyPr/>
+          <a:lstStyle/>
           <a:p>
             <a:r>
               <a:t>Footer</a:t>
@@ -271,10 +374,12 @@
         <p:spPr/>
         <p:txBody>
           <a:bodyPr/>
+          <a:lstStyle/>
           <a:p>
             <a:fld id="{1252726C-18F9-493B-99D1-C9A3431E4092}" type="slidenum">
-              <a:t>&lt;#&gt;</a:t>
+              <a:t>‹#›</a:t>
             </a:fld>
+            <a:endParaRPr/>
           </a:p>
         </p:txBody>
       </p:sp>
@@ -291,21 +396,22 @@
         <p:spPr/>
         <p:txBody>
           <a:bodyPr/>
-          <a:p>
-            <a:r>
-              <a:rPr lang="en-IN"/>
-              <a:t/>
-            </a:r>
+          <a:lstStyle/>
+          <a:p>
+            <a:endParaRPr/>
           </a:p>
         </p:txBody>
       </p:sp>
     </p:spTree>
   </p:cSld>
+  <p:clrMapOvr>
+    <a:masterClrMapping/>
+  </p:clrMapOvr>
 </p:sldLayout>
 </file>
 
 <file path=ppt/slideLayouts/slideLayout11.xml><?xml version="1.0" encoding="utf-8"?>
-<p:sldLayout xmlns:a="http://schemas.openxmlformats.org/drawingml/2006/main" xmlns:p="http://schemas.openxmlformats.org/presentationml/2006/main" xmlns:r="http://schemas.openxmlformats.org/officeDocument/2006/relationships" xmlns:p14="http://schemas.microsoft.com/office/powerpoint/2010/main" xmlns:p15="http://schemas.microsoft.com/office/powerpoint/2012/main" xmlns:mc="http://schemas.openxmlformats.org/markup-compatibility/2006" type="fourObj" preserve="1">
+<p:sldLayout xmlns:a="http://schemas.openxmlformats.org/drawingml/2006/main" xmlns:r="http://schemas.openxmlformats.org/officeDocument/2006/relationships" xmlns:p="http://schemas.openxmlformats.org/presentationml/2006/main" type="fourObj" preserve="1">
   <p:cSld name="Title, 4 Content">
     <p:spTree>
       <p:nvGrpSpPr>
@@ -345,11 +451,12 @@
           </a:ln>
         </p:spPr>
         <p:txBody>
-          <a:bodyPr lIns="0" rIns="0" tIns="0" bIns="0" anchor="ctr">
+          <a:bodyPr lIns="0" tIns="0" rIns="0" bIns="0" anchor="ctr">
             <a:noAutofit/>
           </a:bodyPr>
-          <a:p>
-            <a:endParaRPr b="0" lang="en-IN" sz="1400" spc="-1" strike="noStrike">
+          <a:lstStyle/>
+          <a:p>
+            <a:endParaRPr lang="en-IN" sz="1400" b="0" strike="noStrike" spc="-1">
               <a:solidFill>
                 <a:srgbClr val="000000"/>
               </a:solidFill>
@@ -382,11 +489,12 @@
           </a:ln>
         </p:spPr>
         <p:txBody>
-          <a:bodyPr lIns="0" rIns="0" tIns="0" bIns="0" anchor="t">
+          <a:bodyPr lIns="0" tIns="0" rIns="0" bIns="0" anchor="t">
             <a:normAutofit/>
           </a:bodyPr>
-          <a:p>
-            <a:endParaRPr b="0" lang="en-IN" sz="1400" spc="-1" strike="noStrike">
+          <a:lstStyle/>
+          <a:p>
+            <a:endParaRPr lang="en-IN" sz="1400" b="0" strike="noStrike" spc="-1">
               <a:solidFill>
                 <a:srgbClr val="000000"/>
               </a:solidFill>
@@ -419,11 +527,12 @@
           </a:ln>
         </p:spPr>
         <p:txBody>
-          <a:bodyPr lIns="0" rIns="0" tIns="0" bIns="0" anchor="t">
+          <a:bodyPr lIns="0" tIns="0" rIns="0" bIns="0" anchor="t">
             <a:normAutofit/>
           </a:bodyPr>
-          <a:p>
-            <a:endParaRPr b="0" lang="en-IN" sz="1400" spc="-1" strike="noStrike">
+          <a:lstStyle/>
+          <a:p>
+            <a:endParaRPr lang="en-IN" sz="1400" b="0" strike="noStrike" spc="-1">
               <a:solidFill>
                 <a:srgbClr val="000000"/>
               </a:solidFill>
@@ -456,11 +565,12 @@
           </a:ln>
         </p:spPr>
         <p:txBody>
-          <a:bodyPr lIns="0" rIns="0" tIns="0" bIns="0" anchor="t">
+          <a:bodyPr lIns="0" tIns="0" rIns="0" bIns="0" anchor="t">
             <a:normAutofit/>
           </a:bodyPr>
-          <a:p>
-            <a:endParaRPr b="0" lang="en-IN" sz="1400" spc="-1" strike="noStrike">
+          <a:lstStyle/>
+          <a:p>
+            <a:endParaRPr lang="en-IN" sz="1400" b="0" strike="noStrike" spc="-1">
               <a:solidFill>
                 <a:srgbClr val="000000"/>
               </a:solidFill>
@@ -493,11 +603,12 @@
           </a:ln>
         </p:spPr>
         <p:txBody>
-          <a:bodyPr lIns="0" rIns="0" tIns="0" bIns="0" anchor="t">
+          <a:bodyPr lIns="0" tIns="0" rIns="0" bIns="0" anchor="t">
             <a:normAutofit/>
           </a:bodyPr>
-          <a:p>
-            <a:endParaRPr b="0" lang="en-IN" sz="1400" spc="-1" strike="noStrike">
+          <a:lstStyle/>
+          <a:p>
+            <a:endParaRPr lang="en-IN" sz="1400" b="0" strike="noStrike" spc="-1">
               <a:solidFill>
                 <a:srgbClr val="000000"/>
               </a:solidFill>
@@ -519,6 +630,7 @@
         <p:spPr/>
         <p:txBody>
           <a:bodyPr/>
+          <a:lstStyle/>
           <a:p>
             <a:r>
               <a:t>Footer</a:t>
@@ -539,10 +651,12 @@
         <p:spPr/>
         <p:txBody>
           <a:bodyPr/>
+          <a:lstStyle/>
           <a:p>
             <a:fld id="{5C4C34E9-F831-4313-824A-716B4F696EAA}" type="slidenum">
-              <a:t>&lt;#&gt;</a:t>
+              <a:t>‹#›</a:t>
             </a:fld>
+            <a:endParaRPr/>
           </a:p>
         </p:txBody>
       </p:sp>
@@ -559,21 +673,22 @@
         <p:spPr/>
         <p:txBody>
           <a:bodyPr/>
-          <a:p>
-            <a:r>
-              <a:rPr lang="en-IN"/>
-              <a:t/>
-            </a:r>
+          <a:lstStyle/>
+          <a:p>
+            <a:endParaRPr/>
           </a:p>
         </p:txBody>
       </p:sp>
     </p:spTree>
   </p:cSld>
+  <p:clrMapOvr>
+    <a:masterClrMapping/>
+  </p:clrMapOvr>
 </p:sldLayout>
 </file>
 
 <file path=ppt/slideLayouts/slideLayout12.xml><?xml version="1.0" encoding="utf-8"?>
-<p:sldLayout xmlns:a="http://schemas.openxmlformats.org/drawingml/2006/main" xmlns:p="http://schemas.openxmlformats.org/presentationml/2006/main" xmlns:r="http://schemas.openxmlformats.org/officeDocument/2006/relationships" xmlns:p14="http://schemas.microsoft.com/office/powerpoint/2010/main" xmlns:p15="http://schemas.microsoft.com/office/powerpoint/2012/main" xmlns:mc="http://schemas.openxmlformats.org/markup-compatibility/2006" type="blank" preserve="1">
+<p:sldLayout xmlns:a="http://schemas.openxmlformats.org/drawingml/2006/main" xmlns:r="http://schemas.openxmlformats.org/officeDocument/2006/relationships" xmlns:p="http://schemas.openxmlformats.org/presentationml/2006/main" type="blank" preserve="1">
   <p:cSld name="Title, 6 Content">
     <p:spTree>
       <p:nvGrpSpPr>
@@ -613,11 +728,12 @@
           </a:ln>
         </p:spPr>
         <p:txBody>
-          <a:bodyPr lIns="0" rIns="0" tIns="0" bIns="0" anchor="ctr">
+          <a:bodyPr lIns="0" tIns="0" rIns="0" bIns="0" anchor="ctr">
             <a:noAutofit/>
           </a:bodyPr>
-          <a:p>
-            <a:endParaRPr b="0" lang="en-IN" sz="1400" spc="-1" strike="noStrike">
+          <a:lstStyle/>
+          <a:p>
+            <a:endParaRPr lang="en-IN" sz="1400" b="0" strike="noStrike" spc="-1">
               <a:solidFill>
                 <a:srgbClr val="000000"/>
               </a:solidFill>
@@ -650,11 +766,12 @@
           </a:ln>
         </p:spPr>
         <p:txBody>
-          <a:bodyPr lIns="0" rIns="0" tIns="0" bIns="0" anchor="t">
+          <a:bodyPr lIns="0" tIns="0" rIns="0" bIns="0" anchor="t">
             <a:normAutofit/>
           </a:bodyPr>
-          <a:p>
-            <a:endParaRPr b="0" lang="en-IN" sz="1400" spc="-1" strike="noStrike">
+          <a:lstStyle/>
+          <a:p>
+            <a:endParaRPr lang="en-IN" sz="1400" b="0" strike="noStrike" spc="-1">
               <a:solidFill>
                 <a:srgbClr val="000000"/>
               </a:solidFill>
@@ -687,11 +804,12 @@
           </a:ln>
         </p:spPr>
         <p:txBody>
-          <a:bodyPr lIns="0" rIns="0" tIns="0" bIns="0" anchor="t">
+          <a:bodyPr lIns="0" tIns="0" rIns="0" bIns="0" anchor="t">
             <a:normAutofit/>
           </a:bodyPr>
-          <a:p>
-            <a:endParaRPr b="0" lang="en-IN" sz="1400" spc="-1" strike="noStrike">
+          <a:lstStyle/>
+          <a:p>
+            <a:endParaRPr lang="en-IN" sz="1400" b="0" strike="noStrike" spc="-1">
               <a:solidFill>
                 <a:srgbClr val="000000"/>
               </a:solidFill>
@@ -724,11 +842,12 @@
           </a:ln>
         </p:spPr>
         <p:txBody>
-          <a:bodyPr lIns="0" rIns="0" tIns="0" bIns="0" anchor="t">
+          <a:bodyPr lIns="0" tIns="0" rIns="0" bIns="0" anchor="t">
             <a:normAutofit/>
           </a:bodyPr>
-          <a:p>
-            <a:endParaRPr b="0" lang="en-IN" sz="1400" spc="-1" strike="noStrike">
+          <a:lstStyle/>
+          <a:p>
+            <a:endParaRPr lang="en-IN" sz="1400" b="0" strike="noStrike" spc="-1">
               <a:solidFill>
                 <a:srgbClr val="000000"/>
               </a:solidFill>
@@ -761,11 +880,12 @@
           </a:ln>
         </p:spPr>
         <p:txBody>
-          <a:bodyPr lIns="0" rIns="0" tIns="0" bIns="0" anchor="t">
+          <a:bodyPr lIns="0" tIns="0" rIns="0" bIns="0" anchor="t">
             <a:normAutofit/>
           </a:bodyPr>
-          <a:p>
-            <a:endParaRPr b="0" lang="en-IN" sz="1400" spc="-1" strike="noStrike">
+          <a:lstStyle/>
+          <a:p>
+            <a:endParaRPr lang="en-IN" sz="1400" b="0" strike="noStrike" spc="-1">
               <a:solidFill>
                 <a:srgbClr val="000000"/>
               </a:solidFill>
@@ -798,11 +918,12 @@
           </a:ln>
         </p:spPr>
         <p:txBody>
-          <a:bodyPr lIns="0" rIns="0" tIns="0" bIns="0" anchor="t">
+          <a:bodyPr lIns="0" tIns="0" rIns="0" bIns="0" anchor="t">
             <a:normAutofit/>
           </a:bodyPr>
-          <a:p>
-            <a:endParaRPr b="0" lang="en-IN" sz="1400" spc="-1" strike="noStrike">
+          <a:lstStyle/>
+          <a:p>
+            <a:endParaRPr lang="en-IN" sz="1400" b="0" strike="noStrike" spc="-1">
               <a:solidFill>
                 <a:srgbClr val="000000"/>
               </a:solidFill>
@@ -835,11 +956,12 @@
           </a:ln>
         </p:spPr>
         <p:txBody>
-          <a:bodyPr lIns="0" rIns="0" tIns="0" bIns="0" anchor="t">
+          <a:bodyPr lIns="0" tIns="0" rIns="0" bIns="0" anchor="t">
             <a:normAutofit/>
           </a:bodyPr>
-          <a:p>
-            <a:endParaRPr b="0" lang="en-IN" sz="1400" spc="-1" strike="noStrike">
+          <a:lstStyle/>
+          <a:p>
+            <a:endParaRPr lang="en-IN" sz="1400" b="0" strike="noStrike" spc="-1">
               <a:solidFill>
                 <a:srgbClr val="000000"/>
               </a:solidFill>
@@ -861,6 +983,7 @@
         <p:spPr/>
         <p:txBody>
           <a:bodyPr/>
+          <a:lstStyle/>
           <a:p>
             <a:r>
               <a:t>Footer</a:t>
@@ -881,10 +1004,12 @@
         <p:spPr/>
         <p:txBody>
           <a:bodyPr/>
+          <a:lstStyle/>
           <a:p>
             <a:fld id="{F3D52970-66C2-48A8-9B51-0B44968A5D7F}" type="slidenum">
-              <a:t>&lt;#&gt;</a:t>
+              <a:t>‹#›</a:t>
             </a:fld>
+            <a:endParaRPr/>
           </a:p>
         </p:txBody>
       </p:sp>
@@ -901,21 +1026,22 @@
         <p:spPr/>
         <p:txBody>
           <a:bodyPr/>
-          <a:p>
-            <a:r>
-              <a:rPr lang="en-IN"/>
-              <a:t/>
-            </a:r>
+          <a:lstStyle/>
+          <a:p>
+            <a:endParaRPr/>
           </a:p>
         </p:txBody>
       </p:sp>
     </p:spTree>
   </p:cSld>
+  <p:clrMapOvr>
+    <a:masterClrMapping/>
+  </p:clrMapOvr>
 </p:sldLayout>
 </file>
 
 <file path=ppt/slideLayouts/slideLayout13.xml><?xml version="1.0" encoding="utf-8"?>
-<p:sldLayout xmlns:a="http://schemas.openxmlformats.org/drawingml/2006/main" xmlns:p="http://schemas.openxmlformats.org/presentationml/2006/main" xmlns:r="http://schemas.openxmlformats.org/officeDocument/2006/relationships" xmlns:p14="http://schemas.microsoft.com/office/powerpoint/2010/main" xmlns:p15="http://schemas.microsoft.com/office/powerpoint/2012/main" xmlns:mc="http://schemas.openxmlformats.org/markup-compatibility/2006" type="blank" preserve="1">
+<p:sldLayout xmlns:a="http://schemas.openxmlformats.org/drawingml/2006/main" xmlns:r="http://schemas.openxmlformats.org/officeDocument/2006/relationships" xmlns:p="http://schemas.openxmlformats.org/presentationml/2006/main" type="blank" preserve="1">
   <p:cSld name="Blank Slide">
     <p:spTree>
       <p:nvGrpSpPr>
@@ -944,6 +1070,7 @@
         <p:spPr/>
         <p:txBody>
           <a:bodyPr/>
+          <a:lstStyle/>
           <a:p>
             <a:r>
               <a:t>Footer</a:t>
@@ -964,10 +1091,12 @@
         <p:spPr/>
         <p:txBody>
           <a:bodyPr/>
+          <a:lstStyle/>
           <a:p>
             <a:fld id="{637E6447-C885-4760-8A2E-70A7A4308C78}" type="slidenum">
-              <a:t>&lt;#&gt;</a:t>
+              <a:t>‹#›</a:t>
             </a:fld>
+            <a:endParaRPr/>
           </a:p>
         </p:txBody>
       </p:sp>
@@ -984,21 +1113,22 @@
         <p:spPr/>
         <p:txBody>
           <a:bodyPr/>
-          <a:p>
-            <a:r>
-              <a:rPr lang="en-IN"/>
-              <a:t/>
-            </a:r>
+          <a:lstStyle/>
+          <a:p>
+            <a:endParaRPr/>
           </a:p>
         </p:txBody>
       </p:sp>
     </p:spTree>
   </p:cSld>
+  <p:clrMapOvr>
+    <a:masterClrMapping/>
+  </p:clrMapOvr>
 </p:sldLayout>
 </file>
 
 <file path=ppt/slideLayouts/slideLayout14.xml><?xml version="1.0" encoding="utf-8"?>
-<p:sldLayout xmlns:a="http://schemas.openxmlformats.org/drawingml/2006/main" xmlns:p="http://schemas.openxmlformats.org/presentationml/2006/main" xmlns:r="http://schemas.openxmlformats.org/officeDocument/2006/relationships" xmlns:p14="http://schemas.microsoft.com/office/powerpoint/2010/main" xmlns:p15="http://schemas.microsoft.com/office/powerpoint/2012/main" xmlns:mc="http://schemas.openxmlformats.org/markup-compatibility/2006" type="tx" preserve="1">
+<p:sldLayout xmlns:a="http://schemas.openxmlformats.org/drawingml/2006/main" xmlns:r="http://schemas.openxmlformats.org/officeDocument/2006/relationships" xmlns:p="http://schemas.openxmlformats.org/presentationml/2006/main" type="tx" preserve="1">
   <p:cSld name="Title Slide">
     <p:spTree>
       <p:nvGrpSpPr>
@@ -1038,11 +1168,12 @@
           </a:ln>
         </p:spPr>
         <p:txBody>
-          <a:bodyPr lIns="0" rIns="0" tIns="0" bIns="0" anchor="ctr">
+          <a:bodyPr lIns="0" tIns="0" rIns="0" bIns="0" anchor="ctr">
             <a:noAutofit/>
           </a:bodyPr>
-          <a:p>
-            <a:endParaRPr b="0" lang="en-IN" sz="1400" spc="-1" strike="noStrike">
+          <a:lstStyle/>
+          <a:p>
+            <a:endParaRPr lang="en-IN" sz="1400" b="0" strike="noStrike" spc="-1">
               <a:solidFill>
                 <a:srgbClr val="000000"/>
               </a:solidFill>
@@ -1075,14 +1206,15 @@
           </a:ln>
         </p:spPr>
         <p:txBody>
-          <a:bodyPr lIns="0" rIns="0" tIns="0" bIns="0" anchor="ctr">
+          <a:bodyPr lIns="0" tIns="0" rIns="0" bIns="0" anchor="ctr">
             <a:noAutofit/>
           </a:bodyPr>
+          <a:lstStyle/>
           <a:p>
             <a:pPr algn="ctr">
               <a:buNone/>
             </a:pPr>
-            <a:endParaRPr b="0" lang="en-IN" sz="3200" spc="-1" strike="noStrike">
+            <a:endParaRPr lang="en-IN" sz="3200" b="0" strike="noStrike" spc="-1">
               <a:latin typeface="Arial"/>
             </a:endParaRPr>
           </a:p>
@@ -1101,6 +1233,7 @@
         <p:spPr/>
         <p:txBody>
           <a:bodyPr/>
+          <a:lstStyle/>
           <a:p>
             <a:r>
               <a:t>Footer</a:t>
@@ -1121,10 +1254,12 @@
         <p:spPr/>
         <p:txBody>
           <a:bodyPr/>
+          <a:lstStyle/>
           <a:p>
             <a:fld id="{87C2A2A7-B710-418A-9410-9FAC79BD14F8}" type="slidenum">
-              <a:t>&lt;#&gt;</a:t>
+              <a:t>‹#›</a:t>
             </a:fld>
+            <a:endParaRPr/>
           </a:p>
         </p:txBody>
       </p:sp>
@@ -1141,21 +1276,22 @@
         <p:spPr/>
         <p:txBody>
           <a:bodyPr/>
-          <a:p>
-            <a:r>
-              <a:rPr lang="en-IN"/>
-              <a:t/>
-            </a:r>
+          <a:lstStyle/>
+          <a:p>
+            <a:endParaRPr/>
           </a:p>
         </p:txBody>
       </p:sp>
     </p:spTree>
   </p:cSld>
+  <p:clrMapOvr>
+    <a:masterClrMapping/>
+  </p:clrMapOvr>
 </p:sldLayout>
 </file>
 
 <file path=ppt/slideLayouts/slideLayout15.xml><?xml version="1.0" encoding="utf-8"?>
-<p:sldLayout xmlns:a="http://schemas.openxmlformats.org/drawingml/2006/main" xmlns:p="http://schemas.openxmlformats.org/presentationml/2006/main" xmlns:r="http://schemas.openxmlformats.org/officeDocument/2006/relationships" xmlns:p14="http://schemas.microsoft.com/office/powerpoint/2010/main" xmlns:p15="http://schemas.microsoft.com/office/powerpoint/2012/main" xmlns:mc="http://schemas.openxmlformats.org/markup-compatibility/2006" type="obj" preserve="1">
+<p:sldLayout xmlns:a="http://schemas.openxmlformats.org/drawingml/2006/main" xmlns:r="http://schemas.openxmlformats.org/officeDocument/2006/relationships" xmlns:p="http://schemas.openxmlformats.org/presentationml/2006/main" type="obj" preserve="1">
   <p:cSld name="Title, Content">
     <p:spTree>
       <p:nvGrpSpPr>
@@ -1195,11 +1331,12 @@
           </a:ln>
         </p:spPr>
         <p:txBody>
-          <a:bodyPr lIns="0" rIns="0" tIns="0" bIns="0" anchor="ctr">
+          <a:bodyPr lIns="0" tIns="0" rIns="0" bIns="0" anchor="ctr">
             <a:noAutofit/>
           </a:bodyPr>
-          <a:p>
-            <a:endParaRPr b="0" lang="en-IN" sz="1400" spc="-1" strike="noStrike">
+          <a:lstStyle/>
+          <a:p>
+            <a:endParaRPr lang="en-IN" sz="1400" b="0" strike="noStrike" spc="-1">
               <a:solidFill>
                 <a:srgbClr val="000000"/>
               </a:solidFill>
@@ -1232,11 +1369,12 @@
           </a:ln>
         </p:spPr>
         <p:txBody>
-          <a:bodyPr lIns="0" rIns="0" tIns="0" bIns="0" anchor="t">
+          <a:bodyPr lIns="0" tIns="0" rIns="0" bIns="0" anchor="t">
             <a:normAutofit/>
           </a:bodyPr>
-          <a:p>
-            <a:endParaRPr b="0" lang="en-IN" sz="1400" spc="-1" strike="noStrike">
+          <a:lstStyle/>
+          <a:p>
+            <a:endParaRPr lang="en-IN" sz="1400" b="0" strike="noStrike" spc="-1">
               <a:solidFill>
                 <a:srgbClr val="000000"/>
               </a:solidFill>
@@ -1258,6 +1396,7 @@
         <p:spPr/>
         <p:txBody>
           <a:bodyPr/>
+          <a:lstStyle/>
           <a:p>
             <a:r>
               <a:t>Footer</a:t>
@@ -1278,10 +1417,12 @@
         <p:spPr/>
         <p:txBody>
           <a:bodyPr/>
+          <a:lstStyle/>
           <a:p>
             <a:fld id="{D78783DB-37A7-4E49-BA78-9796A1DC6A46}" type="slidenum">
-              <a:t>&lt;#&gt;</a:t>
+              <a:t>‹#›</a:t>
             </a:fld>
+            <a:endParaRPr/>
           </a:p>
         </p:txBody>
       </p:sp>
@@ -1298,21 +1439,22 @@
         <p:spPr/>
         <p:txBody>
           <a:bodyPr/>
-          <a:p>
-            <a:r>
-              <a:rPr lang="en-IN"/>
-              <a:t/>
-            </a:r>
+          <a:lstStyle/>
+          <a:p>
+            <a:endParaRPr/>
           </a:p>
         </p:txBody>
       </p:sp>
     </p:spTree>
   </p:cSld>
+  <p:clrMapOvr>
+    <a:masterClrMapping/>
+  </p:clrMapOvr>
 </p:sldLayout>
 </file>
 
 <file path=ppt/slideLayouts/slideLayout16.xml><?xml version="1.0" encoding="utf-8"?>
-<p:sldLayout xmlns:a="http://schemas.openxmlformats.org/drawingml/2006/main" xmlns:p="http://schemas.openxmlformats.org/presentationml/2006/main" xmlns:r="http://schemas.openxmlformats.org/officeDocument/2006/relationships" xmlns:p14="http://schemas.microsoft.com/office/powerpoint/2010/main" xmlns:p15="http://schemas.microsoft.com/office/powerpoint/2012/main" xmlns:mc="http://schemas.openxmlformats.org/markup-compatibility/2006" type="twoObj" preserve="1">
+<p:sldLayout xmlns:a="http://schemas.openxmlformats.org/drawingml/2006/main" xmlns:r="http://schemas.openxmlformats.org/officeDocument/2006/relationships" xmlns:p="http://schemas.openxmlformats.org/presentationml/2006/main" type="twoObj" preserve="1">
   <p:cSld name="Title, 2 Content">
     <p:spTree>
       <p:nvGrpSpPr>
@@ -1352,11 +1494,12 @@
           </a:ln>
         </p:spPr>
         <p:txBody>
-          <a:bodyPr lIns="0" rIns="0" tIns="0" bIns="0" anchor="ctr">
+          <a:bodyPr lIns="0" tIns="0" rIns="0" bIns="0" anchor="ctr">
             <a:noAutofit/>
           </a:bodyPr>
-          <a:p>
-            <a:endParaRPr b="0" lang="en-IN" sz="1400" spc="-1" strike="noStrike">
+          <a:lstStyle/>
+          <a:p>
+            <a:endParaRPr lang="en-IN" sz="1400" b="0" strike="noStrike" spc="-1">
               <a:solidFill>
                 <a:srgbClr val="000000"/>
               </a:solidFill>
@@ -1389,11 +1532,12 @@
           </a:ln>
         </p:spPr>
         <p:txBody>
-          <a:bodyPr lIns="0" rIns="0" tIns="0" bIns="0" anchor="t">
+          <a:bodyPr lIns="0" tIns="0" rIns="0" bIns="0" anchor="t">
             <a:normAutofit/>
           </a:bodyPr>
-          <a:p>
-            <a:endParaRPr b="0" lang="en-IN" sz="1400" spc="-1" strike="noStrike">
+          <a:lstStyle/>
+          <a:p>
+            <a:endParaRPr lang="en-IN" sz="1400" b="0" strike="noStrike" spc="-1">
               <a:solidFill>
                 <a:srgbClr val="000000"/>
               </a:solidFill>
@@ -1426,11 +1570,12 @@
           </a:ln>
         </p:spPr>
         <p:txBody>
-          <a:bodyPr lIns="0" rIns="0" tIns="0" bIns="0" anchor="t">
+          <a:bodyPr lIns="0" tIns="0" rIns="0" bIns="0" anchor="t">
             <a:normAutofit/>
           </a:bodyPr>
-          <a:p>
-            <a:endParaRPr b="0" lang="en-IN" sz="1400" spc="-1" strike="noStrike">
+          <a:lstStyle/>
+          <a:p>
+            <a:endParaRPr lang="en-IN" sz="1400" b="0" strike="noStrike" spc="-1">
               <a:solidFill>
                 <a:srgbClr val="000000"/>
               </a:solidFill>
@@ -1452,6 +1597,7 @@
         <p:spPr/>
         <p:txBody>
           <a:bodyPr/>
+          <a:lstStyle/>
           <a:p>
             <a:r>
               <a:t>Footer</a:t>
@@ -1472,10 +1618,12 @@
         <p:spPr/>
         <p:txBody>
           <a:bodyPr/>
+          <a:lstStyle/>
           <a:p>
             <a:fld id="{DD7C30C5-0482-4FD0-834A-1648BB76A023}" type="slidenum">
-              <a:t>&lt;#&gt;</a:t>
+              <a:t>‹#›</a:t>
             </a:fld>
+            <a:endParaRPr/>
           </a:p>
         </p:txBody>
       </p:sp>
@@ -1492,21 +1640,22 @@
         <p:spPr/>
         <p:txBody>
           <a:bodyPr/>
-          <a:p>
-            <a:r>
-              <a:rPr lang="en-IN"/>
-              <a:t/>
-            </a:r>
+          <a:lstStyle/>
+          <a:p>
+            <a:endParaRPr/>
           </a:p>
         </p:txBody>
       </p:sp>
     </p:spTree>
   </p:cSld>
+  <p:clrMapOvr>
+    <a:masterClrMapping/>
+  </p:clrMapOvr>
 </p:sldLayout>
 </file>
 
 <file path=ppt/slideLayouts/slideLayout17.xml><?xml version="1.0" encoding="utf-8"?>
-<p:sldLayout xmlns:a="http://schemas.openxmlformats.org/drawingml/2006/main" xmlns:p="http://schemas.openxmlformats.org/presentationml/2006/main" xmlns:r="http://schemas.openxmlformats.org/officeDocument/2006/relationships" xmlns:p14="http://schemas.microsoft.com/office/powerpoint/2010/main" xmlns:p15="http://schemas.microsoft.com/office/powerpoint/2012/main" xmlns:mc="http://schemas.openxmlformats.org/markup-compatibility/2006" type="titleOnly" preserve="1">
+<p:sldLayout xmlns:a="http://schemas.openxmlformats.org/drawingml/2006/main" xmlns:r="http://schemas.openxmlformats.org/officeDocument/2006/relationships" xmlns:p="http://schemas.openxmlformats.org/presentationml/2006/main" type="titleOnly" preserve="1">
   <p:cSld name="Title Only">
     <p:spTree>
       <p:nvGrpSpPr>
@@ -1546,11 +1695,12 @@
           </a:ln>
         </p:spPr>
         <p:txBody>
-          <a:bodyPr lIns="0" rIns="0" tIns="0" bIns="0" anchor="ctr">
+          <a:bodyPr lIns="0" tIns="0" rIns="0" bIns="0" anchor="ctr">
             <a:noAutofit/>
           </a:bodyPr>
-          <a:p>
-            <a:endParaRPr b="0" lang="en-IN" sz="1400" spc="-1" strike="noStrike">
+          <a:lstStyle/>
+          <a:p>
+            <a:endParaRPr lang="en-IN" sz="1400" b="0" strike="noStrike" spc="-1">
               <a:solidFill>
                 <a:srgbClr val="000000"/>
               </a:solidFill>
@@ -1572,6 +1722,7 @@
         <p:spPr/>
         <p:txBody>
           <a:bodyPr/>
+          <a:lstStyle/>
           <a:p>
             <a:r>
               <a:t>Footer</a:t>
@@ -1592,10 +1743,12 @@
         <p:spPr/>
         <p:txBody>
           <a:bodyPr/>
+          <a:lstStyle/>
           <a:p>
             <a:fld id="{F5827362-57C8-4DF0-A5EA-82A87004BC74}" type="slidenum">
-              <a:t>&lt;#&gt;</a:t>
+              <a:t>‹#›</a:t>
             </a:fld>
+            <a:endParaRPr/>
           </a:p>
         </p:txBody>
       </p:sp>
@@ -1612,21 +1765,22 @@
         <p:spPr/>
         <p:txBody>
           <a:bodyPr/>
-          <a:p>
-            <a:r>
-              <a:rPr lang="en-IN"/>
-              <a:t/>
-            </a:r>
+          <a:lstStyle/>
+          <a:p>
+            <a:endParaRPr/>
           </a:p>
         </p:txBody>
       </p:sp>
     </p:spTree>
   </p:cSld>
+  <p:clrMapOvr>
+    <a:masterClrMapping/>
+  </p:clrMapOvr>
 </p:sldLayout>
 </file>
 
 <file path=ppt/slideLayouts/slideLayout18.xml><?xml version="1.0" encoding="utf-8"?>
-<p:sldLayout xmlns:a="http://schemas.openxmlformats.org/drawingml/2006/main" xmlns:p="http://schemas.openxmlformats.org/presentationml/2006/main" xmlns:r="http://schemas.openxmlformats.org/officeDocument/2006/relationships" xmlns:p14="http://schemas.microsoft.com/office/powerpoint/2010/main" xmlns:p15="http://schemas.microsoft.com/office/powerpoint/2012/main" xmlns:mc="http://schemas.openxmlformats.org/markup-compatibility/2006" type="objOnly" preserve="1">
+<p:sldLayout xmlns:a="http://schemas.openxmlformats.org/drawingml/2006/main" xmlns:r="http://schemas.openxmlformats.org/officeDocument/2006/relationships" xmlns:p="http://schemas.openxmlformats.org/presentationml/2006/main" type="objOnly" preserve="1">
   <p:cSld name="Centered Text">
     <p:spTree>
       <p:nvGrpSpPr>
@@ -1666,14 +1820,15 @@
           </a:ln>
         </p:spPr>
         <p:txBody>
-          <a:bodyPr lIns="0" rIns="0" tIns="0" bIns="0" anchor="ctr">
+          <a:bodyPr lIns="0" tIns="0" rIns="0" bIns="0" anchor="ctr">
             <a:noAutofit/>
           </a:bodyPr>
+          <a:lstStyle/>
           <a:p>
             <a:pPr algn="ctr">
               <a:buNone/>
             </a:pPr>
-            <a:endParaRPr b="0" lang="en-IN" sz="3200" spc="-1" strike="noStrike">
+            <a:endParaRPr lang="en-IN" sz="3200" b="0" strike="noStrike" spc="-1">
               <a:latin typeface="Arial"/>
             </a:endParaRPr>
           </a:p>
@@ -1692,6 +1847,7 @@
         <p:spPr/>
         <p:txBody>
           <a:bodyPr/>
+          <a:lstStyle/>
           <a:p>
             <a:r>
               <a:t>Footer</a:t>
@@ -1712,10 +1868,12 @@
         <p:spPr/>
         <p:txBody>
           <a:bodyPr/>
+          <a:lstStyle/>
           <a:p>
             <a:fld id="{9783BE61-CC6C-4606-B23F-DDD64A6F5E98}" type="slidenum">
-              <a:t>&lt;#&gt;</a:t>
+              <a:t>‹#›</a:t>
             </a:fld>
+            <a:endParaRPr/>
           </a:p>
         </p:txBody>
       </p:sp>
@@ -1732,21 +1890,22 @@
         <p:spPr/>
         <p:txBody>
           <a:bodyPr/>
-          <a:p>
-            <a:r>
-              <a:rPr lang="en-IN"/>
-              <a:t/>
-            </a:r>
+          <a:lstStyle/>
+          <a:p>
+            <a:endParaRPr/>
           </a:p>
         </p:txBody>
       </p:sp>
     </p:spTree>
   </p:cSld>
+  <p:clrMapOvr>
+    <a:masterClrMapping/>
+  </p:clrMapOvr>
 </p:sldLayout>
 </file>
 
 <file path=ppt/slideLayouts/slideLayout19.xml><?xml version="1.0" encoding="utf-8"?>
-<p:sldLayout xmlns:a="http://schemas.openxmlformats.org/drawingml/2006/main" xmlns:p="http://schemas.openxmlformats.org/presentationml/2006/main" xmlns:r="http://schemas.openxmlformats.org/officeDocument/2006/relationships" xmlns:p14="http://schemas.microsoft.com/office/powerpoint/2010/main" xmlns:p15="http://schemas.microsoft.com/office/powerpoint/2012/main" xmlns:mc="http://schemas.openxmlformats.org/markup-compatibility/2006" type="twoObjAndObj" preserve="1">
+<p:sldLayout xmlns:a="http://schemas.openxmlformats.org/drawingml/2006/main" xmlns:r="http://schemas.openxmlformats.org/officeDocument/2006/relationships" xmlns:p="http://schemas.openxmlformats.org/presentationml/2006/main" type="twoObjAndObj" preserve="1">
   <p:cSld name="Title, 2 Content and Content">
     <p:spTree>
       <p:nvGrpSpPr>
@@ -1786,11 +1945,12 @@
           </a:ln>
         </p:spPr>
         <p:txBody>
-          <a:bodyPr lIns="0" rIns="0" tIns="0" bIns="0" anchor="ctr">
+          <a:bodyPr lIns="0" tIns="0" rIns="0" bIns="0" anchor="ctr">
             <a:noAutofit/>
           </a:bodyPr>
-          <a:p>
-            <a:endParaRPr b="0" lang="en-IN" sz="1400" spc="-1" strike="noStrike">
+          <a:lstStyle/>
+          <a:p>
+            <a:endParaRPr lang="en-IN" sz="1400" b="0" strike="noStrike" spc="-1">
               <a:solidFill>
                 <a:srgbClr val="000000"/>
               </a:solidFill>
@@ -1823,11 +1983,12 @@
           </a:ln>
         </p:spPr>
         <p:txBody>
-          <a:bodyPr lIns="0" rIns="0" tIns="0" bIns="0" anchor="t">
+          <a:bodyPr lIns="0" tIns="0" rIns="0" bIns="0" anchor="t">
             <a:normAutofit/>
           </a:bodyPr>
-          <a:p>
-            <a:endParaRPr b="0" lang="en-IN" sz="1400" spc="-1" strike="noStrike">
+          <a:lstStyle/>
+          <a:p>
+            <a:endParaRPr lang="en-IN" sz="1400" b="0" strike="noStrike" spc="-1">
               <a:solidFill>
                 <a:srgbClr val="000000"/>
               </a:solidFill>
@@ -1860,11 +2021,12 @@
           </a:ln>
         </p:spPr>
         <p:txBody>
-          <a:bodyPr lIns="0" rIns="0" tIns="0" bIns="0" anchor="t">
+          <a:bodyPr lIns="0" tIns="0" rIns="0" bIns="0" anchor="t">
             <a:normAutofit/>
           </a:bodyPr>
-          <a:p>
-            <a:endParaRPr b="0" lang="en-IN" sz="1400" spc="-1" strike="noStrike">
+          <a:lstStyle/>
+          <a:p>
+            <a:endParaRPr lang="en-IN" sz="1400" b="0" strike="noStrike" spc="-1">
               <a:solidFill>
                 <a:srgbClr val="000000"/>
               </a:solidFill>
@@ -1897,11 +2059,12 @@
           </a:ln>
         </p:spPr>
         <p:txBody>
-          <a:bodyPr lIns="0" rIns="0" tIns="0" bIns="0" anchor="t">
+          <a:bodyPr lIns="0" tIns="0" rIns="0" bIns="0" anchor="t">
             <a:normAutofit/>
           </a:bodyPr>
-          <a:p>
-            <a:endParaRPr b="0" lang="en-IN" sz="1400" spc="-1" strike="noStrike">
+          <a:lstStyle/>
+          <a:p>
+            <a:endParaRPr lang="en-IN" sz="1400" b="0" strike="noStrike" spc="-1">
               <a:solidFill>
                 <a:srgbClr val="000000"/>
               </a:solidFill>
@@ -1923,6 +2086,7 @@
         <p:spPr/>
         <p:txBody>
           <a:bodyPr/>
+          <a:lstStyle/>
           <a:p>
             <a:r>
               <a:t>Footer</a:t>
@@ -1943,10 +2107,12 @@
         <p:spPr/>
         <p:txBody>
           <a:bodyPr/>
+          <a:lstStyle/>
           <a:p>
             <a:fld id="{0FF2C45E-85D4-4728-BD7C-59E413C13CEA}" type="slidenum">
-              <a:t>&lt;#&gt;</a:t>
+              <a:t>‹#›</a:t>
             </a:fld>
+            <a:endParaRPr/>
           </a:p>
         </p:txBody>
       </p:sp>
@@ -1963,21 +2129,22 @@
         <p:spPr/>
         <p:txBody>
           <a:bodyPr/>
-          <a:p>
-            <a:r>
-              <a:rPr lang="en-IN"/>
-              <a:t/>
-            </a:r>
+          <a:lstStyle/>
+          <a:p>
+            <a:endParaRPr/>
           </a:p>
         </p:txBody>
       </p:sp>
     </p:spTree>
   </p:cSld>
+  <p:clrMapOvr>
+    <a:masterClrMapping/>
+  </p:clrMapOvr>
 </p:sldLayout>
 </file>
 
 <file path=ppt/slideLayouts/slideLayout2.xml><?xml version="1.0" encoding="utf-8"?>
-<p:sldLayout xmlns:a="http://schemas.openxmlformats.org/drawingml/2006/main" xmlns:p="http://schemas.openxmlformats.org/presentationml/2006/main" xmlns:r="http://schemas.openxmlformats.org/officeDocument/2006/relationships" xmlns:p14="http://schemas.microsoft.com/office/powerpoint/2010/main" xmlns:p15="http://schemas.microsoft.com/office/powerpoint/2012/main" xmlns:mc="http://schemas.openxmlformats.org/markup-compatibility/2006" type="tx" preserve="1">
+<p:sldLayout xmlns:a="http://schemas.openxmlformats.org/drawingml/2006/main" xmlns:r="http://schemas.openxmlformats.org/officeDocument/2006/relationships" xmlns:p="http://schemas.openxmlformats.org/presentationml/2006/main" type="tx" preserve="1">
   <p:cSld name="Title Slide">
     <p:spTree>
       <p:nvGrpSpPr>
@@ -2017,11 +2184,12 @@
           </a:ln>
         </p:spPr>
         <p:txBody>
-          <a:bodyPr lIns="0" rIns="0" tIns="0" bIns="0" anchor="ctr">
+          <a:bodyPr lIns="0" tIns="0" rIns="0" bIns="0" anchor="ctr">
             <a:noAutofit/>
           </a:bodyPr>
-          <a:p>
-            <a:endParaRPr b="0" lang="en-IN" sz="1400" spc="-1" strike="noStrike">
+          <a:lstStyle/>
+          <a:p>
+            <a:endParaRPr lang="en-IN" sz="1400" b="0" strike="noStrike" spc="-1">
               <a:solidFill>
                 <a:srgbClr val="000000"/>
               </a:solidFill>
@@ -2054,14 +2222,15 @@
           </a:ln>
         </p:spPr>
         <p:txBody>
-          <a:bodyPr lIns="0" rIns="0" tIns="0" bIns="0" anchor="ctr">
+          <a:bodyPr lIns="0" tIns="0" rIns="0" bIns="0" anchor="ctr">
             <a:noAutofit/>
           </a:bodyPr>
+          <a:lstStyle/>
           <a:p>
             <a:pPr algn="ctr">
               <a:buNone/>
             </a:pPr>
-            <a:endParaRPr b="0" lang="en-IN" sz="3200" spc="-1" strike="noStrike">
+            <a:endParaRPr lang="en-IN" sz="3200" b="0" strike="noStrike" spc="-1">
               <a:latin typeface="Arial"/>
             </a:endParaRPr>
           </a:p>
@@ -2080,6 +2249,7 @@
         <p:spPr/>
         <p:txBody>
           <a:bodyPr/>
+          <a:lstStyle/>
           <a:p>
             <a:r>
               <a:t>Footer</a:t>
@@ -2089,7 +2259,7 @@
       </p:sp>
       <p:sp>
         <p:nvSpPr>
-          <p:cNvPr id="5" name="PlaceHolder 4"/>
+          <p:cNvPr id="2" name="PlaceHolder 4"/>
           <p:cNvSpPr>
             <a:spLocks noGrp="1"/>
           </p:cNvSpPr>
@@ -2100,16 +2270,18 @@
         <p:spPr/>
         <p:txBody>
           <a:bodyPr/>
+          <a:lstStyle/>
           <a:p>
             <a:fld id="{4CE2A035-DC44-4BAD-BA23-5215EB3FA679}" type="slidenum">
-              <a:t>&lt;#&gt;</a:t>
+              <a:t>‹#›</a:t>
             </a:fld>
-          </a:p>
-        </p:txBody>
-      </p:sp>
-      <p:sp>
-        <p:nvSpPr>
-          <p:cNvPr id="6" name="PlaceHolder 5"/>
+            <a:endParaRPr/>
+          </a:p>
+        </p:txBody>
+      </p:sp>
+      <p:sp>
+        <p:nvSpPr>
+          <p:cNvPr id="3" name="PlaceHolder 5"/>
           <p:cNvSpPr>
             <a:spLocks noGrp="1"/>
           </p:cNvSpPr>
@@ -2120,21 +2292,22 @@
         <p:spPr/>
         <p:txBody>
           <a:bodyPr/>
-          <a:p>
-            <a:r>
-              <a:rPr lang="en-IN"/>
-              <a:t/>
-            </a:r>
+          <a:lstStyle/>
+          <a:p>
+            <a:endParaRPr/>
           </a:p>
         </p:txBody>
       </p:sp>
     </p:spTree>
   </p:cSld>
+  <p:clrMapOvr>
+    <a:masterClrMapping/>
+  </p:clrMapOvr>
 </p:sldLayout>
 </file>
 
 <file path=ppt/slideLayouts/slideLayout20.xml><?xml version="1.0" encoding="utf-8"?>
-<p:sldLayout xmlns:a="http://schemas.openxmlformats.org/drawingml/2006/main" xmlns:p="http://schemas.openxmlformats.org/presentationml/2006/main" xmlns:r="http://schemas.openxmlformats.org/officeDocument/2006/relationships" xmlns:p14="http://schemas.microsoft.com/office/powerpoint/2010/main" xmlns:p15="http://schemas.microsoft.com/office/powerpoint/2012/main" xmlns:mc="http://schemas.openxmlformats.org/markup-compatibility/2006" type="objAndTwoObj" preserve="1">
+<p:sldLayout xmlns:a="http://schemas.openxmlformats.org/drawingml/2006/main" xmlns:r="http://schemas.openxmlformats.org/officeDocument/2006/relationships" xmlns:p="http://schemas.openxmlformats.org/presentationml/2006/main" type="objAndTwoObj" preserve="1">
   <p:cSld name="Title Content and 2 Content">
     <p:spTree>
       <p:nvGrpSpPr>
@@ -2174,11 +2347,12 @@
           </a:ln>
         </p:spPr>
         <p:txBody>
-          <a:bodyPr lIns="0" rIns="0" tIns="0" bIns="0" anchor="ctr">
+          <a:bodyPr lIns="0" tIns="0" rIns="0" bIns="0" anchor="ctr">
             <a:noAutofit/>
           </a:bodyPr>
-          <a:p>
-            <a:endParaRPr b="0" lang="en-IN" sz="1400" spc="-1" strike="noStrike">
+          <a:lstStyle/>
+          <a:p>
+            <a:endParaRPr lang="en-IN" sz="1400" b="0" strike="noStrike" spc="-1">
               <a:solidFill>
                 <a:srgbClr val="000000"/>
               </a:solidFill>
@@ -2211,11 +2385,12 @@
           </a:ln>
         </p:spPr>
         <p:txBody>
-          <a:bodyPr lIns="0" rIns="0" tIns="0" bIns="0" anchor="t">
+          <a:bodyPr lIns="0" tIns="0" rIns="0" bIns="0" anchor="t">
             <a:normAutofit/>
           </a:bodyPr>
-          <a:p>
-            <a:endParaRPr b="0" lang="en-IN" sz="1400" spc="-1" strike="noStrike">
+          <a:lstStyle/>
+          <a:p>
+            <a:endParaRPr lang="en-IN" sz="1400" b="0" strike="noStrike" spc="-1">
               <a:solidFill>
                 <a:srgbClr val="000000"/>
               </a:solidFill>
@@ -2248,11 +2423,12 @@
           </a:ln>
         </p:spPr>
         <p:txBody>
-          <a:bodyPr lIns="0" rIns="0" tIns="0" bIns="0" anchor="t">
+          <a:bodyPr lIns="0" tIns="0" rIns="0" bIns="0" anchor="t">
             <a:normAutofit/>
           </a:bodyPr>
-          <a:p>
-            <a:endParaRPr b="0" lang="en-IN" sz="1400" spc="-1" strike="noStrike">
+          <a:lstStyle/>
+          <a:p>
+            <a:endParaRPr lang="en-IN" sz="1400" b="0" strike="noStrike" spc="-1">
               <a:solidFill>
                 <a:srgbClr val="000000"/>
               </a:solidFill>
@@ -2285,11 +2461,12 @@
           </a:ln>
         </p:spPr>
         <p:txBody>
-          <a:bodyPr lIns="0" rIns="0" tIns="0" bIns="0" anchor="t">
+          <a:bodyPr lIns="0" tIns="0" rIns="0" bIns="0" anchor="t">
             <a:normAutofit/>
           </a:bodyPr>
-          <a:p>
-            <a:endParaRPr b="0" lang="en-IN" sz="1400" spc="-1" strike="noStrike">
+          <a:lstStyle/>
+          <a:p>
+            <a:endParaRPr lang="en-IN" sz="1400" b="0" strike="noStrike" spc="-1">
               <a:solidFill>
                 <a:srgbClr val="000000"/>
               </a:solidFill>
@@ -2311,6 +2488,7 @@
         <p:spPr/>
         <p:txBody>
           <a:bodyPr/>
+          <a:lstStyle/>
           <a:p>
             <a:r>
               <a:t>Footer</a:t>
@@ -2331,10 +2509,12 @@
         <p:spPr/>
         <p:txBody>
           <a:bodyPr/>
+          <a:lstStyle/>
           <a:p>
             <a:fld id="{2E1E21EF-9A98-4EBF-8E1D-01FB6CF352B8}" type="slidenum">
-              <a:t>&lt;#&gt;</a:t>
+              <a:t>‹#›</a:t>
             </a:fld>
+            <a:endParaRPr/>
           </a:p>
         </p:txBody>
       </p:sp>
@@ -2351,21 +2531,22 @@
         <p:spPr/>
         <p:txBody>
           <a:bodyPr/>
-          <a:p>
-            <a:r>
-              <a:rPr lang="en-IN"/>
-              <a:t/>
-            </a:r>
+          <a:lstStyle/>
+          <a:p>
+            <a:endParaRPr/>
           </a:p>
         </p:txBody>
       </p:sp>
     </p:spTree>
   </p:cSld>
+  <p:clrMapOvr>
+    <a:masterClrMapping/>
+  </p:clrMapOvr>
 </p:sldLayout>
 </file>
 
 <file path=ppt/slideLayouts/slideLayout21.xml><?xml version="1.0" encoding="utf-8"?>
-<p:sldLayout xmlns:a="http://schemas.openxmlformats.org/drawingml/2006/main" xmlns:p="http://schemas.openxmlformats.org/presentationml/2006/main" xmlns:r="http://schemas.openxmlformats.org/officeDocument/2006/relationships" xmlns:p14="http://schemas.microsoft.com/office/powerpoint/2010/main" xmlns:p15="http://schemas.microsoft.com/office/powerpoint/2012/main" xmlns:mc="http://schemas.openxmlformats.org/markup-compatibility/2006" type="twoObjOverTx" preserve="1">
+<p:sldLayout xmlns:a="http://schemas.openxmlformats.org/drawingml/2006/main" xmlns:r="http://schemas.openxmlformats.org/officeDocument/2006/relationships" xmlns:p="http://schemas.openxmlformats.org/presentationml/2006/main" type="twoObjOverTx" preserve="1">
   <p:cSld name="Title, 2 Content over Content">
     <p:spTree>
       <p:nvGrpSpPr>
@@ -2405,11 +2586,12 @@
           </a:ln>
         </p:spPr>
         <p:txBody>
-          <a:bodyPr lIns="0" rIns="0" tIns="0" bIns="0" anchor="ctr">
+          <a:bodyPr lIns="0" tIns="0" rIns="0" bIns="0" anchor="ctr">
             <a:noAutofit/>
           </a:bodyPr>
-          <a:p>
-            <a:endParaRPr b="0" lang="en-IN" sz="1400" spc="-1" strike="noStrike">
+          <a:lstStyle/>
+          <a:p>
+            <a:endParaRPr lang="en-IN" sz="1400" b="0" strike="noStrike" spc="-1">
               <a:solidFill>
                 <a:srgbClr val="000000"/>
               </a:solidFill>
@@ -2442,11 +2624,12 @@
           </a:ln>
         </p:spPr>
         <p:txBody>
-          <a:bodyPr lIns="0" rIns="0" tIns="0" bIns="0" anchor="t">
+          <a:bodyPr lIns="0" tIns="0" rIns="0" bIns="0" anchor="t">
             <a:normAutofit/>
           </a:bodyPr>
-          <a:p>
-            <a:endParaRPr b="0" lang="en-IN" sz="1400" spc="-1" strike="noStrike">
+          <a:lstStyle/>
+          <a:p>
+            <a:endParaRPr lang="en-IN" sz="1400" b="0" strike="noStrike" spc="-1">
               <a:solidFill>
                 <a:srgbClr val="000000"/>
               </a:solidFill>
@@ -2479,11 +2662,12 @@
           </a:ln>
         </p:spPr>
         <p:txBody>
-          <a:bodyPr lIns="0" rIns="0" tIns="0" bIns="0" anchor="t">
+          <a:bodyPr lIns="0" tIns="0" rIns="0" bIns="0" anchor="t">
             <a:normAutofit/>
           </a:bodyPr>
-          <a:p>
-            <a:endParaRPr b="0" lang="en-IN" sz="1400" spc="-1" strike="noStrike">
+          <a:lstStyle/>
+          <a:p>
+            <a:endParaRPr lang="en-IN" sz="1400" b="0" strike="noStrike" spc="-1">
               <a:solidFill>
                 <a:srgbClr val="000000"/>
               </a:solidFill>
@@ -2516,11 +2700,12 @@
           </a:ln>
         </p:spPr>
         <p:txBody>
-          <a:bodyPr lIns="0" rIns="0" tIns="0" bIns="0" anchor="t">
+          <a:bodyPr lIns="0" tIns="0" rIns="0" bIns="0" anchor="t">
             <a:normAutofit/>
           </a:bodyPr>
-          <a:p>
-            <a:endParaRPr b="0" lang="en-IN" sz="1400" spc="-1" strike="noStrike">
+          <a:lstStyle/>
+          <a:p>
+            <a:endParaRPr lang="en-IN" sz="1400" b="0" strike="noStrike" spc="-1">
               <a:solidFill>
                 <a:srgbClr val="000000"/>
               </a:solidFill>
@@ -2542,6 +2727,7 @@
         <p:spPr/>
         <p:txBody>
           <a:bodyPr/>
+          <a:lstStyle/>
           <a:p>
             <a:r>
               <a:t>Footer</a:t>
@@ -2562,10 +2748,12 @@
         <p:spPr/>
         <p:txBody>
           <a:bodyPr/>
+          <a:lstStyle/>
           <a:p>
             <a:fld id="{1ABDFB6A-FE54-4782-8DCF-C1D3836BCE3E}" type="slidenum">
-              <a:t>&lt;#&gt;</a:t>
+              <a:t>‹#›</a:t>
             </a:fld>
+            <a:endParaRPr/>
           </a:p>
         </p:txBody>
       </p:sp>
@@ -2582,21 +2770,22 @@
         <p:spPr/>
         <p:txBody>
           <a:bodyPr/>
-          <a:p>
-            <a:r>
-              <a:rPr lang="en-IN"/>
-              <a:t/>
-            </a:r>
+          <a:lstStyle/>
+          <a:p>
+            <a:endParaRPr/>
           </a:p>
         </p:txBody>
       </p:sp>
     </p:spTree>
   </p:cSld>
+  <p:clrMapOvr>
+    <a:masterClrMapping/>
+  </p:clrMapOvr>
 </p:sldLayout>
 </file>
 
 <file path=ppt/slideLayouts/slideLayout22.xml><?xml version="1.0" encoding="utf-8"?>
-<p:sldLayout xmlns:a="http://schemas.openxmlformats.org/drawingml/2006/main" xmlns:p="http://schemas.openxmlformats.org/presentationml/2006/main" xmlns:r="http://schemas.openxmlformats.org/officeDocument/2006/relationships" xmlns:p14="http://schemas.microsoft.com/office/powerpoint/2010/main" xmlns:p15="http://schemas.microsoft.com/office/powerpoint/2012/main" xmlns:mc="http://schemas.openxmlformats.org/markup-compatibility/2006" type="objOverTx" preserve="1">
+<p:sldLayout xmlns:a="http://schemas.openxmlformats.org/drawingml/2006/main" xmlns:r="http://schemas.openxmlformats.org/officeDocument/2006/relationships" xmlns:p="http://schemas.openxmlformats.org/presentationml/2006/main" type="objOverTx" preserve="1">
   <p:cSld name="Title, Content over Content">
     <p:spTree>
       <p:nvGrpSpPr>
@@ -2636,11 +2825,12 @@
           </a:ln>
         </p:spPr>
         <p:txBody>
-          <a:bodyPr lIns="0" rIns="0" tIns="0" bIns="0" anchor="ctr">
+          <a:bodyPr lIns="0" tIns="0" rIns="0" bIns="0" anchor="ctr">
             <a:noAutofit/>
           </a:bodyPr>
-          <a:p>
-            <a:endParaRPr b="0" lang="en-IN" sz="1400" spc="-1" strike="noStrike">
+          <a:lstStyle/>
+          <a:p>
+            <a:endParaRPr lang="en-IN" sz="1400" b="0" strike="noStrike" spc="-1">
               <a:solidFill>
                 <a:srgbClr val="000000"/>
               </a:solidFill>
@@ -2673,11 +2863,12 @@
           </a:ln>
         </p:spPr>
         <p:txBody>
-          <a:bodyPr lIns="0" rIns="0" tIns="0" bIns="0" anchor="t">
+          <a:bodyPr lIns="0" tIns="0" rIns="0" bIns="0" anchor="t">
             <a:normAutofit/>
           </a:bodyPr>
-          <a:p>
-            <a:endParaRPr b="0" lang="en-IN" sz="1400" spc="-1" strike="noStrike">
+          <a:lstStyle/>
+          <a:p>
+            <a:endParaRPr lang="en-IN" sz="1400" b="0" strike="noStrike" spc="-1">
               <a:solidFill>
                 <a:srgbClr val="000000"/>
               </a:solidFill>
@@ -2710,11 +2901,12 @@
           </a:ln>
         </p:spPr>
         <p:txBody>
-          <a:bodyPr lIns="0" rIns="0" tIns="0" bIns="0" anchor="t">
+          <a:bodyPr lIns="0" tIns="0" rIns="0" bIns="0" anchor="t">
             <a:normAutofit/>
           </a:bodyPr>
-          <a:p>
-            <a:endParaRPr b="0" lang="en-IN" sz="1400" spc="-1" strike="noStrike">
+          <a:lstStyle/>
+          <a:p>
+            <a:endParaRPr lang="en-IN" sz="1400" b="0" strike="noStrike" spc="-1">
               <a:solidFill>
                 <a:srgbClr val="000000"/>
               </a:solidFill>
@@ -2736,6 +2928,7 @@
         <p:spPr/>
         <p:txBody>
           <a:bodyPr/>
+          <a:lstStyle/>
           <a:p>
             <a:r>
               <a:t>Footer</a:t>
@@ -2756,10 +2949,12 @@
         <p:spPr/>
         <p:txBody>
           <a:bodyPr/>
+          <a:lstStyle/>
           <a:p>
             <a:fld id="{C7C2C326-2002-4C1A-801B-D1E7BDF9A49A}" type="slidenum">
-              <a:t>&lt;#&gt;</a:t>
+              <a:t>‹#›</a:t>
             </a:fld>
+            <a:endParaRPr/>
           </a:p>
         </p:txBody>
       </p:sp>
@@ -2776,21 +2971,22 @@
         <p:spPr/>
         <p:txBody>
           <a:bodyPr/>
-          <a:p>
-            <a:r>
-              <a:rPr lang="en-IN"/>
-              <a:t/>
-            </a:r>
+          <a:lstStyle/>
+          <a:p>
+            <a:endParaRPr/>
           </a:p>
         </p:txBody>
       </p:sp>
     </p:spTree>
   </p:cSld>
+  <p:clrMapOvr>
+    <a:masterClrMapping/>
+  </p:clrMapOvr>
 </p:sldLayout>
 </file>
 
 <file path=ppt/slideLayouts/slideLayout23.xml><?xml version="1.0" encoding="utf-8"?>
-<p:sldLayout xmlns:a="http://schemas.openxmlformats.org/drawingml/2006/main" xmlns:p="http://schemas.openxmlformats.org/presentationml/2006/main" xmlns:r="http://schemas.openxmlformats.org/officeDocument/2006/relationships" xmlns:p14="http://schemas.microsoft.com/office/powerpoint/2010/main" xmlns:p15="http://schemas.microsoft.com/office/powerpoint/2012/main" xmlns:mc="http://schemas.openxmlformats.org/markup-compatibility/2006" type="fourObj" preserve="1">
+<p:sldLayout xmlns:a="http://schemas.openxmlformats.org/drawingml/2006/main" xmlns:r="http://schemas.openxmlformats.org/officeDocument/2006/relationships" xmlns:p="http://schemas.openxmlformats.org/presentationml/2006/main" type="fourObj" preserve="1">
   <p:cSld name="Title, 4 Content">
     <p:spTree>
       <p:nvGrpSpPr>
@@ -2830,11 +3026,12 @@
           </a:ln>
         </p:spPr>
         <p:txBody>
-          <a:bodyPr lIns="0" rIns="0" tIns="0" bIns="0" anchor="ctr">
+          <a:bodyPr lIns="0" tIns="0" rIns="0" bIns="0" anchor="ctr">
             <a:noAutofit/>
           </a:bodyPr>
-          <a:p>
-            <a:endParaRPr b="0" lang="en-IN" sz="1400" spc="-1" strike="noStrike">
+          <a:lstStyle/>
+          <a:p>
+            <a:endParaRPr lang="en-IN" sz="1400" b="0" strike="noStrike" spc="-1">
               <a:solidFill>
                 <a:srgbClr val="000000"/>
               </a:solidFill>
@@ -2867,11 +3064,12 @@
           </a:ln>
         </p:spPr>
         <p:txBody>
-          <a:bodyPr lIns="0" rIns="0" tIns="0" bIns="0" anchor="t">
+          <a:bodyPr lIns="0" tIns="0" rIns="0" bIns="0" anchor="t">
             <a:normAutofit/>
           </a:bodyPr>
-          <a:p>
-            <a:endParaRPr b="0" lang="en-IN" sz="1400" spc="-1" strike="noStrike">
+          <a:lstStyle/>
+          <a:p>
+            <a:endParaRPr lang="en-IN" sz="1400" b="0" strike="noStrike" spc="-1">
               <a:solidFill>
                 <a:srgbClr val="000000"/>
               </a:solidFill>
@@ -2904,11 +3102,12 @@
           </a:ln>
         </p:spPr>
         <p:txBody>
-          <a:bodyPr lIns="0" rIns="0" tIns="0" bIns="0" anchor="t">
+          <a:bodyPr lIns="0" tIns="0" rIns="0" bIns="0" anchor="t">
             <a:normAutofit/>
           </a:bodyPr>
-          <a:p>
-            <a:endParaRPr b="0" lang="en-IN" sz="1400" spc="-1" strike="noStrike">
+          <a:lstStyle/>
+          <a:p>
+            <a:endParaRPr lang="en-IN" sz="1400" b="0" strike="noStrike" spc="-1">
               <a:solidFill>
                 <a:srgbClr val="000000"/>
               </a:solidFill>
@@ -2941,11 +3140,12 @@
           </a:ln>
         </p:spPr>
         <p:txBody>
-          <a:bodyPr lIns="0" rIns="0" tIns="0" bIns="0" anchor="t">
+          <a:bodyPr lIns="0" tIns="0" rIns="0" bIns="0" anchor="t">
             <a:normAutofit/>
           </a:bodyPr>
-          <a:p>
-            <a:endParaRPr b="0" lang="en-IN" sz="1400" spc="-1" strike="noStrike">
+          <a:lstStyle/>
+          <a:p>
+            <a:endParaRPr lang="en-IN" sz="1400" b="0" strike="noStrike" spc="-1">
               <a:solidFill>
                 <a:srgbClr val="000000"/>
               </a:solidFill>
@@ -2978,11 +3178,12 @@
           </a:ln>
         </p:spPr>
         <p:txBody>
-          <a:bodyPr lIns="0" rIns="0" tIns="0" bIns="0" anchor="t">
+          <a:bodyPr lIns="0" tIns="0" rIns="0" bIns="0" anchor="t">
             <a:normAutofit/>
           </a:bodyPr>
-          <a:p>
-            <a:endParaRPr b="0" lang="en-IN" sz="1400" spc="-1" strike="noStrike">
+          <a:lstStyle/>
+          <a:p>
+            <a:endParaRPr lang="en-IN" sz="1400" b="0" strike="noStrike" spc="-1">
               <a:solidFill>
                 <a:srgbClr val="000000"/>
               </a:solidFill>
@@ -3004,6 +3205,7 @@
         <p:spPr/>
         <p:txBody>
           <a:bodyPr/>
+          <a:lstStyle/>
           <a:p>
             <a:r>
               <a:t>Footer</a:t>
@@ -3024,10 +3226,12 @@
         <p:spPr/>
         <p:txBody>
           <a:bodyPr/>
+          <a:lstStyle/>
           <a:p>
             <a:fld id="{D0F6A47B-525A-49BA-8B9A-2CC1674AAFE8}" type="slidenum">
-              <a:t>&lt;#&gt;</a:t>
+              <a:t>‹#›</a:t>
             </a:fld>
+            <a:endParaRPr/>
           </a:p>
         </p:txBody>
       </p:sp>
@@ -3044,21 +3248,22 @@
         <p:spPr/>
         <p:txBody>
           <a:bodyPr/>
-          <a:p>
-            <a:r>
-              <a:rPr lang="en-IN"/>
-              <a:t/>
-            </a:r>
+          <a:lstStyle/>
+          <a:p>
+            <a:endParaRPr/>
           </a:p>
         </p:txBody>
       </p:sp>
     </p:spTree>
   </p:cSld>
+  <p:clrMapOvr>
+    <a:masterClrMapping/>
+  </p:clrMapOvr>
 </p:sldLayout>
 </file>
 
 <file path=ppt/slideLayouts/slideLayout24.xml><?xml version="1.0" encoding="utf-8"?>
-<p:sldLayout xmlns:a="http://schemas.openxmlformats.org/drawingml/2006/main" xmlns:p="http://schemas.openxmlformats.org/presentationml/2006/main" xmlns:r="http://schemas.openxmlformats.org/officeDocument/2006/relationships" xmlns:p14="http://schemas.microsoft.com/office/powerpoint/2010/main" xmlns:p15="http://schemas.microsoft.com/office/powerpoint/2012/main" xmlns:mc="http://schemas.openxmlformats.org/markup-compatibility/2006" type="blank" preserve="1">
+<p:sldLayout xmlns:a="http://schemas.openxmlformats.org/drawingml/2006/main" xmlns:r="http://schemas.openxmlformats.org/officeDocument/2006/relationships" xmlns:p="http://schemas.openxmlformats.org/presentationml/2006/main" type="blank" preserve="1">
   <p:cSld name="Title, 6 Content">
     <p:spTree>
       <p:nvGrpSpPr>
@@ -3098,11 +3303,12 @@
           </a:ln>
         </p:spPr>
         <p:txBody>
-          <a:bodyPr lIns="0" rIns="0" tIns="0" bIns="0" anchor="ctr">
+          <a:bodyPr lIns="0" tIns="0" rIns="0" bIns="0" anchor="ctr">
             <a:noAutofit/>
           </a:bodyPr>
-          <a:p>
-            <a:endParaRPr b="0" lang="en-IN" sz="1400" spc="-1" strike="noStrike">
+          <a:lstStyle/>
+          <a:p>
+            <a:endParaRPr lang="en-IN" sz="1400" b="0" strike="noStrike" spc="-1">
               <a:solidFill>
                 <a:srgbClr val="000000"/>
               </a:solidFill>
@@ -3135,11 +3341,12 @@
           </a:ln>
         </p:spPr>
         <p:txBody>
-          <a:bodyPr lIns="0" rIns="0" tIns="0" bIns="0" anchor="t">
+          <a:bodyPr lIns="0" tIns="0" rIns="0" bIns="0" anchor="t">
             <a:normAutofit/>
           </a:bodyPr>
-          <a:p>
-            <a:endParaRPr b="0" lang="en-IN" sz="1400" spc="-1" strike="noStrike">
+          <a:lstStyle/>
+          <a:p>
+            <a:endParaRPr lang="en-IN" sz="1400" b="0" strike="noStrike" spc="-1">
               <a:solidFill>
                 <a:srgbClr val="000000"/>
               </a:solidFill>
@@ -3172,11 +3379,12 @@
           </a:ln>
         </p:spPr>
         <p:txBody>
-          <a:bodyPr lIns="0" rIns="0" tIns="0" bIns="0" anchor="t">
+          <a:bodyPr lIns="0" tIns="0" rIns="0" bIns="0" anchor="t">
             <a:normAutofit/>
           </a:bodyPr>
-          <a:p>
-            <a:endParaRPr b="0" lang="en-IN" sz="1400" spc="-1" strike="noStrike">
+          <a:lstStyle/>
+          <a:p>
+            <a:endParaRPr lang="en-IN" sz="1400" b="0" strike="noStrike" spc="-1">
               <a:solidFill>
                 <a:srgbClr val="000000"/>
               </a:solidFill>
@@ -3209,11 +3417,12 @@
           </a:ln>
         </p:spPr>
         <p:txBody>
-          <a:bodyPr lIns="0" rIns="0" tIns="0" bIns="0" anchor="t">
+          <a:bodyPr lIns="0" tIns="0" rIns="0" bIns="0" anchor="t">
             <a:normAutofit/>
           </a:bodyPr>
-          <a:p>
-            <a:endParaRPr b="0" lang="en-IN" sz="1400" spc="-1" strike="noStrike">
+          <a:lstStyle/>
+          <a:p>
+            <a:endParaRPr lang="en-IN" sz="1400" b="0" strike="noStrike" spc="-1">
               <a:solidFill>
                 <a:srgbClr val="000000"/>
               </a:solidFill>
@@ -3246,11 +3455,12 @@
           </a:ln>
         </p:spPr>
         <p:txBody>
-          <a:bodyPr lIns="0" rIns="0" tIns="0" bIns="0" anchor="t">
+          <a:bodyPr lIns="0" tIns="0" rIns="0" bIns="0" anchor="t">
             <a:normAutofit/>
           </a:bodyPr>
-          <a:p>
-            <a:endParaRPr b="0" lang="en-IN" sz="1400" spc="-1" strike="noStrike">
+          <a:lstStyle/>
+          <a:p>
+            <a:endParaRPr lang="en-IN" sz="1400" b="0" strike="noStrike" spc="-1">
               <a:solidFill>
                 <a:srgbClr val="000000"/>
               </a:solidFill>
@@ -3283,11 +3493,12 @@
           </a:ln>
         </p:spPr>
         <p:txBody>
-          <a:bodyPr lIns="0" rIns="0" tIns="0" bIns="0" anchor="t">
+          <a:bodyPr lIns="0" tIns="0" rIns="0" bIns="0" anchor="t">
             <a:normAutofit/>
           </a:bodyPr>
-          <a:p>
-            <a:endParaRPr b="0" lang="en-IN" sz="1400" spc="-1" strike="noStrike">
+          <a:lstStyle/>
+          <a:p>
+            <a:endParaRPr lang="en-IN" sz="1400" b="0" strike="noStrike" spc="-1">
               <a:solidFill>
                 <a:srgbClr val="000000"/>
               </a:solidFill>
@@ -3320,11 +3531,12 @@
           </a:ln>
         </p:spPr>
         <p:txBody>
-          <a:bodyPr lIns="0" rIns="0" tIns="0" bIns="0" anchor="t">
+          <a:bodyPr lIns="0" tIns="0" rIns="0" bIns="0" anchor="t">
             <a:normAutofit/>
           </a:bodyPr>
-          <a:p>
-            <a:endParaRPr b="0" lang="en-IN" sz="1400" spc="-1" strike="noStrike">
+          <a:lstStyle/>
+          <a:p>
+            <a:endParaRPr lang="en-IN" sz="1400" b="0" strike="noStrike" spc="-1">
               <a:solidFill>
                 <a:srgbClr val="000000"/>
               </a:solidFill>
@@ -3346,6 +3558,7 @@
         <p:spPr/>
         <p:txBody>
           <a:bodyPr/>
+          <a:lstStyle/>
           <a:p>
             <a:r>
               <a:t>Footer</a:t>
@@ -3366,10 +3579,12 @@
         <p:spPr/>
         <p:txBody>
           <a:bodyPr/>
+          <a:lstStyle/>
           <a:p>
             <a:fld id="{9407A14B-7618-42D8-9D7C-5FFA609D50ED}" type="slidenum">
-              <a:t>&lt;#&gt;</a:t>
+              <a:t>‹#›</a:t>
             </a:fld>
+            <a:endParaRPr/>
           </a:p>
         </p:txBody>
       </p:sp>
@@ -3386,21 +3601,22 @@
         <p:spPr/>
         <p:txBody>
           <a:bodyPr/>
-          <a:p>
-            <a:r>
-              <a:rPr lang="en-IN"/>
-              <a:t/>
-            </a:r>
+          <a:lstStyle/>
+          <a:p>
+            <a:endParaRPr/>
           </a:p>
         </p:txBody>
       </p:sp>
     </p:spTree>
   </p:cSld>
+  <p:clrMapOvr>
+    <a:masterClrMapping/>
+  </p:clrMapOvr>
 </p:sldLayout>
 </file>
 
 <file path=ppt/slideLayouts/slideLayout3.xml><?xml version="1.0" encoding="utf-8"?>
-<p:sldLayout xmlns:a="http://schemas.openxmlformats.org/drawingml/2006/main" xmlns:p="http://schemas.openxmlformats.org/presentationml/2006/main" xmlns:r="http://schemas.openxmlformats.org/officeDocument/2006/relationships" xmlns:p14="http://schemas.microsoft.com/office/powerpoint/2010/main" xmlns:p15="http://schemas.microsoft.com/office/powerpoint/2012/main" xmlns:mc="http://schemas.openxmlformats.org/markup-compatibility/2006" type="obj" preserve="1">
+<p:sldLayout xmlns:a="http://schemas.openxmlformats.org/drawingml/2006/main" xmlns:r="http://schemas.openxmlformats.org/officeDocument/2006/relationships" xmlns:p="http://schemas.openxmlformats.org/presentationml/2006/main" type="obj" preserve="1">
   <p:cSld name="Title, Content">
     <p:spTree>
       <p:nvGrpSpPr>
@@ -3440,11 +3656,12 @@
           </a:ln>
         </p:spPr>
         <p:txBody>
-          <a:bodyPr lIns="0" rIns="0" tIns="0" bIns="0" anchor="ctr">
+          <a:bodyPr lIns="0" tIns="0" rIns="0" bIns="0" anchor="ctr">
             <a:noAutofit/>
           </a:bodyPr>
-          <a:p>
-            <a:endParaRPr b="0" lang="en-IN" sz="1400" spc="-1" strike="noStrike">
+          <a:lstStyle/>
+          <a:p>
+            <a:endParaRPr lang="en-IN" sz="1400" b="0" strike="noStrike" spc="-1">
               <a:solidFill>
                 <a:srgbClr val="000000"/>
               </a:solidFill>
@@ -3477,11 +3694,12 @@
           </a:ln>
         </p:spPr>
         <p:txBody>
-          <a:bodyPr lIns="0" rIns="0" tIns="0" bIns="0" anchor="t">
+          <a:bodyPr lIns="0" tIns="0" rIns="0" bIns="0" anchor="t">
             <a:normAutofit/>
           </a:bodyPr>
-          <a:p>
-            <a:endParaRPr b="0" lang="en-IN" sz="1400" spc="-1" strike="noStrike">
+          <a:lstStyle/>
+          <a:p>
+            <a:endParaRPr lang="en-IN" sz="1400" b="0" strike="noStrike" spc="-1">
               <a:solidFill>
                 <a:srgbClr val="000000"/>
               </a:solidFill>
@@ -3503,6 +3721,7 @@
         <p:spPr/>
         <p:txBody>
           <a:bodyPr/>
+          <a:lstStyle/>
           <a:p>
             <a:r>
               <a:t>Footer</a:t>
@@ -3523,10 +3742,12 @@
         <p:spPr/>
         <p:txBody>
           <a:bodyPr/>
+          <a:lstStyle/>
           <a:p>
             <a:fld id="{B3D6A09D-554F-4E5B-8CBC-2A8A9E08A3D2}" type="slidenum">
-              <a:t>&lt;#&gt;</a:t>
+              <a:t>‹#›</a:t>
             </a:fld>
+            <a:endParaRPr/>
           </a:p>
         </p:txBody>
       </p:sp>
@@ -3543,21 +3764,22 @@
         <p:spPr/>
         <p:txBody>
           <a:bodyPr/>
-          <a:p>
-            <a:r>
-              <a:rPr lang="en-IN"/>
-              <a:t/>
-            </a:r>
+          <a:lstStyle/>
+          <a:p>
+            <a:endParaRPr/>
           </a:p>
         </p:txBody>
       </p:sp>
     </p:spTree>
   </p:cSld>
+  <p:clrMapOvr>
+    <a:masterClrMapping/>
+  </p:clrMapOvr>
 </p:sldLayout>
 </file>
 
 <file path=ppt/slideLayouts/slideLayout4.xml><?xml version="1.0" encoding="utf-8"?>
-<p:sldLayout xmlns:a="http://schemas.openxmlformats.org/drawingml/2006/main" xmlns:p="http://schemas.openxmlformats.org/presentationml/2006/main" xmlns:r="http://schemas.openxmlformats.org/officeDocument/2006/relationships" xmlns:p14="http://schemas.microsoft.com/office/powerpoint/2010/main" xmlns:p15="http://schemas.microsoft.com/office/powerpoint/2012/main" xmlns:mc="http://schemas.openxmlformats.org/markup-compatibility/2006" type="twoObj" preserve="1">
+<p:sldLayout xmlns:a="http://schemas.openxmlformats.org/drawingml/2006/main" xmlns:r="http://schemas.openxmlformats.org/officeDocument/2006/relationships" xmlns:p="http://schemas.openxmlformats.org/presentationml/2006/main" type="twoObj" preserve="1">
   <p:cSld name="Title, 2 Content">
     <p:spTree>
       <p:nvGrpSpPr>
@@ -3597,11 +3819,12 @@
           </a:ln>
         </p:spPr>
         <p:txBody>
-          <a:bodyPr lIns="0" rIns="0" tIns="0" bIns="0" anchor="ctr">
+          <a:bodyPr lIns="0" tIns="0" rIns="0" bIns="0" anchor="ctr">
             <a:noAutofit/>
           </a:bodyPr>
-          <a:p>
-            <a:endParaRPr b="0" lang="en-IN" sz="1400" spc="-1" strike="noStrike">
+          <a:lstStyle/>
+          <a:p>
+            <a:endParaRPr lang="en-IN" sz="1400" b="0" strike="noStrike" spc="-1">
               <a:solidFill>
                 <a:srgbClr val="000000"/>
               </a:solidFill>
@@ -3634,11 +3857,12 @@
           </a:ln>
         </p:spPr>
         <p:txBody>
-          <a:bodyPr lIns="0" rIns="0" tIns="0" bIns="0" anchor="t">
+          <a:bodyPr lIns="0" tIns="0" rIns="0" bIns="0" anchor="t">
             <a:normAutofit/>
           </a:bodyPr>
-          <a:p>
-            <a:endParaRPr b="0" lang="en-IN" sz="1400" spc="-1" strike="noStrike">
+          <a:lstStyle/>
+          <a:p>
+            <a:endParaRPr lang="en-IN" sz="1400" b="0" strike="noStrike" spc="-1">
               <a:solidFill>
                 <a:srgbClr val="000000"/>
               </a:solidFill>
@@ -3671,11 +3895,12 @@
           </a:ln>
         </p:spPr>
         <p:txBody>
-          <a:bodyPr lIns="0" rIns="0" tIns="0" bIns="0" anchor="t">
+          <a:bodyPr lIns="0" tIns="0" rIns="0" bIns="0" anchor="t">
             <a:normAutofit/>
           </a:bodyPr>
-          <a:p>
-            <a:endParaRPr b="0" lang="en-IN" sz="1400" spc="-1" strike="noStrike">
+          <a:lstStyle/>
+          <a:p>
+            <a:endParaRPr lang="en-IN" sz="1400" b="0" strike="noStrike" spc="-1">
               <a:solidFill>
                 <a:srgbClr val="000000"/>
               </a:solidFill>
@@ -3697,6 +3922,7 @@
         <p:spPr/>
         <p:txBody>
           <a:bodyPr/>
+          <a:lstStyle/>
           <a:p>
             <a:r>
               <a:t>Footer</a:t>
@@ -3717,10 +3943,12 @@
         <p:spPr/>
         <p:txBody>
           <a:bodyPr/>
+          <a:lstStyle/>
           <a:p>
             <a:fld id="{94AB8712-4764-4B0B-AED0-E2786483FCB1}" type="slidenum">
-              <a:t>&lt;#&gt;</a:t>
+              <a:t>‹#›</a:t>
             </a:fld>
+            <a:endParaRPr/>
           </a:p>
         </p:txBody>
       </p:sp>
@@ -3737,21 +3965,22 @@
         <p:spPr/>
         <p:txBody>
           <a:bodyPr/>
-          <a:p>
-            <a:r>
-              <a:rPr lang="en-IN"/>
-              <a:t/>
-            </a:r>
+          <a:lstStyle/>
+          <a:p>
+            <a:endParaRPr/>
           </a:p>
         </p:txBody>
       </p:sp>
     </p:spTree>
   </p:cSld>
+  <p:clrMapOvr>
+    <a:masterClrMapping/>
+  </p:clrMapOvr>
 </p:sldLayout>
 </file>
 
 <file path=ppt/slideLayouts/slideLayout5.xml><?xml version="1.0" encoding="utf-8"?>
-<p:sldLayout xmlns:a="http://schemas.openxmlformats.org/drawingml/2006/main" xmlns:p="http://schemas.openxmlformats.org/presentationml/2006/main" xmlns:r="http://schemas.openxmlformats.org/officeDocument/2006/relationships" xmlns:p14="http://schemas.microsoft.com/office/powerpoint/2010/main" xmlns:p15="http://schemas.microsoft.com/office/powerpoint/2012/main" xmlns:mc="http://schemas.openxmlformats.org/markup-compatibility/2006" type="titleOnly" preserve="1">
+<p:sldLayout xmlns:a="http://schemas.openxmlformats.org/drawingml/2006/main" xmlns:r="http://schemas.openxmlformats.org/officeDocument/2006/relationships" xmlns:p="http://schemas.openxmlformats.org/presentationml/2006/main" type="titleOnly" preserve="1">
   <p:cSld name="Title Only">
     <p:spTree>
       <p:nvGrpSpPr>
@@ -3791,11 +4020,12 @@
           </a:ln>
         </p:spPr>
         <p:txBody>
-          <a:bodyPr lIns="0" rIns="0" tIns="0" bIns="0" anchor="ctr">
+          <a:bodyPr lIns="0" tIns="0" rIns="0" bIns="0" anchor="ctr">
             <a:noAutofit/>
           </a:bodyPr>
-          <a:p>
-            <a:endParaRPr b="0" lang="en-IN" sz="1400" spc="-1" strike="noStrike">
+          <a:lstStyle/>
+          <a:p>
+            <a:endParaRPr lang="en-IN" sz="1400" b="0" strike="noStrike" spc="-1">
               <a:solidFill>
                 <a:srgbClr val="000000"/>
               </a:solidFill>
@@ -3817,6 +4047,7 @@
         <p:spPr/>
         <p:txBody>
           <a:bodyPr/>
+          <a:lstStyle/>
           <a:p>
             <a:r>
               <a:t>Footer</a:t>
@@ -3837,10 +4068,12 @@
         <p:spPr/>
         <p:txBody>
           <a:bodyPr/>
+          <a:lstStyle/>
           <a:p>
             <a:fld id="{4E5EBA94-EAAB-4353-ADCA-7B3EA0A4B696}" type="slidenum">
-              <a:t>&lt;#&gt;</a:t>
+              <a:t>‹#›</a:t>
             </a:fld>
+            <a:endParaRPr/>
           </a:p>
         </p:txBody>
       </p:sp>
@@ -3857,21 +4090,22 @@
         <p:spPr/>
         <p:txBody>
           <a:bodyPr/>
-          <a:p>
-            <a:r>
-              <a:rPr lang="en-IN"/>
-              <a:t/>
-            </a:r>
+          <a:lstStyle/>
+          <a:p>
+            <a:endParaRPr/>
           </a:p>
         </p:txBody>
       </p:sp>
     </p:spTree>
   </p:cSld>
+  <p:clrMapOvr>
+    <a:masterClrMapping/>
+  </p:clrMapOvr>
 </p:sldLayout>
 </file>
 
 <file path=ppt/slideLayouts/slideLayout6.xml><?xml version="1.0" encoding="utf-8"?>
-<p:sldLayout xmlns:a="http://schemas.openxmlformats.org/drawingml/2006/main" xmlns:p="http://schemas.openxmlformats.org/presentationml/2006/main" xmlns:r="http://schemas.openxmlformats.org/officeDocument/2006/relationships" xmlns:p14="http://schemas.microsoft.com/office/powerpoint/2010/main" xmlns:p15="http://schemas.microsoft.com/office/powerpoint/2012/main" xmlns:mc="http://schemas.openxmlformats.org/markup-compatibility/2006" type="objOnly" preserve="1">
+<p:sldLayout xmlns:a="http://schemas.openxmlformats.org/drawingml/2006/main" xmlns:r="http://schemas.openxmlformats.org/officeDocument/2006/relationships" xmlns:p="http://schemas.openxmlformats.org/presentationml/2006/main" type="objOnly" preserve="1">
   <p:cSld name="Centered Text">
     <p:spTree>
       <p:nvGrpSpPr>
@@ -3911,14 +4145,15 @@
           </a:ln>
         </p:spPr>
         <p:txBody>
-          <a:bodyPr lIns="0" rIns="0" tIns="0" bIns="0" anchor="ctr">
+          <a:bodyPr lIns="0" tIns="0" rIns="0" bIns="0" anchor="ctr">
             <a:noAutofit/>
           </a:bodyPr>
+          <a:lstStyle/>
           <a:p>
             <a:pPr algn="ctr">
               <a:buNone/>
             </a:pPr>
-            <a:endParaRPr b="0" lang="en-IN" sz="3200" spc="-1" strike="noStrike">
+            <a:endParaRPr lang="en-IN" sz="3200" b="0" strike="noStrike" spc="-1">
               <a:latin typeface="Arial"/>
             </a:endParaRPr>
           </a:p>
@@ -3937,6 +4172,7 @@
         <p:spPr/>
         <p:txBody>
           <a:bodyPr/>
+          <a:lstStyle/>
           <a:p>
             <a:r>
               <a:t>Footer</a:t>
@@ -3957,10 +4193,12 @@
         <p:spPr/>
         <p:txBody>
           <a:bodyPr/>
+          <a:lstStyle/>
           <a:p>
             <a:fld id="{D9B1BD82-3E6E-40A8-BEE8-27C82E6A328E}" type="slidenum">
-              <a:t>&lt;#&gt;</a:t>
+              <a:t>‹#›</a:t>
             </a:fld>
+            <a:endParaRPr/>
           </a:p>
         </p:txBody>
       </p:sp>
@@ -3977,21 +4215,22 @@
         <p:spPr/>
         <p:txBody>
           <a:bodyPr/>
-          <a:p>
-            <a:r>
-              <a:rPr lang="en-IN"/>
-              <a:t/>
-            </a:r>
+          <a:lstStyle/>
+          <a:p>
+            <a:endParaRPr/>
           </a:p>
         </p:txBody>
       </p:sp>
     </p:spTree>
   </p:cSld>
+  <p:clrMapOvr>
+    <a:masterClrMapping/>
+  </p:clrMapOvr>
 </p:sldLayout>
 </file>
 
 <file path=ppt/slideLayouts/slideLayout7.xml><?xml version="1.0" encoding="utf-8"?>
-<p:sldLayout xmlns:a="http://schemas.openxmlformats.org/drawingml/2006/main" xmlns:p="http://schemas.openxmlformats.org/presentationml/2006/main" xmlns:r="http://schemas.openxmlformats.org/officeDocument/2006/relationships" xmlns:p14="http://schemas.microsoft.com/office/powerpoint/2010/main" xmlns:p15="http://schemas.microsoft.com/office/powerpoint/2012/main" xmlns:mc="http://schemas.openxmlformats.org/markup-compatibility/2006" type="twoObjAndObj" preserve="1">
+<p:sldLayout xmlns:a="http://schemas.openxmlformats.org/drawingml/2006/main" xmlns:r="http://schemas.openxmlformats.org/officeDocument/2006/relationships" xmlns:p="http://schemas.openxmlformats.org/presentationml/2006/main" type="twoObjAndObj" preserve="1">
   <p:cSld name="Title, 2 Content and Content">
     <p:spTree>
       <p:nvGrpSpPr>
@@ -4031,11 +4270,12 @@
           </a:ln>
         </p:spPr>
         <p:txBody>
-          <a:bodyPr lIns="0" rIns="0" tIns="0" bIns="0" anchor="ctr">
+          <a:bodyPr lIns="0" tIns="0" rIns="0" bIns="0" anchor="ctr">
             <a:noAutofit/>
           </a:bodyPr>
-          <a:p>
-            <a:endParaRPr b="0" lang="en-IN" sz="1400" spc="-1" strike="noStrike">
+          <a:lstStyle/>
+          <a:p>
+            <a:endParaRPr lang="en-IN" sz="1400" b="0" strike="noStrike" spc="-1">
               <a:solidFill>
                 <a:srgbClr val="000000"/>
               </a:solidFill>
@@ -4068,11 +4308,12 @@
           </a:ln>
         </p:spPr>
         <p:txBody>
-          <a:bodyPr lIns="0" rIns="0" tIns="0" bIns="0" anchor="t">
+          <a:bodyPr lIns="0" tIns="0" rIns="0" bIns="0" anchor="t">
             <a:normAutofit/>
           </a:bodyPr>
-          <a:p>
-            <a:endParaRPr b="0" lang="en-IN" sz="1400" spc="-1" strike="noStrike">
+          <a:lstStyle/>
+          <a:p>
+            <a:endParaRPr lang="en-IN" sz="1400" b="0" strike="noStrike" spc="-1">
               <a:solidFill>
                 <a:srgbClr val="000000"/>
               </a:solidFill>
@@ -4105,11 +4346,12 @@
           </a:ln>
         </p:spPr>
         <p:txBody>
-          <a:bodyPr lIns="0" rIns="0" tIns="0" bIns="0" anchor="t">
+          <a:bodyPr lIns="0" tIns="0" rIns="0" bIns="0" anchor="t">
             <a:normAutofit/>
           </a:bodyPr>
-          <a:p>
-            <a:endParaRPr b="0" lang="en-IN" sz="1400" spc="-1" strike="noStrike">
+          <a:lstStyle/>
+          <a:p>
+            <a:endParaRPr lang="en-IN" sz="1400" b="0" strike="noStrike" spc="-1">
               <a:solidFill>
                 <a:srgbClr val="000000"/>
               </a:solidFill>
@@ -4142,11 +4384,12 @@
           </a:ln>
         </p:spPr>
         <p:txBody>
-          <a:bodyPr lIns="0" rIns="0" tIns="0" bIns="0" anchor="t">
+          <a:bodyPr lIns="0" tIns="0" rIns="0" bIns="0" anchor="t">
             <a:normAutofit/>
           </a:bodyPr>
-          <a:p>
-            <a:endParaRPr b="0" lang="en-IN" sz="1400" spc="-1" strike="noStrike">
+          <a:lstStyle/>
+          <a:p>
+            <a:endParaRPr lang="en-IN" sz="1400" b="0" strike="noStrike" spc="-1">
               <a:solidFill>
                 <a:srgbClr val="000000"/>
               </a:solidFill>
@@ -4168,6 +4411,7 @@
         <p:spPr/>
         <p:txBody>
           <a:bodyPr/>
+          <a:lstStyle/>
           <a:p>
             <a:r>
               <a:t>Footer</a:t>
@@ -4188,10 +4432,12 @@
         <p:spPr/>
         <p:txBody>
           <a:bodyPr/>
+          <a:lstStyle/>
           <a:p>
             <a:fld id="{A6D20290-0F09-4843-B687-DDF67ADB88CD}" type="slidenum">
-              <a:t>&lt;#&gt;</a:t>
+              <a:t>‹#›</a:t>
             </a:fld>
+            <a:endParaRPr/>
           </a:p>
         </p:txBody>
       </p:sp>
@@ -4208,21 +4454,22 @@
         <p:spPr/>
         <p:txBody>
           <a:bodyPr/>
-          <a:p>
-            <a:r>
-              <a:rPr lang="en-IN"/>
-              <a:t/>
-            </a:r>
+          <a:lstStyle/>
+          <a:p>
+            <a:endParaRPr/>
           </a:p>
         </p:txBody>
       </p:sp>
     </p:spTree>
   </p:cSld>
+  <p:clrMapOvr>
+    <a:masterClrMapping/>
+  </p:clrMapOvr>
 </p:sldLayout>
 </file>
 
 <file path=ppt/slideLayouts/slideLayout8.xml><?xml version="1.0" encoding="utf-8"?>
-<p:sldLayout xmlns:a="http://schemas.openxmlformats.org/drawingml/2006/main" xmlns:p="http://schemas.openxmlformats.org/presentationml/2006/main" xmlns:r="http://schemas.openxmlformats.org/officeDocument/2006/relationships" xmlns:p14="http://schemas.microsoft.com/office/powerpoint/2010/main" xmlns:p15="http://schemas.microsoft.com/office/powerpoint/2012/main" xmlns:mc="http://schemas.openxmlformats.org/markup-compatibility/2006" type="objAndTwoObj" preserve="1">
+<p:sldLayout xmlns:a="http://schemas.openxmlformats.org/drawingml/2006/main" xmlns:r="http://schemas.openxmlformats.org/officeDocument/2006/relationships" xmlns:p="http://schemas.openxmlformats.org/presentationml/2006/main" type="objAndTwoObj" preserve="1">
   <p:cSld name="Title Content and 2 Content">
     <p:spTree>
       <p:nvGrpSpPr>
@@ -4262,11 +4509,12 @@
           </a:ln>
         </p:spPr>
         <p:txBody>
-          <a:bodyPr lIns="0" rIns="0" tIns="0" bIns="0" anchor="ctr">
+          <a:bodyPr lIns="0" tIns="0" rIns="0" bIns="0" anchor="ctr">
             <a:noAutofit/>
           </a:bodyPr>
-          <a:p>
-            <a:endParaRPr b="0" lang="en-IN" sz="1400" spc="-1" strike="noStrike">
+          <a:lstStyle/>
+          <a:p>
+            <a:endParaRPr lang="en-IN" sz="1400" b="0" strike="noStrike" spc="-1">
               <a:solidFill>
                 <a:srgbClr val="000000"/>
               </a:solidFill>
@@ -4299,11 +4547,12 @@
           </a:ln>
         </p:spPr>
         <p:txBody>
-          <a:bodyPr lIns="0" rIns="0" tIns="0" bIns="0" anchor="t">
+          <a:bodyPr lIns="0" tIns="0" rIns="0" bIns="0" anchor="t">
             <a:normAutofit/>
           </a:bodyPr>
-          <a:p>
-            <a:endParaRPr b="0" lang="en-IN" sz="1400" spc="-1" strike="noStrike">
+          <a:lstStyle/>
+          <a:p>
+            <a:endParaRPr lang="en-IN" sz="1400" b="0" strike="noStrike" spc="-1">
               <a:solidFill>
                 <a:srgbClr val="000000"/>
               </a:solidFill>
@@ -4336,11 +4585,12 @@
           </a:ln>
         </p:spPr>
         <p:txBody>
-          <a:bodyPr lIns="0" rIns="0" tIns="0" bIns="0" anchor="t">
+          <a:bodyPr lIns="0" tIns="0" rIns="0" bIns="0" anchor="t">
             <a:normAutofit/>
           </a:bodyPr>
-          <a:p>
-            <a:endParaRPr b="0" lang="en-IN" sz="1400" spc="-1" strike="noStrike">
+          <a:lstStyle/>
+          <a:p>
+            <a:endParaRPr lang="en-IN" sz="1400" b="0" strike="noStrike" spc="-1">
               <a:solidFill>
                 <a:srgbClr val="000000"/>
               </a:solidFill>
@@ -4373,11 +4623,12 @@
           </a:ln>
         </p:spPr>
         <p:txBody>
-          <a:bodyPr lIns="0" rIns="0" tIns="0" bIns="0" anchor="t">
+          <a:bodyPr lIns="0" tIns="0" rIns="0" bIns="0" anchor="t">
             <a:normAutofit/>
           </a:bodyPr>
-          <a:p>
-            <a:endParaRPr b="0" lang="en-IN" sz="1400" spc="-1" strike="noStrike">
+          <a:lstStyle/>
+          <a:p>
+            <a:endParaRPr lang="en-IN" sz="1400" b="0" strike="noStrike" spc="-1">
               <a:solidFill>
                 <a:srgbClr val="000000"/>
               </a:solidFill>
@@ -4399,6 +4650,7 @@
         <p:spPr/>
         <p:txBody>
           <a:bodyPr/>
+          <a:lstStyle/>
           <a:p>
             <a:r>
               <a:t>Footer</a:t>
@@ -4419,10 +4671,12 @@
         <p:spPr/>
         <p:txBody>
           <a:bodyPr/>
+          <a:lstStyle/>
           <a:p>
             <a:fld id="{2D9F5D6B-335C-489E-B807-05B95057BE21}" type="slidenum">
-              <a:t>&lt;#&gt;</a:t>
+              <a:t>‹#›</a:t>
             </a:fld>
+            <a:endParaRPr/>
           </a:p>
         </p:txBody>
       </p:sp>
@@ -4439,21 +4693,22 @@
         <p:spPr/>
         <p:txBody>
           <a:bodyPr/>
-          <a:p>
-            <a:r>
-              <a:rPr lang="en-IN"/>
-              <a:t/>
-            </a:r>
+          <a:lstStyle/>
+          <a:p>
+            <a:endParaRPr/>
           </a:p>
         </p:txBody>
       </p:sp>
     </p:spTree>
   </p:cSld>
+  <p:clrMapOvr>
+    <a:masterClrMapping/>
+  </p:clrMapOvr>
 </p:sldLayout>
 </file>
 
 <file path=ppt/slideLayouts/slideLayout9.xml><?xml version="1.0" encoding="utf-8"?>
-<p:sldLayout xmlns:a="http://schemas.openxmlformats.org/drawingml/2006/main" xmlns:p="http://schemas.openxmlformats.org/presentationml/2006/main" xmlns:r="http://schemas.openxmlformats.org/officeDocument/2006/relationships" xmlns:p14="http://schemas.microsoft.com/office/powerpoint/2010/main" xmlns:p15="http://schemas.microsoft.com/office/powerpoint/2012/main" xmlns:mc="http://schemas.openxmlformats.org/markup-compatibility/2006" type="twoObjOverTx" preserve="1">
+<p:sldLayout xmlns:a="http://schemas.openxmlformats.org/drawingml/2006/main" xmlns:r="http://schemas.openxmlformats.org/officeDocument/2006/relationships" xmlns:p="http://schemas.openxmlformats.org/presentationml/2006/main" type="twoObjOverTx" preserve="1">
   <p:cSld name="Title, 2 Content over Content">
     <p:spTree>
       <p:nvGrpSpPr>
@@ -4493,11 +4748,12 @@
           </a:ln>
         </p:spPr>
         <p:txBody>
-          <a:bodyPr lIns="0" rIns="0" tIns="0" bIns="0" anchor="ctr">
+          <a:bodyPr lIns="0" tIns="0" rIns="0" bIns="0" anchor="ctr">
             <a:noAutofit/>
           </a:bodyPr>
-          <a:p>
-            <a:endParaRPr b="0" lang="en-IN" sz="1400" spc="-1" strike="noStrike">
+          <a:lstStyle/>
+          <a:p>
+            <a:endParaRPr lang="en-IN" sz="1400" b="0" strike="noStrike" spc="-1">
               <a:solidFill>
                 <a:srgbClr val="000000"/>
               </a:solidFill>
@@ -4530,11 +4786,12 @@
           </a:ln>
         </p:spPr>
         <p:txBody>
-          <a:bodyPr lIns="0" rIns="0" tIns="0" bIns="0" anchor="t">
+          <a:bodyPr lIns="0" tIns="0" rIns="0" bIns="0" anchor="t">
             <a:normAutofit/>
           </a:bodyPr>
-          <a:p>
-            <a:endParaRPr b="0" lang="en-IN" sz="1400" spc="-1" strike="noStrike">
+          <a:lstStyle/>
+          <a:p>
+            <a:endParaRPr lang="en-IN" sz="1400" b="0" strike="noStrike" spc="-1">
               <a:solidFill>
                 <a:srgbClr val="000000"/>
               </a:solidFill>
@@ -4567,11 +4824,12 @@
           </a:ln>
         </p:spPr>
         <p:txBody>
-          <a:bodyPr lIns="0" rIns="0" tIns="0" bIns="0" anchor="t">
+          <a:bodyPr lIns="0" tIns="0" rIns="0" bIns="0" anchor="t">
             <a:normAutofit/>
           </a:bodyPr>
-          <a:p>
-            <a:endParaRPr b="0" lang="en-IN" sz="1400" spc="-1" strike="noStrike">
+          <a:lstStyle/>
+          <a:p>
+            <a:endParaRPr lang="en-IN" sz="1400" b="0" strike="noStrike" spc="-1">
               <a:solidFill>
                 <a:srgbClr val="000000"/>
               </a:solidFill>
@@ -4604,11 +4862,12 @@
           </a:ln>
         </p:spPr>
         <p:txBody>
-          <a:bodyPr lIns="0" rIns="0" tIns="0" bIns="0" anchor="t">
+          <a:bodyPr lIns="0" tIns="0" rIns="0" bIns="0" anchor="t">
             <a:normAutofit/>
           </a:bodyPr>
-          <a:p>
-            <a:endParaRPr b="0" lang="en-IN" sz="1400" spc="-1" strike="noStrike">
+          <a:lstStyle/>
+          <a:p>
+            <a:endParaRPr lang="en-IN" sz="1400" b="0" strike="noStrike" spc="-1">
               <a:solidFill>
                 <a:srgbClr val="000000"/>
               </a:solidFill>
@@ -4630,6 +4889,7 @@
         <p:spPr/>
         <p:txBody>
           <a:bodyPr/>
+          <a:lstStyle/>
           <a:p>
             <a:r>
               <a:t>Footer</a:t>
@@ -4650,10 +4910,12 @@
         <p:spPr/>
         <p:txBody>
           <a:bodyPr/>
+          <a:lstStyle/>
           <a:p>
             <a:fld id="{FA9AD031-7FD7-4A94-852F-D4C36685982F}" type="slidenum">
-              <a:t>&lt;#&gt;</a:t>
+              <a:t>‹#›</a:t>
             </a:fld>
+            <a:endParaRPr/>
           </a:p>
         </p:txBody>
       </p:sp>
@@ -4670,27 +4932,29 @@
         <p:spPr/>
         <p:txBody>
           <a:bodyPr/>
-          <a:p>
-            <a:r>
-              <a:rPr lang="en-IN"/>
-              <a:t/>
-            </a:r>
+          <a:lstStyle/>
+          <a:p>
+            <a:endParaRPr/>
           </a:p>
         </p:txBody>
       </p:sp>
     </p:spTree>
   </p:cSld>
+  <p:clrMapOvr>
+    <a:masterClrMapping/>
+  </p:clrMapOvr>
 </p:sldLayout>
 </file>
 
 <file path=ppt/slideMasters/slideMaster1.xml><?xml version="1.0" encoding="utf-8"?>
-<p:sldMaster xmlns:a="http://schemas.openxmlformats.org/drawingml/2006/main" xmlns:p="http://schemas.openxmlformats.org/presentationml/2006/main" xmlns:r="http://schemas.openxmlformats.org/officeDocument/2006/relationships" xmlns:p14="http://schemas.microsoft.com/office/powerpoint/2010/main" xmlns:p15="http://schemas.microsoft.com/office/powerpoint/2012/main" xmlns:mc="http://schemas.openxmlformats.org/markup-compatibility/2006">
+<p:sldMaster xmlns:a="http://schemas.openxmlformats.org/drawingml/2006/main" xmlns:r="http://schemas.openxmlformats.org/officeDocument/2006/relationships" xmlns:p="http://schemas.openxmlformats.org/presentationml/2006/main">
   <p:cSld>
     <p:bg>
       <p:bgPr>
         <a:solidFill>
-          <a:srgbClr val="ffffff"/>
+          <a:srgbClr val="FFFFFF"/>
         </a:solidFill>
+        <a:effectLst/>
       </p:bgPr>
     </p:bg>
     <p:spTree>
@@ -4709,7 +4973,7 @@
       </p:grpSpPr>
       <p:sp>
         <p:nvSpPr>
-          <p:cNvPr id="0" name="PlaceHolder 1"/>
+          <p:cNvPr id="5" name="PlaceHolder 1"/>
           <p:cNvSpPr>
             <a:spLocks noGrp="1"/>
           </p:cNvSpPr>
@@ -4731,12 +4995,13 @@
           </a:ln>
         </p:spPr>
         <p:txBody>
-          <a:bodyPr lIns="0" rIns="0" tIns="0" bIns="0" anchor="ctr">
+          <a:bodyPr lIns="0" tIns="0" rIns="0" bIns="0" anchor="ctr">
             <a:noAutofit/>
           </a:bodyPr>
-          <a:p>
-            <a:r>
-              <a:rPr b="0" lang="en-IN" sz="1400" spc="-1" strike="noStrike">
+          <a:lstStyle/>
+          <a:p>
+            <a:r>
+              <a:rPr lang="en-IN" sz="1400" b="0" strike="noStrike" spc="-1">
                 <a:solidFill>
                   <a:srgbClr val="000000"/>
                 </a:solidFill>
@@ -4744,18 +5009,12 @@
               </a:rPr>
               <a:t>Click to edit the title text format</a:t>
             </a:r>
-            <a:endParaRPr b="0" lang="en-IN" sz="1400" spc="-1" strike="noStrike">
-              <a:solidFill>
-                <a:srgbClr val="000000"/>
-              </a:solidFill>
-              <a:latin typeface="Arial"/>
-            </a:endParaRPr>
-          </a:p>
-        </p:txBody>
-      </p:sp>
-      <p:sp>
-        <p:nvSpPr>
-          <p:cNvPr id="1" name="PlaceHolder 2"/>
+          </a:p>
+        </p:txBody>
+      </p:sp>
+      <p:sp>
+        <p:nvSpPr>
+          <p:cNvPr id="6" name="PlaceHolder 2"/>
           <p:cNvSpPr>
             <a:spLocks noGrp="1"/>
           </p:cNvSpPr>
@@ -4777,9 +5036,10 @@
           </a:ln>
         </p:spPr>
         <p:txBody>
-          <a:bodyPr lIns="0" rIns="0" tIns="0" bIns="0" anchor="t">
+          <a:bodyPr lIns="0" tIns="0" rIns="0" bIns="0" anchor="t">
             <a:normAutofit/>
           </a:bodyPr>
+          <a:lstStyle/>
           <a:p>
             <a:pPr marL="432000" indent="-324000">
               <a:spcBef>
@@ -4793,7 +5053,7 @@
               <a:buChar char=""/>
             </a:pPr>
             <a:r>
-              <a:rPr b="0" lang="en-IN" sz="1400" spc="-1" strike="noStrike">
+              <a:rPr lang="en-IN" sz="1400" b="0" strike="noStrike" spc="-1">
                 <a:solidFill>
                   <a:srgbClr val="000000"/>
                 </a:solidFill>
@@ -4801,15 +5061,9 @@
               </a:rPr>
               <a:t>Click to edit the outline text format</a:t>
             </a:r>
-            <a:endParaRPr b="0" lang="en-IN" sz="1400" spc="-1" strike="noStrike">
-              <a:solidFill>
-                <a:srgbClr val="000000"/>
-              </a:solidFill>
-              <a:latin typeface="Arial"/>
-            </a:endParaRPr>
-          </a:p>
-          <a:p>
-            <a:pPr lvl="1" marL="864000" indent="-324000">
+          </a:p>
+          <a:p>
+            <a:pPr marL="864000" lvl="1" indent="-324000">
               <a:spcBef>
                 <a:spcPts val="1134"/>
               </a:spcBef>
@@ -4821,7 +5075,7 @@
               <a:buChar char=""/>
             </a:pPr>
             <a:r>
-              <a:rPr b="0" lang="en-IN" sz="1400" spc="-1" strike="noStrike">
+              <a:rPr lang="en-IN" sz="1400" b="0" strike="noStrike" spc="-1">
                 <a:solidFill>
                   <a:srgbClr val="000000"/>
                 </a:solidFill>
@@ -4829,15 +5083,9 @@
               </a:rPr>
               <a:t>Second Outline Level</a:t>
             </a:r>
-            <a:endParaRPr b="0" lang="en-IN" sz="1400" spc="-1" strike="noStrike">
-              <a:solidFill>
-                <a:srgbClr val="000000"/>
-              </a:solidFill>
-              <a:latin typeface="Arial"/>
-            </a:endParaRPr>
-          </a:p>
-          <a:p>
-            <a:pPr lvl="2" marL="1296000" indent="-288000">
+          </a:p>
+          <a:p>
+            <a:pPr marL="1296000" lvl="2" indent="-288000">
               <a:spcBef>
                 <a:spcPts val="850"/>
               </a:spcBef>
@@ -4849,7 +5097,7 @@
               <a:buChar char=""/>
             </a:pPr>
             <a:r>
-              <a:rPr b="0" lang="en-IN" sz="1400" spc="-1" strike="noStrike">
+              <a:rPr lang="en-IN" sz="1400" b="0" strike="noStrike" spc="-1">
                 <a:solidFill>
                   <a:srgbClr val="000000"/>
                 </a:solidFill>
@@ -4857,15 +5105,9 @@
               </a:rPr>
               <a:t>Third Outline Level</a:t>
             </a:r>
-            <a:endParaRPr b="0" lang="en-IN" sz="1400" spc="-1" strike="noStrike">
-              <a:solidFill>
-                <a:srgbClr val="000000"/>
-              </a:solidFill>
-              <a:latin typeface="Arial"/>
-            </a:endParaRPr>
-          </a:p>
-          <a:p>
-            <a:pPr lvl="3" marL="1728000" indent="-216000">
+          </a:p>
+          <a:p>
+            <a:pPr marL="1728000" lvl="3" indent="-216000">
               <a:spcBef>
                 <a:spcPts val="567"/>
               </a:spcBef>
@@ -4877,7 +5119,7 @@
               <a:buChar char=""/>
             </a:pPr>
             <a:r>
-              <a:rPr b="0" lang="en-IN" sz="1400" spc="-1" strike="noStrike">
+              <a:rPr lang="en-IN" sz="1400" b="0" strike="noStrike" spc="-1">
                 <a:solidFill>
                   <a:srgbClr val="000000"/>
                 </a:solidFill>
@@ -4885,15 +5127,9 @@
               </a:rPr>
               <a:t>Fourth Outline Level</a:t>
             </a:r>
-            <a:endParaRPr b="0" lang="en-IN" sz="1400" spc="-1" strike="noStrike">
-              <a:solidFill>
-                <a:srgbClr val="000000"/>
-              </a:solidFill>
-              <a:latin typeface="Arial"/>
-            </a:endParaRPr>
-          </a:p>
-          <a:p>
-            <a:pPr lvl="4" marL="2160000" indent="-216000">
+          </a:p>
+          <a:p>
+            <a:pPr marL="2160000" lvl="4" indent="-216000">
               <a:spcBef>
                 <a:spcPts val="283"/>
               </a:spcBef>
@@ -4905,7 +5141,7 @@
               <a:buChar char=""/>
             </a:pPr>
             <a:r>
-              <a:rPr b="0" lang="en-IN" sz="2000" spc="-1" strike="noStrike">
+              <a:rPr lang="en-IN" sz="2000" b="0" strike="noStrike" spc="-1">
                 <a:solidFill>
                   <a:srgbClr val="000000"/>
                 </a:solidFill>
@@ -4913,15 +5149,9 @@
               </a:rPr>
               <a:t>Fifth Outline Level</a:t>
             </a:r>
-            <a:endParaRPr b="0" lang="en-IN" sz="2000" spc="-1" strike="noStrike">
-              <a:solidFill>
-                <a:srgbClr val="000000"/>
-              </a:solidFill>
-              <a:latin typeface="Arial"/>
-            </a:endParaRPr>
-          </a:p>
-          <a:p>
-            <a:pPr lvl="5" marL="2592000" indent="-216000">
+          </a:p>
+          <a:p>
+            <a:pPr marL="2592000" lvl="5" indent="-216000">
               <a:spcBef>
                 <a:spcPts val="283"/>
               </a:spcBef>
@@ -4933,7 +5163,7 @@
               <a:buChar char=""/>
             </a:pPr>
             <a:r>
-              <a:rPr b="0" lang="en-IN" sz="2000" spc="-1" strike="noStrike">
+              <a:rPr lang="en-IN" sz="2000" b="0" strike="noStrike" spc="-1">
                 <a:solidFill>
                   <a:srgbClr val="000000"/>
                 </a:solidFill>
@@ -4941,15 +5171,9 @@
               </a:rPr>
               <a:t>Sixth Outline Level</a:t>
             </a:r>
-            <a:endParaRPr b="0" lang="en-IN" sz="2000" spc="-1" strike="noStrike">
-              <a:solidFill>
-                <a:srgbClr val="000000"/>
-              </a:solidFill>
-              <a:latin typeface="Arial"/>
-            </a:endParaRPr>
-          </a:p>
-          <a:p>
-            <a:pPr lvl="6" marL="3024000" indent="-216000">
+          </a:p>
+          <a:p>
+            <a:pPr marL="3024000" lvl="6" indent="-216000">
               <a:spcBef>
                 <a:spcPts val="283"/>
               </a:spcBef>
@@ -4961,7 +5185,7 @@
               <a:buChar char=""/>
             </a:pPr>
             <a:r>
-              <a:rPr b="0" lang="en-IN" sz="2000" spc="-1" strike="noStrike">
+              <a:rPr lang="en-IN" sz="2000" b="0" strike="noStrike" spc="-1">
                 <a:solidFill>
                   <a:srgbClr val="000000"/>
                 </a:solidFill>
@@ -4969,12 +5193,6 @@
               </a:rPr>
               <a:t>Seventh Outline Level</a:t>
             </a:r>
-            <a:endParaRPr b="0" lang="en-IN" sz="2000" spc="-1" strike="noStrike">
-              <a:solidFill>
-                <a:srgbClr val="000000"/>
-              </a:solidFill>
-              <a:latin typeface="Arial"/>
-            </a:endParaRPr>
           </a:p>
         </p:txBody>
       </p:sp>
@@ -5002,13 +5220,13 @@
           </a:ln>
         </p:spPr>
         <p:txBody>
-          <a:bodyPr lIns="0" rIns="0" tIns="0" bIns="0" anchor="t">
+          <a:bodyPr lIns="0" tIns="0" rIns="0" bIns="0" anchor="t">
             <a:noAutofit/>
           </a:bodyPr>
           <a:lstStyle>
             <a:lvl1pPr algn="ctr">
               <a:buNone/>
-              <a:defRPr b="0" lang="en-IN" sz="1400" spc="-1" strike="noStrike">
+              <a:defRPr lang="en-IN" sz="1400" b="0" strike="noStrike" spc="-1">
                 <a:latin typeface="Times New Roman"/>
               </a:defRPr>
             </a:lvl1pPr>
@@ -5018,14 +5236,11 @@
               <a:buNone/>
             </a:pPr>
             <a:r>
-              <a:rPr b="0" lang="en-IN" sz="1400" spc="-1" strike="noStrike">
+              <a:rPr lang="en-IN" sz="1400" b="0" strike="noStrike" spc="-1">
                 <a:latin typeface="Times New Roman"/>
               </a:rPr>
               <a:t>&lt;footer&gt;</a:t>
             </a:r>
-            <a:endParaRPr b="0" lang="en-IN" sz="1400" spc="-1" strike="noStrike">
-              <a:latin typeface="Times New Roman"/>
-            </a:endParaRPr>
           </a:p>
         </p:txBody>
       </p:sp>
@@ -5053,26 +5268,23 @@
           </a:ln>
         </p:spPr>
         <p:txBody>
-          <a:bodyPr lIns="0" rIns="0" tIns="0" bIns="0" anchor="t">
+          <a:bodyPr lIns="0" tIns="0" rIns="0" bIns="0" anchor="t">
             <a:noAutofit/>
           </a:bodyPr>
           <a:lstStyle>
             <a:lvl1pPr>
-              <a:defRPr b="0" lang="en-IN" sz="1400" spc="-1" strike="noStrike">
+              <a:defRPr lang="en-IN" sz="1400" b="0" strike="noStrike" spc="-1">
                 <a:latin typeface="Times New Roman"/>
               </a:defRPr>
             </a:lvl1pPr>
           </a:lstStyle>
           <a:p>
             <a:r>
-              <a:rPr b="0" lang="en-IN" sz="1400" spc="-1" strike="noStrike">
+              <a:rPr lang="en-IN" sz="1400" b="0" strike="noStrike" spc="-1">
                 <a:latin typeface="Times New Roman"/>
               </a:rPr>
               <a:t>&lt;date/time&gt;</a:t>
             </a:r>
-            <a:endParaRPr b="0" lang="en-IN" sz="1400" spc="-1" strike="noStrike">
-              <a:latin typeface="Times New Roman"/>
-            </a:endParaRPr>
           </a:p>
         </p:txBody>
       </p:sp>
@@ -5100,7 +5312,7 @@
           </a:ln>
         </p:spPr>
         <p:txBody>
-          <a:bodyPr lIns="0" rIns="0" tIns="0" bIns="0" anchor="t">
+          <a:bodyPr lIns="0" tIns="0" rIns="0" bIns="0" anchor="t">
             <a:noAutofit/>
           </a:bodyPr>
           <a:lstStyle>
@@ -5110,9 +5322,9 @@
               </a:lnSpc>
               <a:buNone/>
               <a:tabLst>
-                <a:tab algn="l" pos="0"/>
+                <a:tab pos="0" algn="l"/>
               </a:tabLst>
-              <a:defRPr b="0" lang="en-US" sz="1200" spc="-1" strike="noStrike">
+              <a:defRPr lang="en-US" sz="1200" b="0" strike="noStrike" spc="-1">
                 <a:solidFill>
                   <a:srgbClr val="000000"/>
                 </a:solidFill>
@@ -5128,20 +5340,20 @@
               </a:lnSpc>
               <a:buNone/>
               <a:tabLst>
-                <a:tab algn="l" pos="0"/>
+                <a:tab pos="0" algn="l"/>
               </a:tabLst>
             </a:pPr>
             <a:fld id="{8B23BE07-F43D-4285-80CD-F7CB8064C681}" type="slidenum">
-              <a:rPr b="0" lang="en-US" sz="1200" spc="-1" strike="noStrike">
+              <a:rPr lang="en-US" sz="1200" b="0" strike="noStrike" spc="-1">
                 <a:solidFill>
                   <a:srgbClr val="000000"/>
                 </a:solidFill>
                 <a:latin typeface="Courier New"/>
                 <a:ea typeface="Courier New"/>
               </a:rPr>
-              <a:t>&lt;number&gt;</a:t>
+              <a:t>‹#›</a:t>
             </a:fld>
-            <a:endParaRPr b="0" lang="en-IN" sz="1200" spc="-1" strike="noStrike">
+            <a:endParaRPr lang="en-IN" sz="1200" b="0" strike="noStrike" spc="-1">
               <a:latin typeface="Times New Roman"/>
             </a:endParaRPr>
           </a:p>
@@ -5149,32 +5361,313 @@
       </p:sp>
     </p:spTree>
   </p:cSld>
-  <p:clrMap bg1="lt1" bg2="lt2" tx1="dk1" tx2="dk2" accent1="accent1" accent2="accent2" accent3="accent3" accent4="accent4" accent5="accent5" accent6="accent6" hlink="hlink" folHlink="folHlink"/>
+  <p:clrMap bg1="lt1" tx1="dk1" bg2="lt2" tx2="dk2" accent1="accent1" accent2="accent2" accent3="accent3" accent4="accent4" accent5="accent5" accent6="accent6" hlink="hlink" folHlink="folHlink"/>
   <p:sldLayoutIdLst>
-    <p:sldLayoutId id="2147483649" r:id="rId2"/>
-    <p:sldLayoutId id="2147483650" r:id="rId3"/>
-    <p:sldLayoutId id="2147483651" r:id="rId4"/>
-    <p:sldLayoutId id="2147483652" r:id="rId5"/>
-    <p:sldLayoutId id="2147483653" r:id="rId6"/>
-    <p:sldLayoutId id="2147483654" r:id="rId7"/>
-    <p:sldLayoutId id="2147483655" r:id="rId8"/>
-    <p:sldLayoutId id="2147483656" r:id="rId9"/>
-    <p:sldLayoutId id="2147483657" r:id="rId10"/>
-    <p:sldLayoutId id="2147483658" r:id="rId11"/>
-    <p:sldLayoutId id="2147483659" r:id="rId12"/>
-    <p:sldLayoutId id="2147483660" r:id="rId13"/>
+    <p:sldLayoutId id="2147483649" r:id="rId1"/>
+    <p:sldLayoutId id="2147483650" r:id="rId2"/>
+    <p:sldLayoutId id="2147483651" r:id="rId3"/>
+    <p:sldLayoutId id="2147483652" r:id="rId4"/>
+    <p:sldLayoutId id="2147483653" r:id="rId5"/>
+    <p:sldLayoutId id="2147483654" r:id="rId6"/>
+    <p:sldLayoutId id="2147483655" r:id="rId7"/>
+    <p:sldLayoutId id="2147483656" r:id="rId8"/>
+    <p:sldLayoutId id="2147483657" r:id="rId9"/>
+    <p:sldLayoutId id="2147483658" r:id="rId10"/>
+    <p:sldLayoutId id="2147483659" r:id="rId11"/>
+    <p:sldLayoutId id="2147483660" r:id="rId12"/>
   </p:sldLayoutIdLst>
+  <p:txStyles>
+    <p:titleStyle>
+      <a:lvl1pPr algn="l" defTabSz="914400" rtl="0" eaLnBrk="1" latinLnBrk="0" hangingPunct="1">
+        <a:lnSpc>
+          <a:spcPct val="90000"/>
+        </a:lnSpc>
+        <a:spcBef>
+          <a:spcPct val="0"/>
+        </a:spcBef>
+        <a:buNone/>
+        <a:defRPr sz="4400" kern="1200">
+          <a:solidFill>
+            <a:schemeClr val="tx1"/>
+          </a:solidFill>
+          <a:latin typeface="+mj-lt"/>
+          <a:ea typeface="+mj-ea"/>
+          <a:cs typeface="+mj-cs"/>
+        </a:defRPr>
+      </a:lvl1pPr>
+    </p:titleStyle>
+    <p:bodyStyle>
+      <a:lvl1pPr marL="228600" indent="-228600" algn="l" defTabSz="914400" rtl="0" eaLnBrk="1" latinLnBrk="0" hangingPunct="1">
+        <a:lnSpc>
+          <a:spcPct val="90000"/>
+        </a:lnSpc>
+        <a:spcBef>
+          <a:spcPts val="1000"/>
+        </a:spcBef>
+        <a:buFont typeface="Arial" panose="020B0604020202020204" pitchFamily="34" charset="0"/>
+        <a:buChar char="•"/>
+        <a:defRPr sz="2800" kern="1200">
+          <a:solidFill>
+            <a:schemeClr val="tx1"/>
+          </a:solidFill>
+          <a:latin typeface="+mn-lt"/>
+          <a:ea typeface="+mn-ea"/>
+          <a:cs typeface="+mn-cs"/>
+        </a:defRPr>
+      </a:lvl1pPr>
+      <a:lvl2pPr marL="685800" indent="-228600" algn="l" defTabSz="914400" rtl="0" eaLnBrk="1" latinLnBrk="0" hangingPunct="1">
+        <a:lnSpc>
+          <a:spcPct val="90000"/>
+        </a:lnSpc>
+        <a:spcBef>
+          <a:spcPts val="500"/>
+        </a:spcBef>
+        <a:buFont typeface="Arial" panose="020B0604020202020204" pitchFamily="34" charset="0"/>
+        <a:buChar char="•"/>
+        <a:defRPr sz="2400" kern="1200">
+          <a:solidFill>
+            <a:schemeClr val="tx1"/>
+          </a:solidFill>
+          <a:latin typeface="+mn-lt"/>
+          <a:ea typeface="+mn-ea"/>
+          <a:cs typeface="+mn-cs"/>
+        </a:defRPr>
+      </a:lvl2pPr>
+      <a:lvl3pPr marL="1143000" indent="-228600" algn="l" defTabSz="914400" rtl="0" eaLnBrk="1" latinLnBrk="0" hangingPunct="1">
+        <a:lnSpc>
+          <a:spcPct val="90000"/>
+        </a:lnSpc>
+        <a:spcBef>
+          <a:spcPts val="500"/>
+        </a:spcBef>
+        <a:buFont typeface="Arial" panose="020B0604020202020204" pitchFamily="34" charset="0"/>
+        <a:buChar char="•"/>
+        <a:defRPr sz="2000" kern="1200">
+          <a:solidFill>
+            <a:schemeClr val="tx1"/>
+          </a:solidFill>
+          <a:latin typeface="+mn-lt"/>
+          <a:ea typeface="+mn-ea"/>
+          <a:cs typeface="+mn-cs"/>
+        </a:defRPr>
+      </a:lvl3pPr>
+      <a:lvl4pPr marL="1600200" indent="-228600" algn="l" defTabSz="914400" rtl="0" eaLnBrk="1" latinLnBrk="0" hangingPunct="1">
+        <a:lnSpc>
+          <a:spcPct val="90000"/>
+        </a:lnSpc>
+        <a:spcBef>
+          <a:spcPts val="500"/>
+        </a:spcBef>
+        <a:buFont typeface="Arial" panose="020B0604020202020204" pitchFamily="34" charset="0"/>
+        <a:buChar char="•"/>
+        <a:defRPr sz="1800" kern="1200">
+          <a:solidFill>
+            <a:schemeClr val="tx1"/>
+          </a:solidFill>
+          <a:latin typeface="+mn-lt"/>
+          <a:ea typeface="+mn-ea"/>
+          <a:cs typeface="+mn-cs"/>
+        </a:defRPr>
+      </a:lvl4pPr>
+      <a:lvl5pPr marL="2057400" indent="-228600" algn="l" defTabSz="914400" rtl="0" eaLnBrk="1" latinLnBrk="0" hangingPunct="1">
+        <a:lnSpc>
+          <a:spcPct val="90000"/>
+        </a:lnSpc>
+        <a:spcBef>
+          <a:spcPts val="500"/>
+        </a:spcBef>
+        <a:buFont typeface="Arial" panose="020B0604020202020204" pitchFamily="34" charset="0"/>
+        <a:buChar char="•"/>
+        <a:defRPr sz="1800" kern="1200">
+          <a:solidFill>
+            <a:schemeClr val="tx1"/>
+          </a:solidFill>
+          <a:latin typeface="+mn-lt"/>
+          <a:ea typeface="+mn-ea"/>
+          <a:cs typeface="+mn-cs"/>
+        </a:defRPr>
+      </a:lvl5pPr>
+      <a:lvl6pPr marL="2514600" indent="-228600" algn="l" defTabSz="914400" rtl="0" eaLnBrk="1" latinLnBrk="0" hangingPunct="1">
+        <a:lnSpc>
+          <a:spcPct val="90000"/>
+        </a:lnSpc>
+        <a:spcBef>
+          <a:spcPts val="500"/>
+        </a:spcBef>
+        <a:buFont typeface="Arial" panose="020B0604020202020204" pitchFamily="34" charset="0"/>
+        <a:buChar char="•"/>
+        <a:defRPr sz="1800" kern="1200">
+          <a:solidFill>
+            <a:schemeClr val="tx1"/>
+          </a:solidFill>
+          <a:latin typeface="+mn-lt"/>
+          <a:ea typeface="+mn-ea"/>
+          <a:cs typeface="+mn-cs"/>
+        </a:defRPr>
+      </a:lvl6pPr>
+      <a:lvl7pPr marL="2971800" indent="-228600" algn="l" defTabSz="914400" rtl="0" eaLnBrk="1" latinLnBrk="0" hangingPunct="1">
+        <a:lnSpc>
+          <a:spcPct val="90000"/>
+        </a:lnSpc>
+        <a:spcBef>
+          <a:spcPts val="500"/>
+        </a:spcBef>
+        <a:buFont typeface="Arial" panose="020B0604020202020204" pitchFamily="34" charset="0"/>
+        <a:buChar char="•"/>
+        <a:defRPr sz="1800" kern="1200">
+          <a:solidFill>
+            <a:schemeClr val="tx1"/>
+          </a:solidFill>
+          <a:latin typeface="+mn-lt"/>
+          <a:ea typeface="+mn-ea"/>
+          <a:cs typeface="+mn-cs"/>
+        </a:defRPr>
+      </a:lvl7pPr>
+      <a:lvl8pPr marL="3429000" indent="-228600" algn="l" defTabSz="914400" rtl="0" eaLnBrk="1" latinLnBrk="0" hangingPunct="1">
+        <a:lnSpc>
+          <a:spcPct val="90000"/>
+        </a:lnSpc>
+        <a:spcBef>
+          <a:spcPts val="500"/>
+        </a:spcBef>
+        <a:buFont typeface="Arial" panose="020B0604020202020204" pitchFamily="34" charset="0"/>
+        <a:buChar char="•"/>
+        <a:defRPr sz="1800" kern="1200">
+          <a:solidFill>
+            <a:schemeClr val="tx1"/>
+          </a:solidFill>
+          <a:latin typeface="+mn-lt"/>
+          <a:ea typeface="+mn-ea"/>
+          <a:cs typeface="+mn-cs"/>
+        </a:defRPr>
+      </a:lvl8pPr>
+      <a:lvl9pPr marL="3886200" indent="-228600" algn="l" defTabSz="914400" rtl="0" eaLnBrk="1" latinLnBrk="0" hangingPunct="1">
+        <a:lnSpc>
+          <a:spcPct val="90000"/>
+        </a:lnSpc>
+        <a:spcBef>
+          <a:spcPts val="500"/>
+        </a:spcBef>
+        <a:buFont typeface="Arial" panose="020B0604020202020204" pitchFamily="34" charset="0"/>
+        <a:buChar char="•"/>
+        <a:defRPr sz="1800" kern="1200">
+          <a:solidFill>
+            <a:schemeClr val="tx1"/>
+          </a:solidFill>
+          <a:latin typeface="+mn-lt"/>
+          <a:ea typeface="+mn-ea"/>
+          <a:cs typeface="+mn-cs"/>
+        </a:defRPr>
+      </a:lvl9pPr>
+    </p:bodyStyle>
+    <p:otherStyle>
+      <a:defPPr>
+        <a:defRPr lang="en-US"/>
+      </a:defPPr>
+      <a:lvl1pPr marL="0" algn="l" defTabSz="914400" rtl="0" eaLnBrk="1" latinLnBrk="0" hangingPunct="1">
+        <a:defRPr sz="1800" kern="1200">
+          <a:solidFill>
+            <a:schemeClr val="tx1"/>
+          </a:solidFill>
+          <a:latin typeface="+mn-lt"/>
+          <a:ea typeface="+mn-ea"/>
+          <a:cs typeface="+mn-cs"/>
+        </a:defRPr>
+      </a:lvl1pPr>
+      <a:lvl2pPr marL="457200" algn="l" defTabSz="914400" rtl="0" eaLnBrk="1" latinLnBrk="0" hangingPunct="1">
+        <a:defRPr sz="1800" kern="1200">
+          <a:solidFill>
+            <a:schemeClr val="tx1"/>
+          </a:solidFill>
+          <a:latin typeface="+mn-lt"/>
+          <a:ea typeface="+mn-ea"/>
+          <a:cs typeface="+mn-cs"/>
+        </a:defRPr>
+      </a:lvl2pPr>
+      <a:lvl3pPr marL="914400" algn="l" defTabSz="914400" rtl="0" eaLnBrk="1" latinLnBrk="0" hangingPunct="1">
+        <a:defRPr sz="1800" kern="1200">
+          <a:solidFill>
+            <a:schemeClr val="tx1"/>
+          </a:solidFill>
+          <a:latin typeface="+mn-lt"/>
+          <a:ea typeface="+mn-ea"/>
+          <a:cs typeface="+mn-cs"/>
+        </a:defRPr>
+      </a:lvl3pPr>
+      <a:lvl4pPr marL="1371600" algn="l" defTabSz="914400" rtl="0" eaLnBrk="1" latinLnBrk="0" hangingPunct="1">
+        <a:defRPr sz="1800" kern="1200">
+          <a:solidFill>
+            <a:schemeClr val="tx1"/>
+          </a:solidFill>
+          <a:latin typeface="+mn-lt"/>
+          <a:ea typeface="+mn-ea"/>
+          <a:cs typeface="+mn-cs"/>
+        </a:defRPr>
+      </a:lvl4pPr>
+      <a:lvl5pPr marL="1828800" algn="l" defTabSz="914400" rtl="0" eaLnBrk="1" latinLnBrk="0" hangingPunct="1">
+        <a:defRPr sz="1800" kern="1200">
+          <a:solidFill>
+            <a:schemeClr val="tx1"/>
+          </a:solidFill>
+          <a:latin typeface="+mn-lt"/>
+          <a:ea typeface="+mn-ea"/>
+          <a:cs typeface="+mn-cs"/>
+        </a:defRPr>
+      </a:lvl5pPr>
+      <a:lvl6pPr marL="2286000" algn="l" defTabSz="914400" rtl="0" eaLnBrk="1" latinLnBrk="0" hangingPunct="1">
+        <a:defRPr sz="1800" kern="1200">
+          <a:solidFill>
+            <a:schemeClr val="tx1"/>
+          </a:solidFill>
+          <a:latin typeface="+mn-lt"/>
+          <a:ea typeface="+mn-ea"/>
+          <a:cs typeface="+mn-cs"/>
+        </a:defRPr>
+      </a:lvl6pPr>
+      <a:lvl7pPr marL="2743200" algn="l" defTabSz="914400" rtl="0" eaLnBrk="1" latinLnBrk="0" hangingPunct="1">
+        <a:defRPr sz="1800" kern="1200">
+          <a:solidFill>
+            <a:schemeClr val="tx1"/>
+          </a:solidFill>
+          <a:latin typeface="+mn-lt"/>
+          <a:ea typeface="+mn-ea"/>
+          <a:cs typeface="+mn-cs"/>
+        </a:defRPr>
+      </a:lvl7pPr>
+      <a:lvl8pPr marL="3200400" algn="l" defTabSz="914400" rtl="0" eaLnBrk="1" latinLnBrk="0" hangingPunct="1">
+        <a:defRPr sz="1800" kern="1200">
+          <a:solidFill>
+            <a:schemeClr val="tx1"/>
+          </a:solidFill>
+          <a:latin typeface="+mn-lt"/>
+          <a:ea typeface="+mn-ea"/>
+          <a:cs typeface="+mn-cs"/>
+        </a:defRPr>
+      </a:lvl8pPr>
+      <a:lvl9pPr marL="3657600" algn="l" defTabSz="914400" rtl="0" eaLnBrk="1" latinLnBrk="0" hangingPunct="1">
+        <a:defRPr sz="1800" kern="1200">
+          <a:solidFill>
+            <a:schemeClr val="tx1"/>
+          </a:solidFill>
+          <a:latin typeface="+mn-lt"/>
+          <a:ea typeface="+mn-ea"/>
+          <a:cs typeface="+mn-cs"/>
+        </a:defRPr>
+      </a:lvl9pPr>
+    </p:otherStyle>
+  </p:txStyles>
 </p:sldMaster>
 </file>
 
 <file path=ppt/slideMasters/slideMaster2.xml><?xml version="1.0" encoding="utf-8"?>
-<p:sldMaster xmlns:a="http://schemas.openxmlformats.org/drawingml/2006/main" xmlns:p="http://schemas.openxmlformats.org/presentationml/2006/main" xmlns:r="http://schemas.openxmlformats.org/officeDocument/2006/relationships" xmlns:p14="http://schemas.microsoft.com/office/powerpoint/2010/main" xmlns:p15="http://schemas.microsoft.com/office/powerpoint/2012/main" xmlns:mc="http://schemas.openxmlformats.org/markup-compatibility/2006">
+<p:sldMaster xmlns:a="http://schemas.openxmlformats.org/drawingml/2006/main" xmlns:r="http://schemas.openxmlformats.org/officeDocument/2006/relationships" xmlns:p="http://schemas.openxmlformats.org/presentationml/2006/main">
   <p:cSld>
     <p:bg>
       <p:bgPr>
         <a:solidFill>
-          <a:srgbClr val="ffffff"/>
+          <a:srgbClr val="FFFFFF"/>
         </a:solidFill>
+        <a:effectLst/>
       </p:bgPr>
     </p:bg>
     <p:spTree>
@@ -5215,12 +5708,13 @@
           </a:ln>
         </p:spPr>
         <p:txBody>
-          <a:bodyPr lIns="0" rIns="0" tIns="0" bIns="0" anchor="ctr">
+          <a:bodyPr lIns="0" tIns="0" rIns="0" bIns="0" anchor="ctr">
             <a:noAutofit/>
           </a:bodyPr>
-          <a:p>
-            <a:r>
-              <a:rPr b="0" lang="en-IN" sz="1400" spc="-1" strike="noStrike">
+          <a:lstStyle/>
+          <a:p>
+            <a:r>
+              <a:rPr lang="en-IN" sz="1400" b="0" strike="noStrike" spc="-1">
                 <a:solidFill>
                   <a:srgbClr val="000000"/>
                 </a:solidFill>
@@ -5228,12 +5722,6 @@
               </a:rPr>
               <a:t>Click to edit the title text format</a:t>
             </a:r>
-            <a:endParaRPr b="0" lang="en-IN" sz="1400" spc="-1" strike="noStrike">
-              <a:solidFill>
-                <a:srgbClr val="000000"/>
-              </a:solidFill>
-              <a:latin typeface="Arial"/>
-            </a:endParaRPr>
           </a:p>
         </p:txBody>
       </p:sp>
@@ -5261,13 +5749,13 @@
           </a:ln>
         </p:spPr>
         <p:txBody>
-          <a:bodyPr lIns="0" rIns="0" tIns="0" bIns="0" anchor="t">
+          <a:bodyPr lIns="0" tIns="0" rIns="0" bIns="0" anchor="t">
             <a:noAutofit/>
           </a:bodyPr>
           <a:lstStyle>
             <a:lvl1pPr algn="ctr">
               <a:buNone/>
-              <a:defRPr b="0" lang="en-IN" sz="1400" spc="-1" strike="noStrike">
+              <a:defRPr lang="en-IN" sz="1400" b="0" strike="noStrike" spc="-1">
                 <a:latin typeface="Times New Roman"/>
               </a:defRPr>
             </a:lvl1pPr>
@@ -5277,14 +5765,11 @@
               <a:buNone/>
             </a:pPr>
             <a:r>
-              <a:rPr b="0" lang="en-IN" sz="1400" spc="-1" strike="noStrike">
+              <a:rPr lang="en-IN" sz="1400" b="0" strike="noStrike" spc="-1">
                 <a:latin typeface="Times New Roman"/>
               </a:rPr>
               <a:t>&lt;footer&gt;</a:t>
             </a:r>
-            <a:endParaRPr b="0" lang="en-IN" sz="1400" spc="-1" strike="noStrike">
-              <a:latin typeface="Times New Roman"/>
-            </a:endParaRPr>
           </a:p>
         </p:txBody>
       </p:sp>
@@ -5312,26 +5797,23 @@
           </a:ln>
         </p:spPr>
         <p:txBody>
-          <a:bodyPr lIns="0" rIns="0" tIns="0" bIns="0" anchor="t">
+          <a:bodyPr lIns="0" tIns="0" rIns="0" bIns="0" anchor="t">
             <a:noAutofit/>
           </a:bodyPr>
           <a:lstStyle>
             <a:lvl1pPr>
-              <a:defRPr b="0" lang="en-IN" sz="1400" spc="-1" strike="noStrike">
+              <a:defRPr lang="en-IN" sz="1400" b="0" strike="noStrike" spc="-1">
                 <a:latin typeface="Times New Roman"/>
               </a:defRPr>
             </a:lvl1pPr>
           </a:lstStyle>
           <a:p>
             <a:r>
-              <a:rPr b="0" lang="en-IN" sz="1400" spc="-1" strike="noStrike">
+              <a:rPr lang="en-IN" sz="1400" b="0" strike="noStrike" spc="-1">
                 <a:latin typeface="Times New Roman"/>
               </a:rPr>
               <a:t>&lt;date/time&gt;</a:t>
             </a:r>
-            <a:endParaRPr b="0" lang="en-IN" sz="1400" spc="-1" strike="noStrike">
-              <a:latin typeface="Times New Roman"/>
-            </a:endParaRPr>
           </a:p>
         </p:txBody>
       </p:sp>
@@ -5359,7 +5841,7 @@
           </a:ln>
         </p:spPr>
         <p:txBody>
-          <a:bodyPr lIns="0" rIns="0" tIns="0" bIns="0" anchor="t">
+          <a:bodyPr lIns="0" tIns="0" rIns="0" bIns="0" anchor="t">
             <a:noAutofit/>
           </a:bodyPr>
           <a:lstStyle>
@@ -5369,9 +5851,9 @@
               </a:lnSpc>
               <a:buNone/>
               <a:tabLst>
-                <a:tab algn="l" pos="0"/>
+                <a:tab pos="0" algn="l"/>
               </a:tabLst>
-              <a:defRPr b="0" lang="en-US" sz="1200" spc="-1" strike="noStrike">
+              <a:defRPr lang="en-US" sz="1200" b="0" strike="noStrike" spc="-1">
                 <a:solidFill>
                   <a:srgbClr val="000000"/>
                 </a:solidFill>
@@ -5387,20 +5869,20 @@
               </a:lnSpc>
               <a:buNone/>
               <a:tabLst>
-                <a:tab algn="l" pos="0"/>
+                <a:tab pos="0" algn="l"/>
               </a:tabLst>
             </a:pPr>
             <a:fld id="{EA937C4D-AD7B-46EC-B0AA-67577FBE5B23}" type="slidenum">
-              <a:rPr b="0" lang="en-US" sz="1200" spc="-1" strike="noStrike">
+              <a:rPr lang="en-US" sz="1200" b="0" strike="noStrike" spc="-1">
                 <a:solidFill>
                   <a:srgbClr val="000000"/>
                 </a:solidFill>
                 <a:latin typeface="Courier New"/>
                 <a:ea typeface="Courier New"/>
               </a:rPr>
-              <a:t>&lt;number&gt;</a:t>
+              <a:t>‹#›</a:t>
             </a:fld>
-            <a:endParaRPr b="0" lang="en-IN" sz="1200" spc="-1" strike="noStrike">
+            <a:endParaRPr lang="en-IN" sz="1200" b="0" strike="noStrike" spc="-1">
               <a:latin typeface="Times New Roman"/>
             </a:endParaRPr>
           </a:p>
@@ -5430,9 +5912,10 @@
           </a:ln>
         </p:spPr>
         <p:txBody>
-          <a:bodyPr lIns="0" rIns="0" tIns="0" bIns="0" anchor="t">
+          <a:bodyPr lIns="0" tIns="0" rIns="0" bIns="0" anchor="t">
             <a:normAutofit/>
           </a:bodyPr>
+          <a:lstStyle/>
           <a:p>
             <a:pPr marL="432000" indent="-324000">
               <a:spcBef>
@@ -5446,7 +5929,7 @@
               <a:buChar char=""/>
             </a:pPr>
             <a:r>
-              <a:rPr b="0" lang="en-IN" sz="1400" spc="-1" strike="noStrike">
+              <a:rPr lang="en-IN" sz="1400" b="0" strike="noStrike" spc="-1">
                 <a:solidFill>
                   <a:srgbClr val="000000"/>
                 </a:solidFill>
@@ -5454,15 +5937,9 @@
               </a:rPr>
               <a:t>Click to edit the outline text format</a:t>
             </a:r>
-            <a:endParaRPr b="0" lang="en-IN" sz="1400" spc="-1" strike="noStrike">
-              <a:solidFill>
-                <a:srgbClr val="000000"/>
-              </a:solidFill>
-              <a:latin typeface="Arial"/>
-            </a:endParaRPr>
-          </a:p>
-          <a:p>
-            <a:pPr lvl="1" marL="864000" indent="-324000">
+          </a:p>
+          <a:p>
+            <a:pPr marL="864000" lvl="1" indent="-324000">
               <a:spcBef>
                 <a:spcPts val="1134"/>
               </a:spcBef>
@@ -5474,7 +5951,7 @@
               <a:buChar char=""/>
             </a:pPr>
             <a:r>
-              <a:rPr b="0" lang="en-IN" sz="1400" spc="-1" strike="noStrike">
+              <a:rPr lang="en-IN" sz="1400" b="0" strike="noStrike" spc="-1">
                 <a:solidFill>
                   <a:srgbClr val="000000"/>
                 </a:solidFill>
@@ -5482,15 +5959,9 @@
               </a:rPr>
               <a:t>Second Outline Level</a:t>
             </a:r>
-            <a:endParaRPr b="0" lang="en-IN" sz="1400" spc="-1" strike="noStrike">
-              <a:solidFill>
-                <a:srgbClr val="000000"/>
-              </a:solidFill>
-              <a:latin typeface="Arial"/>
-            </a:endParaRPr>
-          </a:p>
-          <a:p>
-            <a:pPr lvl="2" marL="1296000" indent="-288000">
+          </a:p>
+          <a:p>
+            <a:pPr marL="1296000" lvl="2" indent="-288000">
               <a:spcBef>
                 <a:spcPts val="850"/>
               </a:spcBef>
@@ -5502,7 +5973,7 @@
               <a:buChar char=""/>
             </a:pPr>
             <a:r>
-              <a:rPr b="0" lang="en-IN" sz="1400" spc="-1" strike="noStrike">
+              <a:rPr lang="en-IN" sz="1400" b="0" strike="noStrike" spc="-1">
                 <a:solidFill>
                   <a:srgbClr val="000000"/>
                 </a:solidFill>
@@ -5510,15 +5981,9 @@
               </a:rPr>
               <a:t>Third Outline Level</a:t>
             </a:r>
-            <a:endParaRPr b="0" lang="en-IN" sz="1400" spc="-1" strike="noStrike">
-              <a:solidFill>
-                <a:srgbClr val="000000"/>
-              </a:solidFill>
-              <a:latin typeface="Arial"/>
-            </a:endParaRPr>
-          </a:p>
-          <a:p>
-            <a:pPr lvl="3" marL="1728000" indent="-216000">
+          </a:p>
+          <a:p>
+            <a:pPr marL="1728000" lvl="3" indent="-216000">
               <a:spcBef>
                 <a:spcPts val="567"/>
               </a:spcBef>
@@ -5530,7 +5995,7 @@
               <a:buChar char=""/>
             </a:pPr>
             <a:r>
-              <a:rPr b="0" lang="en-IN" sz="1400" spc="-1" strike="noStrike">
+              <a:rPr lang="en-IN" sz="1400" b="0" strike="noStrike" spc="-1">
                 <a:solidFill>
                   <a:srgbClr val="000000"/>
                 </a:solidFill>
@@ -5538,15 +6003,9 @@
               </a:rPr>
               <a:t>Fourth Outline Level</a:t>
             </a:r>
-            <a:endParaRPr b="0" lang="en-IN" sz="1400" spc="-1" strike="noStrike">
-              <a:solidFill>
-                <a:srgbClr val="000000"/>
-              </a:solidFill>
-              <a:latin typeface="Arial"/>
-            </a:endParaRPr>
-          </a:p>
-          <a:p>
-            <a:pPr lvl="4" marL="2160000" indent="-216000">
+          </a:p>
+          <a:p>
+            <a:pPr marL="2160000" lvl="4" indent="-216000">
               <a:spcBef>
                 <a:spcPts val="283"/>
               </a:spcBef>
@@ -5558,7 +6017,7 @@
               <a:buChar char=""/>
             </a:pPr>
             <a:r>
-              <a:rPr b="0" lang="en-IN" sz="2000" spc="-1" strike="noStrike">
+              <a:rPr lang="en-IN" sz="2000" b="0" strike="noStrike" spc="-1">
                 <a:solidFill>
                   <a:srgbClr val="000000"/>
                 </a:solidFill>
@@ -5566,15 +6025,9 @@
               </a:rPr>
               <a:t>Fifth Outline Level</a:t>
             </a:r>
-            <a:endParaRPr b="0" lang="en-IN" sz="2000" spc="-1" strike="noStrike">
-              <a:solidFill>
-                <a:srgbClr val="000000"/>
-              </a:solidFill>
-              <a:latin typeface="Arial"/>
-            </a:endParaRPr>
-          </a:p>
-          <a:p>
-            <a:pPr lvl="5" marL="2592000" indent="-216000">
+          </a:p>
+          <a:p>
+            <a:pPr marL="2592000" lvl="5" indent="-216000">
               <a:spcBef>
                 <a:spcPts val="283"/>
               </a:spcBef>
@@ -5586,7 +6039,7 @@
               <a:buChar char=""/>
             </a:pPr>
             <a:r>
-              <a:rPr b="0" lang="en-IN" sz="2000" spc="-1" strike="noStrike">
+              <a:rPr lang="en-IN" sz="2000" b="0" strike="noStrike" spc="-1">
                 <a:solidFill>
                   <a:srgbClr val="000000"/>
                 </a:solidFill>
@@ -5594,15 +6047,9 @@
               </a:rPr>
               <a:t>Sixth Outline Level</a:t>
             </a:r>
-            <a:endParaRPr b="0" lang="en-IN" sz="2000" spc="-1" strike="noStrike">
-              <a:solidFill>
-                <a:srgbClr val="000000"/>
-              </a:solidFill>
-              <a:latin typeface="Arial"/>
-            </a:endParaRPr>
-          </a:p>
-          <a:p>
-            <a:pPr lvl="6" marL="3024000" indent="-216000">
+          </a:p>
+          <a:p>
+            <a:pPr marL="3024000" lvl="6" indent="-216000">
               <a:spcBef>
                 <a:spcPts val="283"/>
               </a:spcBef>
@@ -5614,7 +6061,7 @@
               <a:buChar char=""/>
             </a:pPr>
             <a:r>
-              <a:rPr b="0" lang="en-IN" sz="2000" spc="-1" strike="noStrike">
+              <a:rPr lang="en-IN" sz="2000" b="0" strike="noStrike" spc="-1">
                 <a:solidFill>
                   <a:srgbClr val="000000"/>
                 </a:solidFill>
@@ -5622,37 +6069,311 @@
               </a:rPr>
               <a:t>Seventh Outline Level</a:t>
             </a:r>
-            <a:endParaRPr b="0" lang="en-IN" sz="2000" spc="-1" strike="noStrike">
-              <a:solidFill>
-                <a:srgbClr val="000000"/>
-              </a:solidFill>
-              <a:latin typeface="Arial"/>
-            </a:endParaRPr>
           </a:p>
         </p:txBody>
       </p:sp>
     </p:spTree>
   </p:cSld>
-  <p:clrMap bg1="lt1" bg2="lt2" tx1="dk1" tx2="dk2" accent1="accent1" accent2="accent2" accent3="accent3" accent4="accent4" accent5="accent5" accent6="accent6" hlink="hlink" folHlink="folHlink"/>
+  <p:clrMap bg1="lt1" tx1="dk1" bg2="lt2" tx2="dk2" accent1="accent1" accent2="accent2" accent3="accent3" accent4="accent4" accent5="accent5" accent6="accent6" hlink="hlink" folHlink="folHlink"/>
   <p:sldLayoutIdLst>
-    <p:sldLayoutId id="2147483662" r:id="rId2"/>
-    <p:sldLayoutId id="2147483663" r:id="rId3"/>
-    <p:sldLayoutId id="2147483664" r:id="rId4"/>
-    <p:sldLayoutId id="2147483665" r:id="rId5"/>
-    <p:sldLayoutId id="2147483666" r:id="rId6"/>
-    <p:sldLayoutId id="2147483667" r:id="rId7"/>
-    <p:sldLayoutId id="2147483668" r:id="rId8"/>
-    <p:sldLayoutId id="2147483669" r:id="rId9"/>
-    <p:sldLayoutId id="2147483670" r:id="rId10"/>
-    <p:sldLayoutId id="2147483671" r:id="rId11"/>
-    <p:sldLayoutId id="2147483672" r:id="rId12"/>
-    <p:sldLayoutId id="2147483673" r:id="rId13"/>
+    <p:sldLayoutId id="2147483662" r:id="rId1"/>
+    <p:sldLayoutId id="2147483663" r:id="rId2"/>
+    <p:sldLayoutId id="2147483664" r:id="rId3"/>
+    <p:sldLayoutId id="2147483665" r:id="rId4"/>
+    <p:sldLayoutId id="2147483666" r:id="rId5"/>
+    <p:sldLayoutId id="2147483667" r:id="rId6"/>
+    <p:sldLayoutId id="2147483668" r:id="rId7"/>
+    <p:sldLayoutId id="2147483669" r:id="rId8"/>
+    <p:sldLayoutId id="2147483670" r:id="rId9"/>
+    <p:sldLayoutId id="2147483671" r:id="rId10"/>
+    <p:sldLayoutId id="2147483672" r:id="rId11"/>
+    <p:sldLayoutId id="2147483673" r:id="rId12"/>
   </p:sldLayoutIdLst>
+  <p:txStyles>
+    <p:titleStyle>
+      <a:lvl1pPr algn="l" defTabSz="914400" rtl="0" eaLnBrk="1" latinLnBrk="0" hangingPunct="1">
+        <a:lnSpc>
+          <a:spcPct val="90000"/>
+        </a:lnSpc>
+        <a:spcBef>
+          <a:spcPct val="0"/>
+        </a:spcBef>
+        <a:buNone/>
+        <a:defRPr sz="4400" kern="1200">
+          <a:solidFill>
+            <a:schemeClr val="tx1"/>
+          </a:solidFill>
+          <a:latin typeface="+mj-lt"/>
+          <a:ea typeface="+mj-ea"/>
+          <a:cs typeface="+mj-cs"/>
+        </a:defRPr>
+      </a:lvl1pPr>
+    </p:titleStyle>
+    <p:bodyStyle>
+      <a:lvl1pPr marL="228600" indent="-228600" algn="l" defTabSz="914400" rtl="0" eaLnBrk="1" latinLnBrk="0" hangingPunct="1">
+        <a:lnSpc>
+          <a:spcPct val="90000"/>
+        </a:lnSpc>
+        <a:spcBef>
+          <a:spcPts val="1000"/>
+        </a:spcBef>
+        <a:buFont typeface="Arial" panose="020B0604020202020204" pitchFamily="34" charset="0"/>
+        <a:buChar char="•"/>
+        <a:defRPr sz="2800" kern="1200">
+          <a:solidFill>
+            <a:schemeClr val="tx1"/>
+          </a:solidFill>
+          <a:latin typeface="+mn-lt"/>
+          <a:ea typeface="+mn-ea"/>
+          <a:cs typeface="+mn-cs"/>
+        </a:defRPr>
+      </a:lvl1pPr>
+      <a:lvl2pPr marL="685800" indent="-228600" algn="l" defTabSz="914400" rtl="0" eaLnBrk="1" latinLnBrk="0" hangingPunct="1">
+        <a:lnSpc>
+          <a:spcPct val="90000"/>
+        </a:lnSpc>
+        <a:spcBef>
+          <a:spcPts val="500"/>
+        </a:spcBef>
+        <a:buFont typeface="Arial" panose="020B0604020202020204" pitchFamily="34" charset="0"/>
+        <a:buChar char="•"/>
+        <a:defRPr sz="2400" kern="1200">
+          <a:solidFill>
+            <a:schemeClr val="tx1"/>
+          </a:solidFill>
+          <a:latin typeface="+mn-lt"/>
+          <a:ea typeface="+mn-ea"/>
+          <a:cs typeface="+mn-cs"/>
+        </a:defRPr>
+      </a:lvl2pPr>
+      <a:lvl3pPr marL="1143000" indent="-228600" algn="l" defTabSz="914400" rtl="0" eaLnBrk="1" latinLnBrk="0" hangingPunct="1">
+        <a:lnSpc>
+          <a:spcPct val="90000"/>
+        </a:lnSpc>
+        <a:spcBef>
+          <a:spcPts val="500"/>
+        </a:spcBef>
+        <a:buFont typeface="Arial" panose="020B0604020202020204" pitchFamily="34" charset="0"/>
+        <a:buChar char="•"/>
+        <a:defRPr sz="2000" kern="1200">
+          <a:solidFill>
+            <a:schemeClr val="tx1"/>
+          </a:solidFill>
+          <a:latin typeface="+mn-lt"/>
+          <a:ea typeface="+mn-ea"/>
+          <a:cs typeface="+mn-cs"/>
+        </a:defRPr>
+      </a:lvl3pPr>
+      <a:lvl4pPr marL="1600200" indent="-228600" algn="l" defTabSz="914400" rtl="0" eaLnBrk="1" latinLnBrk="0" hangingPunct="1">
+        <a:lnSpc>
+          <a:spcPct val="90000"/>
+        </a:lnSpc>
+        <a:spcBef>
+          <a:spcPts val="500"/>
+        </a:spcBef>
+        <a:buFont typeface="Arial" panose="020B0604020202020204" pitchFamily="34" charset="0"/>
+        <a:buChar char="•"/>
+        <a:defRPr sz="1800" kern="1200">
+          <a:solidFill>
+            <a:schemeClr val="tx1"/>
+          </a:solidFill>
+          <a:latin typeface="+mn-lt"/>
+          <a:ea typeface="+mn-ea"/>
+          <a:cs typeface="+mn-cs"/>
+        </a:defRPr>
+      </a:lvl4pPr>
+      <a:lvl5pPr marL="2057400" indent="-228600" algn="l" defTabSz="914400" rtl="0" eaLnBrk="1" latinLnBrk="0" hangingPunct="1">
+        <a:lnSpc>
+          <a:spcPct val="90000"/>
+        </a:lnSpc>
+        <a:spcBef>
+          <a:spcPts val="500"/>
+        </a:spcBef>
+        <a:buFont typeface="Arial" panose="020B0604020202020204" pitchFamily="34" charset="0"/>
+        <a:buChar char="•"/>
+        <a:defRPr sz="1800" kern="1200">
+          <a:solidFill>
+            <a:schemeClr val="tx1"/>
+          </a:solidFill>
+          <a:latin typeface="+mn-lt"/>
+          <a:ea typeface="+mn-ea"/>
+          <a:cs typeface="+mn-cs"/>
+        </a:defRPr>
+      </a:lvl5pPr>
+      <a:lvl6pPr marL="2514600" indent="-228600" algn="l" defTabSz="914400" rtl="0" eaLnBrk="1" latinLnBrk="0" hangingPunct="1">
+        <a:lnSpc>
+          <a:spcPct val="90000"/>
+        </a:lnSpc>
+        <a:spcBef>
+          <a:spcPts val="500"/>
+        </a:spcBef>
+        <a:buFont typeface="Arial" panose="020B0604020202020204" pitchFamily="34" charset="0"/>
+        <a:buChar char="•"/>
+        <a:defRPr sz="1800" kern="1200">
+          <a:solidFill>
+            <a:schemeClr val="tx1"/>
+          </a:solidFill>
+          <a:latin typeface="+mn-lt"/>
+          <a:ea typeface="+mn-ea"/>
+          <a:cs typeface="+mn-cs"/>
+        </a:defRPr>
+      </a:lvl6pPr>
+      <a:lvl7pPr marL="2971800" indent="-228600" algn="l" defTabSz="914400" rtl="0" eaLnBrk="1" latinLnBrk="0" hangingPunct="1">
+        <a:lnSpc>
+          <a:spcPct val="90000"/>
+        </a:lnSpc>
+        <a:spcBef>
+          <a:spcPts val="500"/>
+        </a:spcBef>
+        <a:buFont typeface="Arial" panose="020B0604020202020204" pitchFamily="34" charset="0"/>
+        <a:buChar char="•"/>
+        <a:defRPr sz="1800" kern="1200">
+          <a:solidFill>
+            <a:schemeClr val="tx1"/>
+          </a:solidFill>
+          <a:latin typeface="+mn-lt"/>
+          <a:ea typeface="+mn-ea"/>
+          <a:cs typeface="+mn-cs"/>
+        </a:defRPr>
+      </a:lvl7pPr>
+      <a:lvl8pPr marL="3429000" indent="-228600" algn="l" defTabSz="914400" rtl="0" eaLnBrk="1" latinLnBrk="0" hangingPunct="1">
+        <a:lnSpc>
+          <a:spcPct val="90000"/>
+        </a:lnSpc>
+        <a:spcBef>
+          <a:spcPts val="500"/>
+        </a:spcBef>
+        <a:buFont typeface="Arial" panose="020B0604020202020204" pitchFamily="34" charset="0"/>
+        <a:buChar char="•"/>
+        <a:defRPr sz="1800" kern="1200">
+          <a:solidFill>
+            <a:schemeClr val="tx1"/>
+          </a:solidFill>
+          <a:latin typeface="+mn-lt"/>
+          <a:ea typeface="+mn-ea"/>
+          <a:cs typeface="+mn-cs"/>
+        </a:defRPr>
+      </a:lvl8pPr>
+      <a:lvl9pPr marL="3886200" indent="-228600" algn="l" defTabSz="914400" rtl="0" eaLnBrk="1" latinLnBrk="0" hangingPunct="1">
+        <a:lnSpc>
+          <a:spcPct val="90000"/>
+        </a:lnSpc>
+        <a:spcBef>
+          <a:spcPts val="500"/>
+        </a:spcBef>
+        <a:buFont typeface="Arial" panose="020B0604020202020204" pitchFamily="34" charset="0"/>
+        <a:buChar char="•"/>
+        <a:defRPr sz="1800" kern="1200">
+          <a:solidFill>
+            <a:schemeClr val="tx1"/>
+          </a:solidFill>
+          <a:latin typeface="+mn-lt"/>
+          <a:ea typeface="+mn-ea"/>
+          <a:cs typeface="+mn-cs"/>
+        </a:defRPr>
+      </a:lvl9pPr>
+    </p:bodyStyle>
+    <p:otherStyle>
+      <a:defPPr>
+        <a:defRPr lang="en-US"/>
+      </a:defPPr>
+      <a:lvl1pPr marL="0" algn="l" defTabSz="914400" rtl="0" eaLnBrk="1" latinLnBrk="0" hangingPunct="1">
+        <a:defRPr sz="1800" kern="1200">
+          <a:solidFill>
+            <a:schemeClr val="tx1"/>
+          </a:solidFill>
+          <a:latin typeface="+mn-lt"/>
+          <a:ea typeface="+mn-ea"/>
+          <a:cs typeface="+mn-cs"/>
+        </a:defRPr>
+      </a:lvl1pPr>
+      <a:lvl2pPr marL="457200" algn="l" defTabSz="914400" rtl="0" eaLnBrk="1" latinLnBrk="0" hangingPunct="1">
+        <a:defRPr sz="1800" kern="1200">
+          <a:solidFill>
+            <a:schemeClr val="tx1"/>
+          </a:solidFill>
+          <a:latin typeface="+mn-lt"/>
+          <a:ea typeface="+mn-ea"/>
+          <a:cs typeface="+mn-cs"/>
+        </a:defRPr>
+      </a:lvl2pPr>
+      <a:lvl3pPr marL="914400" algn="l" defTabSz="914400" rtl="0" eaLnBrk="1" latinLnBrk="0" hangingPunct="1">
+        <a:defRPr sz="1800" kern="1200">
+          <a:solidFill>
+            <a:schemeClr val="tx1"/>
+          </a:solidFill>
+          <a:latin typeface="+mn-lt"/>
+          <a:ea typeface="+mn-ea"/>
+          <a:cs typeface="+mn-cs"/>
+        </a:defRPr>
+      </a:lvl3pPr>
+      <a:lvl4pPr marL="1371600" algn="l" defTabSz="914400" rtl="0" eaLnBrk="1" latinLnBrk="0" hangingPunct="1">
+        <a:defRPr sz="1800" kern="1200">
+          <a:solidFill>
+            <a:schemeClr val="tx1"/>
+          </a:solidFill>
+          <a:latin typeface="+mn-lt"/>
+          <a:ea typeface="+mn-ea"/>
+          <a:cs typeface="+mn-cs"/>
+        </a:defRPr>
+      </a:lvl4pPr>
+      <a:lvl5pPr marL="1828800" algn="l" defTabSz="914400" rtl="0" eaLnBrk="1" latinLnBrk="0" hangingPunct="1">
+        <a:defRPr sz="1800" kern="1200">
+          <a:solidFill>
+            <a:schemeClr val="tx1"/>
+          </a:solidFill>
+          <a:latin typeface="+mn-lt"/>
+          <a:ea typeface="+mn-ea"/>
+          <a:cs typeface="+mn-cs"/>
+        </a:defRPr>
+      </a:lvl5pPr>
+      <a:lvl6pPr marL="2286000" algn="l" defTabSz="914400" rtl="0" eaLnBrk="1" latinLnBrk="0" hangingPunct="1">
+        <a:defRPr sz="1800" kern="1200">
+          <a:solidFill>
+            <a:schemeClr val="tx1"/>
+          </a:solidFill>
+          <a:latin typeface="+mn-lt"/>
+          <a:ea typeface="+mn-ea"/>
+          <a:cs typeface="+mn-cs"/>
+        </a:defRPr>
+      </a:lvl6pPr>
+      <a:lvl7pPr marL="2743200" algn="l" defTabSz="914400" rtl="0" eaLnBrk="1" latinLnBrk="0" hangingPunct="1">
+        <a:defRPr sz="1800" kern="1200">
+          <a:solidFill>
+            <a:schemeClr val="tx1"/>
+          </a:solidFill>
+          <a:latin typeface="+mn-lt"/>
+          <a:ea typeface="+mn-ea"/>
+          <a:cs typeface="+mn-cs"/>
+        </a:defRPr>
+      </a:lvl7pPr>
+      <a:lvl8pPr marL="3200400" algn="l" defTabSz="914400" rtl="0" eaLnBrk="1" latinLnBrk="0" hangingPunct="1">
+        <a:defRPr sz="1800" kern="1200">
+          <a:solidFill>
+            <a:schemeClr val="tx1"/>
+          </a:solidFill>
+          <a:latin typeface="+mn-lt"/>
+          <a:ea typeface="+mn-ea"/>
+          <a:cs typeface="+mn-cs"/>
+        </a:defRPr>
+      </a:lvl8pPr>
+      <a:lvl9pPr marL="3657600" algn="l" defTabSz="914400" rtl="0" eaLnBrk="1" latinLnBrk="0" hangingPunct="1">
+        <a:defRPr sz="1800" kern="1200">
+          <a:solidFill>
+            <a:schemeClr val="tx1"/>
+          </a:solidFill>
+          <a:latin typeface="+mn-lt"/>
+          <a:ea typeface="+mn-ea"/>
+          <a:cs typeface="+mn-cs"/>
+        </a:defRPr>
+      </a:lvl9pPr>
+    </p:otherStyle>
+  </p:txStyles>
 </p:sldMaster>
 </file>
 
 <file path=ppt/slides/slide1.xml><?xml version="1.0" encoding="utf-8"?>
-<p:sld xmlns:a="http://schemas.openxmlformats.org/drawingml/2006/main" xmlns:p="http://schemas.openxmlformats.org/presentationml/2006/main" xmlns:r="http://schemas.openxmlformats.org/officeDocument/2006/relationships" xmlns:p14="http://schemas.microsoft.com/office/powerpoint/2010/main" xmlns:p15="http://schemas.microsoft.com/office/powerpoint/2012/main" xmlns:mc="http://schemas.openxmlformats.org/markup-compatibility/2006" showMasterSp="0">
+<p:sld xmlns:a="http://schemas.openxmlformats.org/drawingml/2006/main" xmlns:r="http://schemas.openxmlformats.org/officeDocument/2006/relationships" xmlns:p="http://schemas.openxmlformats.org/presentationml/2006/main" showMasterSp="0">
   <p:cSld>
     <p:spTree>
       <p:nvGrpSpPr>
@@ -5683,6 +6404,7 @@
             <a:avLst/>
             <a:gdLst/>
             <a:ahLst/>
+            <a:cxnLst/>
             <a:rect l="l" t="t" r="r" b="b"/>
             <a:pathLst>
               <a:path w="12192000" h="6858000">
@@ -5706,27 +6428,33 @@
             </a:pathLst>
           </a:custGeom>
           <a:solidFill>
-            <a:srgbClr val="0086cc"/>
+            <a:srgbClr val="0086CC"/>
           </a:solidFill>
           <a:ln w="0">
             <a:noFill/>
           </a:ln>
         </p:spPr>
         <p:style>
-          <a:lnRef idx="0"/>
-          <a:fillRef idx="0"/>
-          <a:effectRef idx="0"/>
+          <a:lnRef idx="0">
+            <a:scrgbClr r="0" g="0" b="0"/>
+          </a:lnRef>
+          <a:fillRef idx="0">
+            <a:scrgbClr r="0" g="0" b="0"/>
+          </a:fillRef>
+          <a:effectRef idx="0">
+            <a:scrgbClr r="0" g="0" b="0"/>
+          </a:effectRef>
           <a:fontRef idx="minor"/>
         </p:style>
       </p:sp>
       <p:pic>
         <p:nvPicPr>
-          <p:cNvPr id="83" name="Google Shape;44;p1" descr=""/>
+          <p:cNvPr id="83" name="Google Shape;44;p1"/>
           <p:cNvPicPr/>
           <p:nvPr/>
         </p:nvPicPr>
         <p:blipFill>
-          <a:blip r:embed="rId1"/>
+          <a:blip r:embed="rId2"/>
           <a:stretch/>
         </p:blipFill>
         <p:spPr>
@@ -5766,9 +6494,10 @@
           </a:ln>
         </p:spPr>
         <p:txBody>
-          <a:bodyPr lIns="0" rIns="0" tIns="12600" bIns="0" anchor="t">
+          <a:bodyPr lIns="0" tIns="12600" rIns="0" bIns="0" anchor="t">
             <a:noAutofit/>
           </a:bodyPr>
+          <a:lstStyle/>
           <a:p>
             <a:pPr marL="12600">
               <a:lnSpc>
@@ -5776,20 +6505,20 @@
               </a:lnSpc>
               <a:buNone/>
               <a:tabLst>
-                <a:tab algn="l" pos="0"/>
+                <a:tab pos="0" algn="l"/>
               </a:tabLst>
             </a:pPr>
             <a:r>
-              <a:rPr b="0" lang="en-US" sz="4800" spc="-1" strike="noStrike">
+              <a:rPr lang="en-US" sz="4800" b="0" strike="noStrike" spc="-1" dirty="0">
                 <a:solidFill>
-                  <a:srgbClr val="ffffff"/>
+                  <a:srgbClr val="FFFFFF"/>
                 </a:solidFill>
                 <a:latin typeface="Arial"/>
                 <a:ea typeface="Arial"/>
               </a:rPr>
               <a:t>WIPRO NGA Program – C++ LSP Batch</a:t>
             </a:r>
-            <a:endParaRPr b="0" lang="en-IN" sz="4800" spc="-1" strike="noStrike">
+            <a:endParaRPr lang="en-IN" sz="4800" b="0" strike="noStrike" spc="-1" dirty="0">
               <a:solidFill>
                 <a:srgbClr val="000000"/>
               </a:solidFill>
@@ -5818,15 +6547,22 @@
           </a:ln>
         </p:spPr>
         <p:style>
-          <a:lnRef idx="0"/>
-          <a:fillRef idx="0"/>
-          <a:effectRef idx="0"/>
+          <a:lnRef idx="0">
+            <a:scrgbClr r="0" g="0" b="0"/>
+          </a:lnRef>
+          <a:fillRef idx="0">
+            <a:scrgbClr r="0" g="0" b="0"/>
+          </a:fillRef>
+          <a:effectRef idx="0">
+            <a:scrgbClr r="0" g="0" b="0"/>
+          </a:effectRef>
           <a:fontRef idx="minor"/>
         </p:style>
         <p:txBody>
-          <a:bodyPr lIns="0" rIns="0" tIns="11880" bIns="0" anchor="t">
+          <a:bodyPr lIns="0" tIns="11880" rIns="0" bIns="0" anchor="t">
             <a:spAutoFit/>
           </a:bodyPr>
+          <a:lstStyle/>
           <a:p>
             <a:pPr marL="12600">
               <a:lnSpc>
@@ -5834,32 +6570,32 @@
               </a:lnSpc>
               <a:buNone/>
               <a:tabLst>
-                <a:tab algn="l" pos="0"/>
+                <a:tab pos="0" algn="l"/>
               </a:tabLst>
             </a:pPr>
             <a:r>
-              <a:rPr b="0" lang="en-US" sz="1350" spc="-1" strike="noStrike" u="sng">
+              <a:rPr lang="en-US" sz="1350" b="0" u="sng" strike="noStrike" spc="-1">
                 <a:solidFill>
-                  <a:srgbClr val="ffffff"/>
+                  <a:srgbClr val="FFFFFF"/>
                 </a:solidFill>
                 <a:uFillTx/>
                 <a:latin typeface="Arial"/>
                 <a:ea typeface="Arial"/>
-                <a:hlinkClick r:id="rId2"/>
+                <a:hlinkClick r:id="rId3"/>
               </a:rPr>
               <a:t>www. </a:t>
             </a:r>
             <a:r>
-              <a:rPr b="0" lang="en-US" sz="1350" spc="-1" strike="noStrike">
+              <a:rPr lang="en-US" sz="1350" b="0" strike="noStrike" spc="-1">
                 <a:solidFill>
-                  <a:srgbClr val="ffffff"/>
+                  <a:srgbClr val="FFFFFF"/>
                 </a:solidFill>
                 <a:latin typeface="Arial"/>
                 <a:ea typeface="Arial"/>
               </a:rPr>
               <a:t>rpsconsulting. in </a:t>
             </a:r>
-            <a:endParaRPr b="0" lang="en-IN" sz="1350" spc="-1" strike="noStrike">
+            <a:endParaRPr lang="en-IN" sz="1350" b="0" strike="noStrike" spc="-1">
               <a:latin typeface="Arial"/>
             </a:endParaRPr>
           </a:p>
@@ -5874,7 +6610,7 @@
         <p:spPr>
           <a:xfrm>
             <a:off x="353520" y="3169800"/>
-            <a:ext cx="10237680" cy="2235600"/>
+            <a:ext cx="11484960" cy="2255132"/>
           </a:xfrm>
           <a:prstGeom prst="rect">
             <a:avLst/>
@@ -5885,15 +6621,22 @@
           </a:ln>
         </p:spPr>
         <p:style>
-          <a:lnRef idx="0"/>
-          <a:fillRef idx="0"/>
-          <a:effectRef idx="0"/>
+          <a:lnRef idx="0">
+            <a:scrgbClr r="0" g="0" b="0"/>
+          </a:lnRef>
+          <a:fillRef idx="0">
+            <a:scrgbClr r="0" g="0" b="0"/>
+          </a:fillRef>
+          <a:effectRef idx="0">
+            <a:scrgbClr r="0" g="0" b="0"/>
+          </a:effectRef>
           <a:fontRef idx="minor"/>
         </p:style>
         <p:txBody>
-          <a:bodyPr lIns="0" rIns="0" tIns="12600" bIns="0" anchor="t">
+          <a:bodyPr wrap="square" lIns="0" tIns="12600" rIns="0" bIns="0" anchor="t">
             <a:spAutoFit/>
           </a:bodyPr>
+          <a:lstStyle/>
           <a:p>
             <a:pPr marL="12600">
               <a:lnSpc>
@@ -5901,20 +6644,20 @@
               </a:lnSpc>
               <a:buNone/>
               <a:tabLst>
-                <a:tab algn="l" pos="0"/>
+                <a:tab pos="0" algn="l"/>
               </a:tabLst>
             </a:pPr>
             <a:r>
-              <a:rPr b="0" lang="en-US" sz="2400" spc="-1" strike="noStrike">
+              <a:rPr lang="en-US" sz="2400" b="0" strike="noStrike" spc="-1" dirty="0">
                 <a:solidFill>
-                  <a:srgbClr val="ffffff"/>
+                  <a:srgbClr val="FFFFFF"/>
                 </a:solidFill>
                 <a:latin typeface="Arial"/>
                 <a:ea typeface="Arial"/>
               </a:rPr>
               <a:t>Capstone Project Presentation – </a:t>
             </a:r>
-            <a:endParaRPr b="0" lang="en-IN" sz="2400" spc="-1" strike="noStrike">
+            <a:endParaRPr lang="en-IN" sz="2400" b="0" strike="noStrike" spc="-1" dirty="0">
               <a:latin typeface="Arial"/>
             </a:endParaRPr>
           </a:p>
@@ -5928,10 +6671,10 @@
               </a:spcBef>
               <a:buNone/>
               <a:tabLst>
-                <a:tab algn="l" pos="0"/>
+                <a:tab pos="0" algn="l"/>
               </a:tabLst>
             </a:pPr>
-            <a:endParaRPr b="0" lang="en-IN" sz="2850" spc="-1" strike="noStrike">
+            <a:endParaRPr lang="en-IN" sz="2850" b="0" strike="noStrike" spc="-1" dirty="0">
               <a:latin typeface="Arial"/>
             </a:endParaRPr>
           </a:p>
@@ -5942,20 +6685,30 @@
               </a:lnSpc>
               <a:buNone/>
               <a:tabLst>
-                <a:tab algn="l" pos="0"/>
+                <a:tab pos="0" algn="l"/>
               </a:tabLst>
             </a:pPr>
             <a:r>
-              <a:rPr b="0" lang="en-US" sz="2400" spc="-1" strike="noStrike">
+              <a:rPr lang="en-US" sz="2400" b="0" strike="noStrike" spc="-1" dirty="0">
                 <a:solidFill>
-                  <a:srgbClr val="ffffff"/>
+                  <a:srgbClr val="FFFFFF"/>
                 </a:solidFill>
                 <a:latin typeface="Arial"/>
                 <a:ea typeface="Arial"/>
               </a:rPr>
-              <a:t>Project Title  - A Distributed Real-Time Messaging System Using Client-Server Architechture</a:t>
-            </a:r>
-            <a:endParaRPr b="0" lang="en-IN" sz="2400" spc="-1" strike="noStrike">
+              <a:t>Project Title  - A Distributed Real-Time Messaging System Using </a:t>
+            </a:r>
+            <a:r>
+              <a:rPr lang="en-US" sz="2400" b="0" strike="noStrike" spc="-1">
+                <a:solidFill>
+                  <a:srgbClr val="FFFFFF"/>
+                </a:solidFill>
+                <a:latin typeface="Arial"/>
+                <a:ea typeface="Arial"/>
+              </a:rPr>
+              <a:t>Client-Server 			  Architecture</a:t>
+            </a:r>
+            <a:endParaRPr lang="en-IN" sz="2400" b="0" strike="noStrike" spc="-1" dirty="0">
               <a:latin typeface="Arial"/>
             </a:endParaRPr>
           </a:p>
@@ -5969,20 +6722,20 @@
               </a:spcBef>
               <a:buNone/>
               <a:tabLst>
-                <a:tab algn="l" pos="0"/>
+                <a:tab pos="0" algn="l"/>
               </a:tabLst>
             </a:pPr>
             <a:r>
-              <a:rPr b="0" lang="en-US" sz="2400" spc="-1" strike="noStrike">
+              <a:rPr lang="en-US" sz="2400" b="0" strike="noStrike" spc="-1" dirty="0">
                 <a:solidFill>
-                  <a:srgbClr val="ffffff"/>
+                  <a:srgbClr val="FFFFFF"/>
                 </a:solidFill>
                 <a:latin typeface="Arial"/>
                 <a:ea typeface="Arial"/>
               </a:rPr>
               <a:t>Presented by –  Dolly Kumari</a:t>
             </a:r>
-            <a:endParaRPr b="0" lang="en-IN" sz="2400" spc="-1" strike="noStrike">
+            <a:endParaRPr lang="en-IN" sz="2400" b="0" strike="noStrike" spc="-1" dirty="0">
               <a:latin typeface="Arial"/>
             </a:endParaRPr>
           </a:p>
@@ -5990,19 +6743,14 @@
       </p:sp>
     </p:spTree>
   </p:cSld>
-  <mc:AlternateContent>
-    <mc:Choice Requires="p14">
-      <p:transition spd="slow" p14:dur="2000"/>
-    </mc:Choice>
-    <mc:Fallback>
-      <p:transition spd="slow"/>
-    </mc:Fallback>
-  </mc:AlternateContent>
+  <p:clrMapOvr>
+    <a:masterClrMapping/>
+  </p:clrMapOvr>
 </p:sld>
 </file>
 
 <file path=ppt/slides/slide10.xml><?xml version="1.0" encoding="utf-8"?>
-<p:sld xmlns:a="http://schemas.openxmlformats.org/drawingml/2006/main" xmlns:p="http://schemas.openxmlformats.org/presentationml/2006/main" xmlns:r="http://schemas.openxmlformats.org/officeDocument/2006/relationships" xmlns:p14="http://schemas.microsoft.com/office/powerpoint/2010/main" xmlns:p15="http://schemas.microsoft.com/office/powerpoint/2012/main" xmlns:mc="http://schemas.openxmlformats.org/markup-compatibility/2006">
+<p:sld xmlns:a="http://schemas.openxmlformats.org/drawingml/2006/main" xmlns:r="http://schemas.openxmlformats.org/officeDocument/2006/relationships" xmlns:p="http://schemas.openxmlformats.org/presentationml/2006/main">
   <p:cSld>
     <p:spTree>
       <p:nvGrpSpPr>
@@ -6042,9 +6790,10 @@
           </a:ln>
         </p:spPr>
         <p:txBody>
-          <a:bodyPr lIns="0" rIns="0" tIns="0" bIns="0" anchor="t">
+          <a:bodyPr lIns="0" tIns="0" rIns="0" bIns="0" anchor="t">
             <a:noAutofit/>
           </a:bodyPr>
+          <a:lstStyle/>
           <a:p>
             <a:pPr algn="ctr">
               <a:lnSpc>
@@ -6052,11 +6801,11 @@
               </a:lnSpc>
               <a:buNone/>
               <a:tabLst>
-                <a:tab algn="l" pos="0"/>
+                <a:tab pos="0" algn="l"/>
               </a:tabLst>
             </a:pPr>
             <a:r>
-              <a:rPr b="0" lang="en-US" sz="2400" spc="-1" strike="noStrike">
+              <a:rPr lang="en-US" sz="2400" b="0" strike="noStrike" spc="-1">
                 <a:solidFill>
                   <a:srgbClr val="000000"/>
                 </a:solidFill>
@@ -6065,7 +6814,7 @@
               </a:rPr>
               <a:t>Client 2 terminal connected</a:t>
             </a:r>
-            <a:endParaRPr b="0" lang="en-IN" sz="2400" spc="-1" strike="noStrike">
+            <a:endParaRPr lang="en-IN" sz="2400" b="0" strike="noStrike" spc="-1">
               <a:solidFill>
                 <a:srgbClr val="000000"/>
               </a:solidFill>
@@ -6076,12 +6825,12 @@
       </p:sp>
       <p:pic>
         <p:nvPicPr>
-          <p:cNvPr id="120" name="" descr=""/>
+          <p:cNvPr id="120" name="Picture 119"/>
           <p:cNvPicPr/>
           <p:nvPr/>
         </p:nvPicPr>
         <p:blipFill>
-          <a:blip r:embed="rId1"/>
+          <a:blip r:embed="rId2"/>
           <a:stretch/>
         </p:blipFill>
         <p:spPr>
@@ -6099,19 +6848,14 @@
       </p:pic>
     </p:spTree>
   </p:cSld>
-  <mc:AlternateContent>
-    <mc:Choice Requires="p14">
-      <p:transition spd="slow" p14:dur="2000"/>
-    </mc:Choice>
-    <mc:Fallback>
-      <p:transition spd="slow"/>
-    </mc:Fallback>
-  </mc:AlternateContent>
+  <p:clrMapOvr>
+    <a:masterClrMapping/>
+  </p:clrMapOvr>
 </p:sld>
 </file>
 
 <file path=ppt/slides/slide11.xml><?xml version="1.0" encoding="utf-8"?>
-<p:sld xmlns:a="http://schemas.openxmlformats.org/drawingml/2006/main" xmlns:p="http://schemas.openxmlformats.org/presentationml/2006/main" xmlns:r="http://schemas.openxmlformats.org/officeDocument/2006/relationships" xmlns:p14="http://schemas.microsoft.com/office/powerpoint/2010/main" xmlns:p15="http://schemas.microsoft.com/office/powerpoint/2012/main" xmlns:mc="http://schemas.openxmlformats.org/markup-compatibility/2006">
+<p:sld xmlns:a="http://schemas.openxmlformats.org/drawingml/2006/main" xmlns:r="http://schemas.openxmlformats.org/officeDocument/2006/relationships" xmlns:p="http://schemas.openxmlformats.org/presentationml/2006/main">
   <p:cSld>
     <p:spTree>
       <p:nvGrpSpPr>
@@ -6129,12 +6873,12 @@
       </p:grpSpPr>
       <p:pic>
         <p:nvPicPr>
-          <p:cNvPr id="121" name="" descr=""/>
+          <p:cNvPr id="121" name="Picture 120"/>
           <p:cNvPicPr/>
           <p:nvPr/>
         </p:nvPicPr>
         <p:blipFill>
-          <a:blip r:embed="rId1"/>
+          <a:blip r:embed="rId2"/>
           <a:stretch/>
         </p:blipFill>
         <p:spPr>
@@ -6152,7 +6896,7 @@
       </p:pic>
       <p:sp>
         <p:nvSpPr>
-          <p:cNvPr id="122" name=""/>
+          <p:cNvPr id="122" name="TextBox 121"/>
           <p:cNvSpPr txBox="1"/>
           <p:nvPr/>
         </p:nvSpPr>
@@ -6170,37 +6914,30 @@
           </a:ln>
         </p:spPr>
         <p:txBody>
-          <a:bodyPr lIns="90000" rIns="90000" tIns="45000" bIns="45000" anchor="t">
+          <a:bodyPr lIns="90000" tIns="45000" rIns="90000" bIns="45000" anchor="t">
             <a:noAutofit/>
           </a:bodyPr>
-          <a:p>
-            <a:r>
-              <a:rPr b="0" lang="en-IN" sz="1800" spc="-1" strike="noStrike">
+          <a:lstStyle/>
+          <a:p>
+            <a:r>
+              <a:rPr lang="en-IN" sz="1800" b="0" strike="noStrike" spc="-1">
                 <a:latin typeface="Arial"/>
               </a:rPr>
               <a:t>Client 3 connected</a:t>
             </a:r>
-            <a:endParaRPr b="0" lang="en-IN" sz="1800" spc="-1" strike="noStrike">
-              <a:latin typeface="Arial"/>
-            </a:endParaRPr>
           </a:p>
         </p:txBody>
       </p:sp>
     </p:spTree>
   </p:cSld>
-  <mc:AlternateContent>
-    <mc:Choice Requires="p14">
-      <p:transition spd="slow" p14:dur="2000"/>
-    </mc:Choice>
-    <mc:Fallback>
-      <p:transition spd="slow"/>
-    </mc:Fallback>
-  </mc:AlternateContent>
+  <p:clrMapOvr>
+    <a:masterClrMapping/>
+  </p:clrMapOvr>
 </p:sld>
 </file>
 
 <file path=ppt/slides/slide12.xml><?xml version="1.0" encoding="utf-8"?>
-<p:sld xmlns:a="http://schemas.openxmlformats.org/drawingml/2006/main" xmlns:p="http://schemas.openxmlformats.org/presentationml/2006/main" xmlns:r="http://schemas.openxmlformats.org/officeDocument/2006/relationships" xmlns:p14="http://schemas.microsoft.com/office/powerpoint/2010/main" xmlns:p15="http://schemas.microsoft.com/office/powerpoint/2012/main" xmlns:mc="http://schemas.openxmlformats.org/markup-compatibility/2006">
+<p:sld xmlns:a="http://schemas.openxmlformats.org/drawingml/2006/main" xmlns:r="http://schemas.openxmlformats.org/officeDocument/2006/relationships" xmlns:p="http://schemas.openxmlformats.org/presentationml/2006/main">
   <p:cSld>
     <p:spTree>
       <p:nvGrpSpPr>
@@ -6218,12 +6955,12 @@
       </p:grpSpPr>
       <p:pic>
         <p:nvPicPr>
-          <p:cNvPr id="123" name="" descr=""/>
+          <p:cNvPr id="123" name="Picture 122"/>
           <p:cNvPicPr/>
           <p:nvPr/>
         </p:nvPicPr>
         <p:blipFill>
-          <a:blip r:embed="rId1"/>
+          <a:blip r:embed="rId2"/>
           <a:stretch/>
         </p:blipFill>
         <p:spPr>
@@ -6241,7 +6978,7 @@
       </p:pic>
       <p:sp>
         <p:nvSpPr>
-          <p:cNvPr id="124" name=""/>
+          <p:cNvPr id="124" name="TextBox 123"/>
           <p:cNvSpPr txBox="1"/>
           <p:nvPr/>
         </p:nvSpPr>
@@ -6259,37 +6996,30 @@
           </a:ln>
         </p:spPr>
         <p:txBody>
-          <a:bodyPr lIns="90000" rIns="90000" tIns="45000" bIns="45000" anchor="t">
+          <a:bodyPr lIns="90000" tIns="45000" rIns="90000" bIns="45000" anchor="t">
             <a:noAutofit/>
           </a:bodyPr>
-          <a:p>
-            <a:r>
-              <a:rPr b="0" lang="en-IN" sz="1800" spc="-1" strike="noStrike">
+          <a:lstStyle/>
+          <a:p>
+            <a:r>
+              <a:rPr lang="en-IN" sz="1800" b="0" strike="noStrike" spc="-1">
                 <a:latin typeface="Arial"/>
               </a:rPr>
               <a:t>Final Output</a:t>
             </a:r>
-            <a:endParaRPr b="0" lang="en-IN" sz="1800" spc="-1" strike="noStrike">
-              <a:latin typeface="Arial"/>
-            </a:endParaRPr>
           </a:p>
         </p:txBody>
       </p:sp>
     </p:spTree>
   </p:cSld>
-  <mc:AlternateContent>
-    <mc:Choice Requires="p14">
-      <p:transition spd="slow" p14:dur="2000"/>
-    </mc:Choice>
-    <mc:Fallback>
-      <p:transition spd="slow"/>
-    </mc:Fallback>
-  </mc:AlternateContent>
+  <p:clrMapOvr>
+    <a:masterClrMapping/>
+  </p:clrMapOvr>
 </p:sld>
 </file>
 
 <file path=ppt/slides/slide13.xml><?xml version="1.0" encoding="utf-8"?>
-<p:sld xmlns:a="http://schemas.openxmlformats.org/drawingml/2006/main" xmlns:p="http://schemas.openxmlformats.org/presentationml/2006/main" xmlns:r="http://schemas.openxmlformats.org/officeDocument/2006/relationships" xmlns:p14="http://schemas.microsoft.com/office/powerpoint/2010/main" xmlns:p15="http://schemas.microsoft.com/office/powerpoint/2012/main" xmlns:mc="http://schemas.openxmlformats.org/markup-compatibility/2006">
+<p:sld xmlns:a="http://schemas.openxmlformats.org/drawingml/2006/main" xmlns:r="http://schemas.openxmlformats.org/officeDocument/2006/relationships" xmlns:p="http://schemas.openxmlformats.org/presentationml/2006/main">
   <p:cSld>
     <p:spTree>
       <p:nvGrpSpPr>
@@ -6329,9 +7059,10 @@
           </a:ln>
         </p:spPr>
         <p:txBody>
-          <a:bodyPr lIns="0" rIns="0" tIns="0" bIns="0" anchor="t">
+          <a:bodyPr lIns="0" tIns="0" rIns="0" bIns="0" anchor="t">
             <a:noAutofit/>
           </a:bodyPr>
+          <a:lstStyle/>
           <a:p>
             <a:pPr algn="ctr">
               <a:lnSpc>
@@ -6339,20 +7070,20 @@
               </a:lnSpc>
               <a:buNone/>
               <a:tabLst>
-                <a:tab algn="l" pos="0"/>
+                <a:tab pos="0" algn="l"/>
               </a:tabLst>
             </a:pPr>
             <a:r>
-              <a:rPr b="1" lang="en-US" sz="3200" spc="-1" strike="noStrike">
+              <a:rPr lang="en-US" sz="3200" b="1" strike="noStrike" spc="-1">
                 <a:solidFill>
-                  <a:srgbClr val="1f497d"/>
+                  <a:srgbClr val="1F497D"/>
                 </a:solidFill>
                 <a:latin typeface="Times New Roman"/>
                 <a:ea typeface="Times New Roman"/>
               </a:rPr>
               <a:t>FUTURE IMPROVEMENTS</a:t>
             </a:r>
-            <a:endParaRPr b="0" lang="en-IN" sz="3200" spc="-1" strike="noStrike">
+            <a:endParaRPr lang="en-IN" sz="3200" b="0" strike="noStrike" spc="-1">
               <a:solidFill>
                 <a:srgbClr val="000000"/>
               </a:solidFill>
@@ -6385,9 +7116,10 @@
           </a:ln>
         </p:spPr>
         <p:txBody>
-          <a:bodyPr lIns="0" rIns="0" tIns="0" bIns="0" anchor="t">
+          <a:bodyPr lIns="0" tIns="0" rIns="0" bIns="0" anchor="t">
             <a:noAutofit/>
           </a:bodyPr>
+          <a:lstStyle/>
           <a:p>
             <a:pPr algn="just">
               <a:lnSpc>
@@ -6395,11 +7127,11 @@
               </a:lnSpc>
               <a:buNone/>
               <a:tabLst>
-                <a:tab algn="l" pos="0"/>
+                <a:tab pos="0" algn="l"/>
               </a:tabLst>
             </a:pPr>
             <a:r>
-              <a:rPr b="1" lang="en-US" sz="2600" spc="-1" strike="noStrike">
+              <a:rPr lang="en-US" sz="2600" b="1" strike="noStrike" spc="-1">
                 <a:solidFill>
                   <a:srgbClr val="000000"/>
                 </a:solidFill>
@@ -6408,7 +7140,7 @@
               </a:rPr>
               <a:t>Advanced Features</a:t>
             </a:r>
-            <a:endParaRPr b="0" lang="en-IN" sz="2600" spc="-1" strike="noStrike">
+            <a:endParaRPr lang="en-IN" sz="2600" b="0" strike="noStrike" spc="-1">
               <a:solidFill>
                 <a:srgbClr val="000000"/>
               </a:solidFill>
@@ -6422,30 +7154,47 @@
               </a:lnSpc>
               <a:buNone/>
               <a:tabLst>
-                <a:tab algn="l" pos="0"/>
+                <a:tab pos="0" algn="l"/>
               </a:tabLst>
             </a:pPr>
             <a:r>
-              <a:rPr b="0" lang="en-US" sz="2600" spc="-1" strike="noStrike">
+              <a:rPr lang="en-US" sz="2600" b="0" strike="noStrike" spc="-1">
                 <a:solidFill>
                   <a:srgbClr val="000000"/>
                 </a:solidFill>
                 <a:latin typeface="Times New Roman"/>
                 <a:ea typeface="Times New Roman"/>
               </a:rPr>
-              <a:t>  </a:t>
-            </a:r>
-            <a:r>
-              <a:rPr b="0" lang="en-US" sz="2600" spc="-1" strike="noStrike">
+              <a:t>  Current State: Basic messaging functionality is implemented.</a:t>
+            </a:r>
+            <a:endParaRPr lang="en-IN" sz="2600" b="0" strike="noStrike" spc="-1">
+              <a:solidFill>
+                <a:srgbClr val="000000"/>
+              </a:solidFill>
+              <a:latin typeface="Arial"/>
+            </a:endParaRPr>
+          </a:p>
+          <a:p>
+            <a:pPr algn="just">
+              <a:lnSpc>
+                <a:spcPct val="100000"/>
+              </a:lnSpc>
+              <a:buNone/>
+              <a:tabLst>
+                <a:tab pos="0" algn="l"/>
+              </a:tabLst>
+            </a:pPr>
+            <a:r>
+              <a:rPr lang="en-US" sz="2600" b="0" strike="noStrike" spc="-1">
                 <a:solidFill>
                   <a:srgbClr val="000000"/>
                 </a:solidFill>
                 <a:latin typeface="Times New Roman"/>
                 <a:ea typeface="Times New Roman"/>
               </a:rPr>
-              <a:t>Current State: Basic messaging functionality is implemented.</a:t>
-            </a:r>
-            <a:endParaRPr b="0" lang="en-IN" sz="2600" spc="-1" strike="noStrike">
+              <a:t>   Proposed Improvement: Introduce advanced features such as file sharing, message        reactions, and group chats to enhance functionality and user engagement.</a:t>
+            </a:r>
+            <a:endParaRPr lang="en-IN" sz="2600" b="0" strike="noStrike" spc="-1">
               <a:solidFill>
                 <a:srgbClr val="000000"/>
               </a:solidFill>
@@ -6459,48 +7208,11 @@
               </a:lnSpc>
               <a:buNone/>
               <a:tabLst>
-                <a:tab algn="l" pos="0"/>
+                <a:tab pos="0" algn="l"/>
               </a:tabLst>
             </a:pPr>
             <a:r>
-              <a:rPr b="0" lang="en-US" sz="2600" spc="-1" strike="noStrike">
-                <a:solidFill>
-                  <a:srgbClr val="000000"/>
-                </a:solidFill>
-                <a:latin typeface="Times New Roman"/>
-                <a:ea typeface="Times New Roman"/>
-              </a:rPr>
-              <a:t>   </a:t>
-            </a:r>
-            <a:r>
-              <a:rPr b="0" lang="en-US" sz="2600" spc="-1" strike="noStrike">
-                <a:solidFill>
-                  <a:srgbClr val="000000"/>
-                </a:solidFill>
-                <a:latin typeface="Times New Roman"/>
-                <a:ea typeface="Times New Roman"/>
-              </a:rPr>
-              <a:t>Proposed Improvement: Introduce advanced features such as file sharing, message        reactions, and group chats to enhance functionality and user engagement.</a:t>
-            </a:r>
-            <a:endParaRPr b="0" lang="en-IN" sz="2600" spc="-1" strike="noStrike">
-              <a:solidFill>
-                <a:srgbClr val="000000"/>
-              </a:solidFill>
-              <a:latin typeface="Arial"/>
-            </a:endParaRPr>
-          </a:p>
-          <a:p>
-            <a:pPr algn="just">
-              <a:lnSpc>
-                <a:spcPct val="100000"/>
-              </a:lnSpc>
-              <a:buNone/>
-              <a:tabLst>
-                <a:tab algn="l" pos="0"/>
-              </a:tabLst>
-            </a:pPr>
-            <a:r>
-              <a:rPr b="1" lang="en-US" sz="2600" spc="-1" strike="noStrike">
+              <a:rPr lang="en-US" sz="2600" b="1" strike="noStrike" spc="-1">
                 <a:solidFill>
                   <a:srgbClr val="000000"/>
                 </a:solidFill>
@@ -6509,7 +7221,7 @@
               </a:rPr>
               <a:t>Enhanced Scalability</a:t>
             </a:r>
-            <a:endParaRPr b="0" lang="en-IN" sz="2600" spc="-1" strike="noStrike">
+            <a:endParaRPr lang="en-IN" sz="2600" b="0" strike="noStrike" spc="-1">
               <a:solidFill>
                 <a:srgbClr val="000000"/>
               </a:solidFill>
@@ -6523,30 +7235,47 @@
               </a:lnSpc>
               <a:buNone/>
               <a:tabLst>
-                <a:tab algn="l" pos="0"/>
+                <a:tab pos="0" algn="l"/>
               </a:tabLst>
             </a:pPr>
             <a:r>
-              <a:rPr b="0" lang="en-US" sz="2600" spc="-1" strike="noStrike">
+              <a:rPr lang="en-US" sz="2600" b="0" strike="noStrike" spc="-1">
                 <a:solidFill>
                   <a:srgbClr val="000000"/>
                 </a:solidFill>
                 <a:latin typeface="Times New Roman"/>
                 <a:ea typeface="Times New Roman"/>
               </a:rPr>
-              <a:t>  </a:t>
-            </a:r>
-            <a:r>
-              <a:rPr b="0" lang="en-US" sz="2600" spc="-1" strike="noStrike">
+              <a:t>  Current State: The system handles multiple clients but may face limitations with a         high number of concurrent users.</a:t>
+            </a:r>
+            <a:endParaRPr lang="en-IN" sz="2600" b="0" strike="noStrike" spc="-1">
+              <a:solidFill>
+                <a:srgbClr val="000000"/>
+              </a:solidFill>
+              <a:latin typeface="Arial"/>
+            </a:endParaRPr>
+          </a:p>
+          <a:p>
+            <a:pPr algn="just">
+              <a:lnSpc>
+                <a:spcPct val="100000"/>
+              </a:lnSpc>
+              <a:buNone/>
+              <a:tabLst>
+                <a:tab pos="0" algn="l"/>
+              </a:tabLst>
+            </a:pPr>
+            <a:r>
+              <a:rPr lang="en-US" sz="2600" b="0" strike="noStrike" spc="-1">
                 <a:solidFill>
                   <a:srgbClr val="000000"/>
                 </a:solidFill>
                 <a:latin typeface="Times New Roman"/>
                 <a:ea typeface="Times New Roman"/>
               </a:rPr>
-              <a:t>Current State: The system handles multiple clients but may face limitations with a         high number of concurrent users.</a:t>
-            </a:r>
-            <a:endParaRPr b="0" lang="en-IN" sz="2600" spc="-1" strike="noStrike">
+              <a:t>  Proposed Improvement: Implement load balancing and server clustering to handle         more clients and improve performance.</a:t>
+            </a:r>
+            <a:endParaRPr lang="en-IN" sz="2600" b="0" strike="noStrike" spc="-1">
               <a:solidFill>
                 <a:srgbClr val="000000"/>
               </a:solidFill>
@@ -6560,48 +7289,11 @@
               </a:lnSpc>
               <a:buNone/>
               <a:tabLst>
-                <a:tab algn="l" pos="0"/>
+                <a:tab pos="0" algn="l"/>
               </a:tabLst>
             </a:pPr>
             <a:r>
-              <a:rPr b="0" lang="en-US" sz="2600" spc="-1" strike="noStrike">
-                <a:solidFill>
-                  <a:srgbClr val="000000"/>
-                </a:solidFill>
-                <a:latin typeface="Times New Roman"/>
-                <a:ea typeface="Times New Roman"/>
-              </a:rPr>
-              <a:t>  </a:t>
-            </a:r>
-            <a:r>
-              <a:rPr b="0" lang="en-US" sz="2600" spc="-1" strike="noStrike">
-                <a:solidFill>
-                  <a:srgbClr val="000000"/>
-                </a:solidFill>
-                <a:latin typeface="Times New Roman"/>
-                <a:ea typeface="Times New Roman"/>
-              </a:rPr>
-              <a:t>Proposed Improvement: Implement load balancing and server clustering to handle         more clients and improve performance.</a:t>
-            </a:r>
-            <a:endParaRPr b="0" lang="en-IN" sz="2600" spc="-1" strike="noStrike">
-              <a:solidFill>
-                <a:srgbClr val="000000"/>
-              </a:solidFill>
-              <a:latin typeface="Arial"/>
-            </a:endParaRPr>
-          </a:p>
-          <a:p>
-            <a:pPr algn="just">
-              <a:lnSpc>
-                <a:spcPct val="100000"/>
-              </a:lnSpc>
-              <a:buNone/>
-              <a:tabLst>
-                <a:tab algn="l" pos="0"/>
-              </a:tabLst>
-            </a:pPr>
-            <a:r>
-              <a:rPr b="1" lang="en-US" sz="2600" spc="-1" strike="noStrike">
+              <a:rPr lang="en-US" sz="2600" b="1" strike="noStrike" spc="-1">
                 <a:solidFill>
                   <a:srgbClr val="000000"/>
                 </a:solidFill>
@@ -6610,7 +7302,7 @@
               </a:rPr>
               <a:t>Security Enhancements</a:t>
             </a:r>
-            <a:endParaRPr b="0" lang="en-IN" sz="2600" spc="-1" strike="noStrike">
+            <a:endParaRPr lang="en-IN" sz="2600" b="0" strike="noStrike" spc="-1">
               <a:solidFill>
                 <a:srgbClr val="000000"/>
               </a:solidFill>
@@ -6624,30 +7316,20 @@
               </a:lnSpc>
               <a:buNone/>
               <a:tabLst>
-                <a:tab algn="l" pos="0"/>
+                <a:tab pos="0" algn="l"/>
               </a:tabLst>
             </a:pPr>
             <a:r>
-              <a:rPr b="0" lang="en-US" sz="2600" spc="-1" strike="noStrike">
+              <a:rPr lang="en-US" sz="2600" b="0" strike="noStrike" spc="-1">
                 <a:solidFill>
                   <a:srgbClr val="000000"/>
                 </a:solidFill>
                 <a:latin typeface="Times New Roman"/>
                 <a:ea typeface="Times New Roman"/>
               </a:rPr>
-              <a:t>  </a:t>
-            </a:r>
-            <a:r>
-              <a:rPr b="0" lang="en-US" sz="2600" spc="-1" strike="noStrike">
-                <a:solidFill>
-                  <a:srgbClr val="000000"/>
-                </a:solidFill>
-                <a:latin typeface="Times New Roman"/>
-                <a:ea typeface="Times New Roman"/>
-              </a:rPr>
-              <a:t>Current State: Communication is currently unencrypted, which may expose data to        interception.</a:t>
-            </a:r>
-            <a:endParaRPr b="0" lang="en-IN" sz="2600" spc="-1" strike="noStrike">
+              <a:t>  Current State: Communication is currently unencrypted, which may expose data to        interception.</a:t>
+            </a:r>
+            <a:endParaRPr lang="en-IN" sz="2600" b="0" strike="noStrike" spc="-1">
               <a:solidFill>
                 <a:srgbClr val="000000"/>
               </a:solidFill>
@@ -6661,11 +7343,11 @@
               </a:lnSpc>
               <a:buNone/>
               <a:tabLst>
-                <a:tab algn="l" pos="0"/>
+                <a:tab pos="0" algn="l"/>
               </a:tabLst>
             </a:pPr>
             <a:r>
-              <a:rPr b="0" lang="en-US" sz="2600" spc="-1" strike="noStrike">
+              <a:rPr lang="en-US" sz="2600" b="0" strike="noStrike" spc="-1">
                 <a:solidFill>
                   <a:srgbClr val="000000"/>
                 </a:solidFill>
@@ -6674,7 +7356,7 @@
               </a:rPr>
               <a:t>Proposed Improvement: Integrate encryption protocols (e.g., TLS/SSL) to secure message transmissions and protect user data.</a:t>
             </a:r>
-            <a:endParaRPr b="0" lang="en-IN" sz="2600" spc="-1" strike="noStrike">
+            <a:endParaRPr lang="en-IN" sz="2600" b="0" strike="noStrike" spc="-1">
               <a:solidFill>
                 <a:srgbClr val="000000"/>
               </a:solidFill>
@@ -6685,19 +7367,14 @@
       </p:sp>
     </p:spTree>
   </p:cSld>
-  <mc:AlternateContent>
-    <mc:Choice Requires="p14">
-      <p:transition spd="slow" p14:dur="2000"/>
-    </mc:Choice>
-    <mc:Fallback>
-      <p:transition spd="slow"/>
-    </mc:Fallback>
-  </mc:AlternateContent>
+  <p:clrMapOvr>
+    <a:masterClrMapping/>
+  </p:clrMapOvr>
 </p:sld>
 </file>
 
 <file path=ppt/slides/slide14.xml><?xml version="1.0" encoding="utf-8"?>
-<p:sld xmlns:a="http://schemas.openxmlformats.org/drawingml/2006/main" xmlns:p="http://schemas.openxmlformats.org/presentationml/2006/main" xmlns:r="http://schemas.openxmlformats.org/officeDocument/2006/relationships" xmlns:p14="http://schemas.microsoft.com/office/powerpoint/2010/main" xmlns:p15="http://schemas.microsoft.com/office/powerpoint/2012/main" xmlns:mc="http://schemas.openxmlformats.org/markup-compatibility/2006">
+<p:sld xmlns:a="http://schemas.openxmlformats.org/drawingml/2006/main" xmlns:r="http://schemas.openxmlformats.org/officeDocument/2006/relationships" xmlns:p="http://schemas.openxmlformats.org/presentationml/2006/main">
   <p:cSld>
     <p:spTree>
       <p:nvGrpSpPr>
@@ -6737,9 +7414,10 @@
           </a:ln>
         </p:spPr>
         <p:txBody>
-          <a:bodyPr lIns="0" rIns="0" tIns="0" bIns="0" anchor="t">
+          <a:bodyPr lIns="0" tIns="0" rIns="0" bIns="0" anchor="t">
             <a:noAutofit/>
           </a:bodyPr>
+          <a:lstStyle/>
           <a:p>
             <a:pPr algn="ctr">
               <a:lnSpc>
@@ -6747,20 +7425,20 @@
               </a:lnSpc>
               <a:buNone/>
               <a:tabLst>
-                <a:tab algn="l" pos="0"/>
+                <a:tab pos="0" algn="l"/>
               </a:tabLst>
             </a:pPr>
             <a:r>
-              <a:rPr b="1" lang="en-US" sz="3200" spc="-1" strike="noStrike">
+              <a:rPr lang="en-US" sz="3200" b="1" strike="noStrike" spc="-1">
                 <a:solidFill>
-                  <a:srgbClr val="1f497d"/>
+                  <a:srgbClr val="1F497D"/>
                 </a:solidFill>
                 <a:latin typeface="Times New Roman"/>
                 <a:ea typeface="Times New Roman"/>
               </a:rPr>
               <a:t>CONCLUSION</a:t>
             </a:r>
-            <a:endParaRPr b="0" lang="en-IN" sz="3200" spc="-1" strike="noStrike">
+            <a:endParaRPr lang="en-IN" sz="3200" b="0" strike="noStrike" spc="-1">
               <a:solidFill>
                 <a:srgbClr val="000000"/>
               </a:solidFill>
@@ -6793,9 +7471,10 @@
           </a:ln>
         </p:spPr>
         <p:txBody>
-          <a:bodyPr lIns="0" rIns="0" tIns="0" bIns="0" anchor="t">
+          <a:bodyPr lIns="0" tIns="0" rIns="0" bIns="0" anchor="t">
             <a:noAutofit/>
           </a:bodyPr>
+          <a:lstStyle/>
           <a:p>
             <a:pPr algn="just">
               <a:lnSpc>
@@ -6803,80 +7482,20 @@
               </a:lnSpc>
               <a:buNone/>
               <a:tabLst>
-                <a:tab algn="l" pos="0"/>
+                <a:tab pos="0" algn="l"/>
               </a:tabLst>
             </a:pPr>
             <a:r>
-              <a:rPr b="0" lang="en-US" sz="2600" spc="-1" strike="noStrike">
+              <a:rPr lang="en-US" sz="2600" b="0" strike="noStrike" spc="-1">
                 <a:solidFill>
                   <a:srgbClr val="000000"/>
                 </a:solidFill>
                 <a:latin typeface="Times New Roman"/>
                 <a:ea typeface="Times New Roman"/>
               </a:rPr>
-              <a:t>This project successfully developed a distributed real-time messaging system </a:t>
-            </a:r>
-            <a:r>
-              <a:rPr b="0" lang="en-US" sz="2600" spc="-1" strike="noStrike">
-                <a:solidFill>
-                  <a:srgbClr val="000000"/>
-                </a:solidFill>
-                <a:latin typeface="Times New Roman"/>
-                <a:ea typeface="Times New Roman"/>
-              </a:rPr>
-              <a:t>using C++ and POSIX sockets, demonstrating effective client-server </a:t>
-            </a:r>
-            <a:r>
-              <a:rPr b="0" lang="en-US" sz="2600" spc="-1" strike="noStrike">
-                <a:solidFill>
-                  <a:srgbClr val="000000"/>
-                </a:solidFill>
-                <a:latin typeface="Times New Roman"/>
-                <a:ea typeface="Times New Roman"/>
-              </a:rPr>
-              <a:t>communication and multithreading capabilities. The system enables concurrent </a:t>
-            </a:r>
-            <a:r>
-              <a:rPr b="0" lang="en-US" sz="2600" spc="-1" strike="noStrike">
-                <a:solidFill>
-                  <a:srgbClr val="000000"/>
-                </a:solidFill>
-                <a:latin typeface="Times New Roman"/>
-                <a:ea typeface="Times New Roman"/>
-              </a:rPr>
-              <a:t>messaging between multiple users. Challenges such as managing multiple </a:t>
-            </a:r>
-            <a:r>
-              <a:rPr b="0" lang="en-US" sz="2600" spc="-1" strike="noStrike">
-                <a:solidFill>
-                  <a:srgbClr val="000000"/>
-                </a:solidFill>
-                <a:latin typeface="Times New Roman"/>
-                <a:ea typeface="Times New Roman"/>
-              </a:rPr>
-              <a:t>connections and error handling were addressed. Overall, this project provided </a:t>
-            </a:r>
-            <a:r>
-              <a:rPr b="0" lang="en-US" sz="2600" spc="-1" strike="noStrike">
-                <a:solidFill>
-                  <a:srgbClr val="000000"/>
-                </a:solidFill>
-                <a:latin typeface="Times New Roman"/>
-                <a:ea typeface="Times New Roman"/>
-              </a:rPr>
-              <a:t>practical experience in real-time system development and set the stage for further </a:t>
-            </a:r>
-            <a:r>
-              <a:rPr b="0" lang="en-US" sz="2600" spc="-1" strike="noStrike">
-                <a:solidFill>
-                  <a:srgbClr val="000000"/>
-                </a:solidFill>
-                <a:latin typeface="Times New Roman"/>
-                <a:ea typeface="Times New Roman"/>
-              </a:rPr>
-              <a:t>advancements in functionality and performance.</a:t>
-            </a:r>
-            <a:endParaRPr b="0" lang="en-IN" sz="2600" spc="-1" strike="noStrike">
+              <a:t>This project successfully developed a distributed real-time messaging system using C++ and POSIX sockets, demonstrating effective client-server communication and multithreading capabilities. The system enables concurrent messaging between multiple users. Challenges such as managing multiple connections and error handling were addressed. Overall, this project provided practical experience in real-time system development and set the stage for further advancements in functionality and performance.</a:t>
+            </a:r>
+            <a:endParaRPr lang="en-IN" sz="2600" b="0" strike="noStrike" spc="-1">
               <a:solidFill>
                 <a:srgbClr val="000000"/>
               </a:solidFill>
@@ -6887,19 +7506,14 @@
       </p:sp>
     </p:spTree>
   </p:cSld>
-  <mc:AlternateContent>
-    <mc:Choice Requires="p14">
-      <p:transition spd="slow" p14:dur="2000"/>
-    </mc:Choice>
-    <mc:Fallback>
-      <p:transition spd="slow"/>
-    </mc:Fallback>
-  </mc:AlternateContent>
+  <p:clrMapOvr>
+    <a:masterClrMapping/>
+  </p:clrMapOvr>
 </p:sld>
 </file>
 
 <file path=ppt/slides/slide15.xml><?xml version="1.0" encoding="utf-8"?>
-<p:sld xmlns:a="http://schemas.openxmlformats.org/drawingml/2006/main" xmlns:p="http://schemas.openxmlformats.org/presentationml/2006/main" xmlns:r="http://schemas.openxmlformats.org/officeDocument/2006/relationships" xmlns:p14="http://schemas.microsoft.com/office/powerpoint/2010/main" xmlns:p15="http://schemas.microsoft.com/office/powerpoint/2012/main" xmlns:mc="http://schemas.openxmlformats.org/markup-compatibility/2006">
+<p:sld xmlns:a="http://schemas.openxmlformats.org/drawingml/2006/main" xmlns:r="http://schemas.openxmlformats.org/officeDocument/2006/relationships" xmlns:p="http://schemas.openxmlformats.org/presentationml/2006/main">
   <p:cSld>
     <p:spTree>
       <p:nvGrpSpPr>
@@ -6917,7 +7531,7 @@
       </p:grpSpPr>
       <p:sp>
         <p:nvSpPr>
-          <p:cNvPr id="129" name=""/>
+          <p:cNvPr id="129" name="TextBox 128"/>
           <p:cNvSpPr txBox="1"/>
           <p:nvPr/>
         </p:nvSpPr>
@@ -6935,17 +7549,18 @@
           </a:ln>
         </p:spPr>
         <p:txBody>
-          <a:bodyPr lIns="90000" rIns="90000" tIns="45000" bIns="45000" anchor="t">
+          <a:bodyPr lIns="90000" tIns="45000" rIns="90000" bIns="45000" anchor="t">
             <a:noAutofit/>
           </a:bodyPr>
-          <a:p>
-            <a:r>
-              <a:rPr b="1" lang="en-IN" sz="4000" spc="-1" strike="noStrike">
+          <a:lstStyle/>
+          <a:p>
+            <a:r>
+              <a:rPr lang="en-IN" sz="4000" b="1" strike="noStrike" spc="-1">
                 <a:latin typeface="Arial"/>
               </a:rPr>
               <a:t>Thankyou</a:t>
             </a:r>
-            <a:endParaRPr b="0" lang="en-IN" sz="4000" spc="-1" strike="noStrike">
+            <a:endParaRPr lang="en-IN" sz="4000" b="0" strike="noStrike" spc="-1">
               <a:latin typeface="Arial"/>
             </a:endParaRPr>
           </a:p>
@@ -6953,19 +7568,14 @@
       </p:sp>
     </p:spTree>
   </p:cSld>
-  <mc:AlternateContent>
-    <mc:Choice Requires="p14">
-      <p:transition spd="slow" p14:dur="2000"/>
-    </mc:Choice>
-    <mc:Fallback>
-      <p:transition spd="slow"/>
-    </mc:Fallback>
-  </mc:AlternateContent>
+  <p:clrMapOvr>
+    <a:masterClrMapping/>
+  </p:clrMapOvr>
 </p:sld>
 </file>
 
 <file path=ppt/slides/slide2.xml><?xml version="1.0" encoding="utf-8"?>
-<p:sld xmlns:a="http://schemas.openxmlformats.org/drawingml/2006/main" xmlns:p="http://schemas.openxmlformats.org/presentationml/2006/main" xmlns:r="http://schemas.openxmlformats.org/officeDocument/2006/relationships" xmlns:p14="http://schemas.microsoft.com/office/powerpoint/2010/main" xmlns:p15="http://schemas.microsoft.com/office/powerpoint/2012/main" xmlns:mc="http://schemas.openxmlformats.org/markup-compatibility/2006">
+<p:sld xmlns:a="http://schemas.openxmlformats.org/drawingml/2006/main" xmlns:r="http://schemas.openxmlformats.org/officeDocument/2006/relationships" xmlns:p="http://schemas.openxmlformats.org/presentationml/2006/main">
   <p:cSld>
     <p:spTree>
       <p:nvGrpSpPr>
@@ -7005,9 +7615,10 @@
           </a:ln>
         </p:spPr>
         <p:txBody>
-          <a:bodyPr lIns="0" rIns="0" tIns="0" bIns="0" anchor="t">
+          <a:bodyPr lIns="0" tIns="0" rIns="0" bIns="0" anchor="t">
             <a:noAutofit/>
           </a:bodyPr>
+          <a:lstStyle/>
           <a:p>
             <a:pPr algn="ctr">
               <a:lnSpc>
@@ -7015,20 +7626,20 @@
               </a:lnSpc>
               <a:buNone/>
               <a:tabLst>
-                <a:tab algn="l" pos="0"/>
+                <a:tab pos="0" algn="l"/>
               </a:tabLst>
             </a:pPr>
             <a:r>
-              <a:rPr b="1" lang="en-US" sz="3200" spc="-1" strike="noStrike">
+              <a:rPr lang="en-US" sz="3200" b="1" strike="noStrike" spc="-1">
                 <a:solidFill>
-                  <a:srgbClr val="1f497d"/>
+                  <a:srgbClr val="1F497D"/>
                 </a:solidFill>
                 <a:latin typeface="Times New Roman"/>
                 <a:ea typeface="Times New Roman"/>
               </a:rPr>
               <a:t>INTRODUCTION</a:t>
             </a:r>
-            <a:endParaRPr b="0" lang="en-IN" sz="3200" spc="-1" strike="noStrike">
+            <a:endParaRPr lang="en-IN" sz="3200" b="0" strike="noStrike" spc="-1">
               <a:solidFill>
                 <a:srgbClr val="000000"/>
               </a:solidFill>
@@ -7061,9 +7672,10 @@
           </a:ln>
         </p:spPr>
         <p:txBody>
-          <a:bodyPr lIns="0" rIns="0" tIns="0" bIns="0" anchor="t">
+          <a:bodyPr lIns="0" tIns="0" rIns="0" bIns="0" anchor="t">
             <a:noAutofit/>
           </a:bodyPr>
+          <a:lstStyle/>
           <a:p>
             <a:pPr marL="12600" algn="just">
               <a:lnSpc>
@@ -7071,10 +7683,10 @@
               </a:lnSpc>
               <a:buNone/>
               <a:tabLst>
-                <a:tab algn="l" pos="0"/>
+                <a:tab pos="0" algn="l"/>
               </a:tabLst>
             </a:pPr>
-            <a:endParaRPr b="0" lang="en-IN" sz="2600" spc="-1" strike="noStrike">
+            <a:endParaRPr lang="en-IN" sz="2600" b="0" strike="noStrike" spc="-1">
               <a:solidFill>
                 <a:srgbClr val="000000"/>
               </a:solidFill>
@@ -7093,11 +7705,11 @@
               <a:buFont typeface="Wingdings" charset="2"/>
               <a:buChar char=""/>
               <a:tabLst>
-                <a:tab algn="l" pos="0"/>
+                <a:tab pos="0" algn="l"/>
               </a:tabLst>
             </a:pPr>
             <a:r>
-              <a:rPr b="0" lang="en-US" sz="2600" spc="-1" strike="noStrike">
+              <a:rPr lang="en-US" sz="2600" b="0" strike="noStrike" spc="-1">
                 <a:solidFill>
                   <a:srgbClr val="000000"/>
                 </a:solidFill>
@@ -7106,7 +7718,7 @@
               </a:rPr>
               <a:t>A multi-user chat system using C++ is a program that allows multiple users to communicate with each other in real-time through text messages. </a:t>
             </a:r>
-            <a:endParaRPr b="0" lang="en-IN" sz="2600" spc="-1" strike="noStrike">
+            <a:endParaRPr lang="en-IN" sz="2600" b="0" strike="noStrike" spc="-1">
               <a:solidFill>
                 <a:srgbClr val="000000"/>
               </a:solidFill>
@@ -7125,10 +7737,10 @@
               <a:buFont typeface="Wingdings" charset="2"/>
               <a:buChar char=""/>
               <a:tabLst>
-                <a:tab algn="l" pos="0"/>
+                <a:tab pos="0" algn="l"/>
               </a:tabLst>
             </a:pPr>
-            <a:endParaRPr b="0" lang="en-IN" sz="2600" spc="-1" strike="noStrike">
+            <a:endParaRPr lang="en-IN" sz="2600" b="0" strike="noStrike" spc="-1">
               <a:solidFill>
                 <a:srgbClr val="000000"/>
               </a:solidFill>
@@ -7147,11 +7759,11 @@
               <a:buFont typeface="Wingdings" charset="2"/>
               <a:buChar char=""/>
               <a:tabLst>
-                <a:tab algn="l" pos="0"/>
+                <a:tab pos="0" algn="l"/>
               </a:tabLst>
             </a:pPr>
             <a:r>
-              <a:rPr b="0" lang="en-US" sz="2600" spc="-1" strike="noStrike">
+              <a:rPr lang="en-US" sz="2600" b="0" strike="noStrike" spc="-1">
                 <a:solidFill>
                   <a:srgbClr val="000000"/>
                 </a:solidFill>
@@ -7160,7 +7772,7 @@
               </a:rPr>
               <a:t>The communication between various users is done using client server model.</a:t>
             </a:r>
-            <a:endParaRPr b="0" lang="en-IN" sz="2600" spc="-1" strike="noStrike">
+            <a:endParaRPr lang="en-IN" sz="2600" b="0" strike="noStrike" spc="-1">
               <a:solidFill>
                 <a:srgbClr val="000000"/>
               </a:solidFill>
@@ -7171,12 +7783,12 @@
       </p:sp>
       <p:pic>
         <p:nvPicPr>
-          <p:cNvPr id="89" name="Google Shape;63;p3" descr=""/>
+          <p:cNvPr id="89" name="Google Shape;63;p3"/>
           <p:cNvPicPr/>
           <p:nvPr/>
         </p:nvPicPr>
         <p:blipFill>
-          <a:blip r:embed="rId1"/>
+          <a:blip r:embed="rId2"/>
           <a:stretch/>
         </p:blipFill>
         <p:spPr>
@@ -7216,7 +7828,7 @@
           </a:ln>
         </p:spPr>
         <p:txBody>
-          <a:bodyPr lIns="0" rIns="0" tIns="0" bIns="0" anchor="t">
+          <a:bodyPr lIns="0" tIns="0" rIns="0" bIns="0" anchor="t">
             <a:noAutofit/>
           </a:bodyPr>
           <a:lstStyle>
@@ -7226,9 +7838,9 @@
               </a:lnSpc>
               <a:buNone/>
               <a:tabLst>
-                <a:tab algn="l" pos="0"/>
+                <a:tab pos="0" algn="l"/>
               </a:tabLst>
-              <a:defRPr b="0" lang="en-US" sz="1400" spc="-1" strike="noStrike">
+              <a:defRPr lang="en-US" sz="1400" b="0" strike="noStrike" spc="-1">
                 <a:solidFill>
                   <a:srgbClr val="000000"/>
                 </a:solidFill>
@@ -7244,11 +7856,11 @@
               </a:lnSpc>
               <a:buNone/>
               <a:tabLst>
-                <a:tab algn="l" pos="0"/>
+                <a:tab pos="0" algn="l"/>
               </a:tabLst>
             </a:pPr>
             <a:r>
-              <a:rPr b="0" lang="en-US" sz="1400" spc="-1" strike="noStrike">
+              <a:rPr lang="en-US" sz="1400" b="0" strike="noStrike" spc="-1">
                 <a:solidFill>
                   <a:srgbClr val="000000"/>
                 </a:solidFill>
@@ -7257,7 +7869,7 @@
               </a:rPr>
               <a:t>2024  -  RPS  Consulting  all  r ights  reserved</a:t>
             </a:r>
-            <a:endParaRPr b="0" lang="en-IN" sz="1400" spc="-1" strike="noStrike">
+            <a:endParaRPr lang="en-IN" sz="1400" b="0" strike="noStrike" spc="-1">
               <a:latin typeface="Times New Roman"/>
             </a:endParaRPr>
           </a:p>
@@ -7265,12 +7877,12 @@
       </p:sp>
       <p:pic>
         <p:nvPicPr>
-          <p:cNvPr id="91" name="" descr=""/>
+          <p:cNvPr id="91" name="Picture 90"/>
           <p:cNvPicPr/>
           <p:nvPr/>
         </p:nvPicPr>
         <p:blipFill>
-          <a:blip r:embed="rId2"/>
+          <a:blip r:embed="rId3"/>
           <a:stretch/>
         </p:blipFill>
         <p:spPr>
@@ -7288,19 +7900,14 @@
       </p:pic>
     </p:spTree>
   </p:cSld>
-  <mc:AlternateContent>
-    <mc:Choice Requires="p14">
-      <p:transition spd="slow" p14:dur="2000"/>
-    </mc:Choice>
-    <mc:Fallback>
-      <p:transition spd="slow"/>
-    </mc:Fallback>
-  </mc:AlternateContent>
+  <p:clrMapOvr>
+    <a:masterClrMapping/>
+  </p:clrMapOvr>
 </p:sld>
 </file>
 
 <file path=ppt/slides/slide3.xml><?xml version="1.0" encoding="utf-8"?>
-<p:sld xmlns:a="http://schemas.openxmlformats.org/drawingml/2006/main" xmlns:p="http://schemas.openxmlformats.org/presentationml/2006/main" xmlns:r="http://schemas.openxmlformats.org/officeDocument/2006/relationships" xmlns:p14="http://schemas.microsoft.com/office/powerpoint/2010/main" xmlns:p15="http://schemas.microsoft.com/office/powerpoint/2012/main" xmlns:mc="http://schemas.openxmlformats.org/markup-compatibility/2006">
+<p:sld xmlns:a="http://schemas.openxmlformats.org/drawingml/2006/main" xmlns:r="http://schemas.openxmlformats.org/officeDocument/2006/relationships" xmlns:p="http://schemas.openxmlformats.org/presentationml/2006/main">
   <p:cSld>
     <p:spTree>
       <p:nvGrpSpPr>
@@ -7340,9 +7947,10 @@
           </a:ln>
         </p:spPr>
         <p:txBody>
-          <a:bodyPr lIns="0" rIns="0" tIns="0" bIns="0" anchor="t">
+          <a:bodyPr lIns="0" tIns="0" rIns="0" bIns="0" anchor="t">
             <a:noAutofit/>
           </a:bodyPr>
+          <a:lstStyle/>
           <a:p>
             <a:pPr algn="ctr">
               <a:lnSpc>
@@ -7350,20 +7958,20 @@
               </a:lnSpc>
               <a:buNone/>
               <a:tabLst>
-                <a:tab algn="l" pos="0"/>
+                <a:tab pos="0" algn="l"/>
               </a:tabLst>
             </a:pPr>
             <a:r>
-              <a:rPr b="1" lang="en-US" sz="3200" spc="-1" strike="noStrike">
+              <a:rPr lang="en-US" sz="3200" b="1" strike="noStrike" spc="-1">
                 <a:solidFill>
-                  <a:srgbClr val="1f497d"/>
+                  <a:srgbClr val="1F497D"/>
                 </a:solidFill>
                 <a:latin typeface="Times New Roman"/>
                 <a:ea typeface="Times New Roman"/>
               </a:rPr>
               <a:t>Various application tools used</a:t>
             </a:r>
-            <a:endParaRPr b="0" lang="en-IN" sz="3200" spc="-1" strike="noStrike">
+            <a:endParaRPr lang="en-IN" sz="3200" b="0" strike="noStrike" spc="-1">
               <a:solidFill>
                 <a:srgbClr val="000000"/>
               </a:solidFill>
@@ -7396,9 +8004,10 @@
           </a:ln>
         </p:spPr>
         <p:txBody>
-          <a:bodyPr lIns="0" rIns="0" tIns="0" bIns="0" anchor="t">
+          <a:bodyPr lIns="0" tIns="0" rIns="0" bIns="0" anchor="t">
             <a:noAutofit/>
           </a:bodyPr>
+          <a:lstStyle/>
           <a:p>
             <a:pPr>
               <a:lnSpc>
@@ -7406,11 +8015,11 @@
               </a:lnSpc>
               <a:buNone/>
               <a:tabLst>
-                <a:tab algn="l" pos="0"/>
+                <a:tab pos="0" algn="l"/>
               </a:tabLst>
             </a:pPr>
             <a:r>
-              <a:rPr b="1" lang="en-US" sz="2600" spc="-1" strike="noStrike">
+              <a:rPr lang="en-US" sz="2600" b="1" strike="noStrike" spc="-1">
                 <a:solidFill>
                   <a:srgbClr val="000000"/>
                 </a:solidFill>
@@ -7419,15 +8028,15 @@
               </a:rPr>
               <a:t>Compiler/IDE:</a:t>
             </a:r>
-            <a:endParaRPr b="0" lang="en-IN" sz="2600" spc="-1" strike="noStrike">
-              <a:solidFill>
-                <a:srgbClr val="000000"/>
-              </a:solidFill>
-              <a:latin typeface="Arial"/>
-            </a:endParaRPr>
-          </a:p>
-          <a:p>
-            <a:pPr lvl="1" marL="743040" indent="-285840">
+            <a:endParaRPr lang="en-IN" sz="2600" b="0" strike="noStrike" spc="-1">
+              <a:solidFill>
+                <a:srgbClr val="000000"/>
+              </a:solidFill>
+              <a:latin typeface="Arial"/>
+            </a:endParaRPr>
+          </a:p>
+          <a:p>
+            <a:pPr marL="743040" lvl="1" indent="-285840">
               <a:lnSpc>
                 <a:spcPct val="100000"/>
               </a:lnSpc>
@@ -7437,11 +8046,11 @@
               <a:buFont typeface="Arial"/>
               <a:buChar char="•"/>
               <a:tabLst>
-                <a:tab algn="l" pos="0"/>
+                <a:tab pos="0" algn="l"/>
               </a:tabLst>
             </a:pPr>
             <a:r>
-              <a:rPr b="1" lang="en-US" sz="2600" spc="-1" strike="noStrike">
+              <a:rPr lang="en-US" sz="2600" b="1" strike="noStrike" spc="-1">
                 <a:solidFill>
                   <a:srgbClr val="000000"/>
                 </a:solidFill>
@@ -7451,7 +8060,7 @@
               <a:t>GCC/G++: </a:t>
             </a:r>
             <a:r>
-              <a:rPr b="0" lang="en-US" sz="2600" spc="-1" strike="noStrike">
+              <a:rPr lang="en-US" sz="2600" b="0" strike="noStrike" spc="-1">
                 <a:solidFill>
                   <a:srgbClr val="000000"/>
                 </a:solidFill>
@@ -7460,15 +8069,15 @@
               </a:rPr>
               <a:t>g++-11 -std=c++11 -pthread chat_client.cpp -o chat_client.</a:t>
             </a:r>
-            <a:endParaRPr b="0" lang="en-IN" sz="2600" spc="-1" strike="noStrike">
-              <a:solidFill>
-                <a:srgbClr val="000000"/>
-              </a:solidFill>
-              <a:latin typeface="Arial"/>
-            </a:endParaRPr>
-          </a:p>
-          <a:p>
-            <a:pPr lvl="1" marL="743040" indent="-285840">
+            <a:endParaRPr lang="en-IN" sz="2600" b="0" strike="noStrike" spc="-1">
+              <a:solidFill>
+                <a:srgbClr val="000000"/>
+              </a:solidFill>
+              <a:latin typeface="Arial"/>
+            </a:endParaRPr>
+          </a:p>
+          <a:p>
+            <a:pPr marL="743040" lvl="1" indent="-285840">
               <a:lnSpc>
                 <a:spcPct val="100000"/>
               </a:lnSpc>
@@ -7478,11 +8087,11 @@
               <a:buFont typeface="Arial"/>
               <a:buChar char="•"/>
               <a:tabLst>
-                <a:tab algn="l" pos="0"/>
+                <a:tab pos="0" algn="l"/>
               </a:tabLst>
             </a:pPr>
             <a:r>
-              <a:rPr b="0" lang="en-US" sz="2600" spc="-1" strike="noStrike">
+              <a:rPr lang="en-US" sz="2600" b="0" strike="noStrike" spc="-1">
                 <a:solidFill>
                   <a:srgbClr val="000000"/>
                 </a:solidFill>
@@ -7491,7 +8100,7 @@
               </a:rPr>
               <a:t>Text editor</a:t>
             </a:r>
-            <a:endParaRPr b="0" lang="en-IN" sz="2600" spc="-1" strike="noStrike">
+            <a:endParaRPr lang="en-IN" sz="2600" b="0" strike="noStrike" spc="-1">
               <a:solidFill>
                 <a:srgbClr val="000000"/>
               </a:solidFill>
@@ -7505,11 +8114,11 @@
               </a:lnSpc>
               <a:buNone/>
               <a:tabLst>
-                <a:tab algn="l" pos="0"/>
+                <a:tab pos="0" algn="l"/>
               </a:tabLst>
             </a:pPr>
             <a:r>
-              <a:rPr b="1" lang="en-US" sz="2600" spc="-1" strike="noStrike">
+              <a:rPr lang="en-US" sz="2600" b="1" strike="noStrike" spc="-1">
                 <a:solidFill>
                   <a:srgbClr val="000000"/>
                 </a:solidFill>
@@ -7518,7 +8127,7 @@
               </a:rPr>
               <a:t>Networking Libraries:</a:t>
             </a:r>
-            <a:endParaRPr b="0" lang="en-IN" sz="2600" spc="-1" strike="noStrike">
+            <a:endParaRPr lang="en-IN" sz="2600" b="0" strike="noStrike" spc="-1">
               <a:solidFill>
                 <a:srgbClr val="000000"/>
               </a:solidFill>
@@ -7532,31 +8141,21 @@
               </a:lnSpc>
               <a:buNone/>
               <a:tabLst>
-                <a:tab algn="l" pos="0"/>
+                <a:tab pos="0" algn="l"/>
               </a:tabLst>
             </a:pPr>
             <a:r>
-              <a:rPr b="1" lang="en-US" sz="2600" spc="-1" strike="noStrike">
+              <a:rPr lang="en-US" sz="2600" b="1" strike="noStrike" spc="-1">
                 <a:solidFill>
                   <a:srgbClr val="000000"/>
                 </a:solidFill>
                 <a:latin typeface="Times New Roman"/>
                 <a:ea typeface="Times New Roman"/>
               </a:rPr>
-              <a:t>        </a:t>
-            </a:r>
-            <a:r>
-              <a:rPr b="1" lang="en-US" sz="2600" spc="-1" strike="noStrike">
-                <a:solidFill>
-                  <a:srgbClr val="000000"/>
-                </a:solidFill>
-                <a:latin typeface="Times New Roman"/>
-                <a:ea typeface="Times New Roman"/>
-              </a:rPr>
-              <a:t>POSIX Sockets: </a:t>
-            </a:r>
-            <a:r>
-              <a:rPr b="0" lang="en-US" sz="2600" spc="-1" strike="noStrike">
+              <a:t>        POSIX Sockets: </a:t>
+            </a:r>
+            <a:r>
+              <a:rPr lang="en-US" sz="2600" b="0" strike="noStrike" spc="-1">
                 <a:solidFill>
                   <a:srgbClr val="000000"/>
                 </a:solidFill>
@@ -7565,7 +8164,7 @@
               </a:rPr>
               <a:t>Utilized for network communication.</a:t>
             </a:r>
-            <a:endParaRPr b="0" lang="en-IN" sz="2600" spc="-1" strike="noStrike">
+            <a:endParaRPr lang="en-IN" sz="2600" b="0" strike="noStrike" spc="-1">
               <a:solidFill>
                 <a:srgbClr val="000000"/>
               </a:solidFill>
@@ -7579,11 +8178,11 @@
               </a:lnSpc>
               <a:buNone/>
               <a:tabLst>
-                <a:tab algn="l" pos="0"/>
+                <a:tab pos="0" algn="l"/>
               </a:tabLst>
             </a:pPr>
             <a:r>
-              <a:rPr b="1" lang="en-US" sz="2600" spc="-1" strike="noStrike">
+              <a:rPr lang="en-US" sz="2600" b="1" strike="noStrike" spc="-1">
                 <a:solidFill>
                   <a:srgbClr val="000000"/>
                 </a:solidFill>
@@ -7592,7 +8191,7 @@
               </a:rPr>
               <a:t>Operating System:</a:t>
             </a:r>
-            <a:endParaRPr b="0" lang="en-IN" sz="2600" spc="-1" strike="noStrike">
+            <a:endParaRPr lang="en-IN" sz="2600" b="0" strike="noStrike" spc="-1">
               <a:solidFill>
                 <a:srgbClr val="000000"/>
               </a:solidFill>
@@ -7606,31 +8205,21 @@
               </a:lnSpc>
               <a:buNone/>
               <a:tabLst>
-                <a:tab algn="l" pos="0"/>
+                <a:tab pos="0" algn="l"/>
               </a:tabLst>
             </a:pPr>
             <a:r>
-              <a:rPr b="1" lang="en-US" sz="2600" spc="-1" strike="noStrike">
+              <a:rPr lang="en-US" sz="2600" b="1" strike="noStrike" spc="-1">
                 <a:solidFill>
                   <a:srgbClr val="000000"/>
                 </a:solidFill>
                 <a:latin typeface="Times New Roman"/>
                 <a:ea typeface="Times New Roman"/>
               </a:rPr>
-              <a:t>        </a:t>
-            </a:r>
-            <a:r>
-              <a:rPr b="1" lang="en-US" sz="2600" spc="-1" strike="noStrike">
-                <a:solidFill>
-                  <a:srgbClr val="000000"/>
-                </a:solidFill>
-                <a:latin typeface="Times New Roman"/>
-                <a:ea typeface="Times New Roman"/>
-              </a:rPr>
-              <a:t>Linux (Debian): Used f</a:t>
-            </a:r>
-            <a:r>
-              <a:rPr b="0" lang="en-US" sz="2600" spc="-1" strike="noStrike">
+              <a:t>        Linux (Debian): Used f</a:t>
+            </a:r>
+            <a:r>
+              <a:rPr lang="en-US" sz="2600" b="0" strike="noStrike" spc="-1">
                 <a:solidFill>
                   <a:srgbClr val="000000"/>
                 </a:solidFill>
@@ -7639,7 +8228,7 @@
               </a:rPr>
               <a:t>or development and execution of the project.</a:t>
             </a:r>
-            <a:endParaRPr b="0" lang="en-IN" sz="2600" spc="-1" strike="noStrike">
+            <a:endParaRPr lang="en-IN" sz="2600" b="0" strike="noStrike" spc="-1">
               <a:solidFill>
                 <a:srgbClr val="000000"/>
               </a:solidFill>
@@ -7653,10 +8242,10 @@
               </a:lnSpc>
               <a:buNone/>
               <a:tabLst>
-                <a:tab algn="l" pos="0"/>
+                <a:tab pos="0" algn="l"/>
               </a:tabLst>
             </a:pPr>
-            <a:endParaRPr b="0" lang="en-IN" sz="2600" spc="-1" strike="noStrike">
+            <a:endParaRPr lang="en-IN" sz="2600" b="0" strike="noStrike" spc="-1">
               <a:solidFill>
                 <a:srgbClr val="000000"/>
               </a:solidFill>
@@ -7670,11 +8259,11 @@
               </a:lnSpc>
               <a:buNone/>
               <a:tabLst>
-                <a:tab algn="l" pos="0"/>
+                <a:tab pos="0" algn="l"/>
               </a:tabLst>
             </a:pPr>
             <a:r>
-              <a:rPr b="1" lang="en-US" sz="2600" spc="-1" strike="noStrike">
+              <a:rPr lang="en-US" sz="2600" b="1" strike="noStrike" spc="-1">
                 <a:solidFill>
                   <a:srgbClr val="000000"/>
                 </a:solidFill>
@@ -7683,7 +8272,7 @@
               </a:rPr>
               <a:t>Threading Library:</a:t>
             </a:r>
-            <a:endParaRPr b="0" lang="en-IN" sz="2600" spc="-1" strike="noStrike">
+            <a:endParaRPr lang="en-IN" sz="2600" b="0" strike="noStrike" spc="-1">
               <a:solidFill>
                 <a:srgbClr val="000000"/>
               </a:solidFill>
@@ -7697,31 +8286,21 @@
               </a:lnSpc>
               <a:buNone/>
               <a:tabLst>
-                <a:tab algn="l" pos="0"/>
+                <a:tab pos="0" algn="l"/>
               </a:tabLst>
             </a:pPr>
             <a:r>
-              <a:rPr b="1" lang="en-US" sz="2600" spc="-1" strike="noStrike">
+              <a:rPr lang="en-US" sz="2600" b="1" strike="noStrike" spc="-1">
                 <a:solidFill>
                   <a:srgbClr val="000000"/>
                 </a:solidFill>
                 <a:latin typeface="Times New Roman"/>
                 <a:ea typeface="Times New Roman"/>
               </a:rPr>
-              <a:t>        </a:t>
-            </a:r>
-            <a:r>
-              <a:rPr b="1" lang="en-US" sz="2600" spc="-1" strike="noStrike">
-                <a:solidFill>
-                  <a:srgbClr val="000000"/>
-                </a:solidFill>
-                <a:latin typeface="Times New Roman"/>
-                <a:ea typeface="Times New Roman"/>
-              </a:rPr>
-              <a:t>pthread: </a:t>
-            </a:r>
-            <a:r>
-              <a:rPr b="0" lang="en-US" sz="2600" spc="-1" strike="noStrike">
+              <a:t>        pthread: </a:t>
+            </a:r>
+            <a:r>
+              <a:rPr lang="en-US" sz="2600" b="0" strike="noStrike" spc="-1">
                 <a:solidFill>
                   <a:srgbClr val="000000"/>
                 </a:solidFill>
@@ -7730,7 +8309,7 @@
               </a:rPr>
               <a:t>For multithreading support, included via -pthread flag in g++ compilation.</a:t>
             </a:r>
-            <a:endParaRPr b="0" lang="en-IN" sz="2600" spc="-1" strike="noStrike">
+            <a:endParaRPr lang="en-IN" sz="2600" b="0" strike="noStrike" spc="-1">
               <a:solidFill>
                 <a:srgbClr val="000000"/>
               </a:solidFill>
@@ -7744,10 +8323,10 @@
               </a:lnSpc>
               <a:buNone/>
               <a:tabLst>
-                <a:tab algn="l" pos="0"/>
+                <a:tab pos="0" algn="l"/>
               </a:tabLst>
             </a:pPr>
-            <a:endParaRPr b="0" lang="en-IN" sz="2600" spc="-1" strike="noStrike">
+            <a:endParaRPr lang="en-IN" sz="2600" b="0" strike="noStrike" spc="-1">
               <a:solidFill>
                 <a:srgbClr val="000000"/>
               </a:solidFill>
@@ -7761,11 +8340,11 @@
               </a:lnSpc>
               <a:buNone/>
               <a:tabLst>
-                <a:tab algn="l" pos="0"/>
+                <a:tab pos="0" algn="l"/>
               </a:tabLst>
             </a:pPr>
             <a:r>
-              <a:rPr b="1" lang="en-US" sz="2600" spc="-1" strike="noStrike">
+              <a:rPr lang="en-US" sz="2600" b="1" strike="noStrike" spc="-1">
                 <a:solidFill>
                   <a:srgbClr val="000000"/>
                 </a:solidFill>
@@ -7774,7 +8353,7 @@
               </a:rPr>
               <a:t>Debugging tools:</a:t>
             </a:r>
-            <a:endParaRPr b="0" lang="en-IN" sz="2600" spc="-1" strike="noStrike">
+            <a:endParaRPr lang="en-IN" sz="2600" b="0" strike="noStrike" spc="-1">
               <a:solidFill>
                 <a:srgbClr val="000000"/>
               </a:solidFill>
@@ -7788,18 +8367,18 @@
               </a:lnSpc>
               <a:buNone/>
               <a:tabLst>
-                <a:tab algn="l" pos="0"/>
+                <a:tab pos="0" algn="l"/>
               </a:tabLst>
             </a:pPr>
-            <a:endParaRPr b="0" lang="en-IN" sz="2600" spc="-1" strike="noStrike">
-              <a:solidFill>
-                <a:srgbClr val="000000"/>
-              </a:solidFill>
-              <a:latin typeface="Arial"/>
-            </a:endParaRPr>
-          </a:p>
-          <a:p>
-            <a:pPr lvl="1" marL="743040" indent="-285840">
+            <a:endParaRPr lang="en-IN" sz="2600" b="0" strike="noStrike" spc="-1">
+              <a:solidFill>
+                <a:srgbClr val="000000"/>
+              </a:solidFill>
+              <a:latin typeface="Arial"/>
+            </a:endParaRPr>
+          </a:p>
+          <a:p>
+            <a:pPr marL="743040" lvl="1" indent="-285840">
               <a:lnSpc>
                 <a:spcPct val="100000"/>
               </a:lnSpc>
@@ -7809,11 +8388,11 @@
               <a:buFont typeface="Arial"/>
               <a:buChar char="•"/>
               <a:tabLst>
-                <a:tab algn="l" pos="0"/>
+                <a:tab pos="0" algn="l"/>
               </a:tabLst>
             </a:pPr>
             <a:r>
-              <a:rPr b="0" lang="en-US" sz="2600" spc="-1" strike="noStrike">
+              <a:rPr lang="en-US" sz="2600" b="0" strike="noStrike" spc="-1">
                 <a:solidFill>
                   <a:srgbClr val="000000"/>
                 </a:solidFill>
@@ -7822,15 +8401,15 @@
               </a:rPr>
               <a:t>GDB(GNU debugger)</a:t>
             </a:r>
-            <a:endParaRPr b="0" lang="en-IN" sz="2600" spc="-1" strike="noStrike">
-              <a:solidFill>
-                <a:srgbClr val="000000"/>
-              </a:solidFill>
-              <a:latin typeface="Arial"/>
-            </a:endParaRPr>
-          </a:p>
-          <a:p>
-            <a:pPr lvl="1" marL="743040" indent="-285840">
+            <a:endParaRPr lang="en-IN" sz="2600" b="0" strike="noStrike" spc="-1">
+              <a:solidFill>
+                <a:srgbClr val="000000"/>
+              </a:solidFill>
+              <a:latin typeface="Arial"/>
+            </a:endParaRPr>
+          </a:p>
+          <a:p>
+            <a:pPr marL="743040" lvl="1" indent="-285840">
               <a:lnSpc>
                 <a:spcPct val="100000"/>
               </a:lnSpc>
@@ -7840,10 +8419,10 @@
               <a:buFont typeface="Arial"/>
               <a:buChar char="•"/>
               <a:tabLst>
-                <a:tab algn="l" pos="0"/>
+                <a:tab pos="0" algn="l"/>
               </a:tabLst>
             </a:pPr>
-            <a:endParaRPr b="0" lang="en-IN" sz="2000" spc="-1" strike="noStrike">
+            <a:endParaRPr lang="en-IN" sz="2000" b="0" strike="noStrike" spc="-1">
               <a:solidFill>
                 <a:srgbClr val="000000"/>
               </a:solidFill>
@@ -7854,12 +8433,12 @@
       </p:sp>
       <p:pic>
         <p:nvPicPr>
-          <p:cNvPr id="94" name="Google Shape;87;p6" descr=""/>
+          <p:cNvPr id="94" name="Google Shape;87;p6"/>
           <p:cNvPicPr/>
           <p:nvPr/>
         </p:nvPicPr>
         <p:blipFill>
-          <a:blip r:embed="rId1"/>
+          <a:blip r:embed="rId2"/>
           <a:stretch/>
         </p:blipFill>
         <p:spPr>
@@ -7877,19 +8456,14 @@
       </p:pic>
     </p:spTree>
   </p:cSld>
-  <mc:AlternateContent>
-    <mc:Choice Requires="p14">
-      <p:transition spd="slow" p14:dur="2000"/>
-    </mc:Choice>
-    <mc:Fallback>
-      <p:transition spd="slow"/>
-    </mc:Fallback>
-  </mc:AlternateContent>
+  <p:clrMapOvr>
+    <a:masterClrMapping/>
+  </p:clrMapOvr>
 </p:sld>
 </file>
 
 <file path=ppt/slides/slide4.xml><?xml version="1.0" encoding="utf-8"?>
-<p:sld xmlns:a="http://schemas.openxmlformats.org/drawingml/2006/main" xmlns:p="http://schemas.openxmlformats.org/presentationml/2006/main" xmlns:r="http://schemas.openxmlformats.org/officeDocument/2006/relationships" xmlns:p14="http://schemas.microsoft.com/office/powerpoint/2010/main" xmlns:p15="http://schemas.microsoft.com/office/powerpoint/2012/main" xmlns:mc="http://schemas.openxmlformats.org/markup-compatibility/2006" showMasterSp="0">
+<p:sld xmlns:a="http://schemas.openxmlformats.org/drawingml/2006/main" xmlns:r="http://schemas.openxmlformats.org/officeDocument/2006/relationships" xmlns:p="http://schemas.openxmlformats.org/presentationml/2006/main" showMasterSp="0">
   <p:cSld>
     <p:spTree>
       <p:nvGrpSpPr>
@@ -7907,12 +8481,12 @@
       </p:grpSpPr>
       <p:pic>
         <p:nvPicPr>
-          <p:cNvPr id="95" name="Google Shape;93;p7" descr=""/>
+          <p:cNvPr id="95" name="Google Shape;93;p7"/>
           <p:cNvPicPr/>
           <p:nvPr/>
         </p:nvPicPr>
         <p:blipFill>
-          <a:blip r:embed="rId1"/>
+          <a:blip r:embed="rId2"/>
           <a:stretch/>
         </p:blipFill>
         <p:spPr>
@@ -7952,9 +8526,10 @@
           </a:ln>
         </p:spPr>
         <p:txBody>
-          <a:bodyPr lIns="0" rIns="0" tIns="0" bIns="0" anchor="t">
+          <a:bodyPr lIns="0" tIns="0" rIns="0" bIns="0" anchor="t">
             <a:noAutofit/>
           </a:bodyPr>
+          <a:lstStyle/>
           <a:p>
             <a:pPr algn="ctr">
               <a:lnSpc>
@@ -7962,20 +8537,20 @@
               </a:lnSpc>
               <a:buNone/>
               <a:tabLst>
-                <a:tab algn="l" pos="0"/>
+                <a:tab pos="0" algn="l"/>
               </a:tabLst>
             </a:pPr>
             <a:r>
-              <a:rPr b="1" lang="en-US" sz="3200" spc="-1" strike="noStrike">
+              <a:rPr lang="en-US" sz="3200" b="1" strike="noStrike" spc="-1">
                 <a:solidFill>
-                  <a:srgbClr val="1f497d"/>
+                  <a:srgbClr val="1F497D"/>
                 </a:solidFill>
                 <a:latin typeface="Times New Roman"/>
                 <a:ea typeface="Times New Roman"/>
               </a:rPr>
               <a:t>HOW THIS SYSTEM WORKS?</a:t>
             </a:r>
-            <a:endParaRPr b="0" lang="en-IN" sz="3200" spc="-1" strike="noStrike">
+            <a:endParaRPr lang="en-IN" sz="3200" b="0" strike="noStrike" spc="-1">
               <a:solidFill>
                 <a:srgbClr val="000000"/>
               </a:solidFill>
@@ -8008,7 +8583,7 @@
           </a:ln>
         </p:spPr>
         <p:txBody>
-          <a:bodyPr lIns="0" rIns="0" tIns="0" bIns="0" anchor="t">
+          <a:bodyPr lIns="0" tIns="0" rIns="0" bIns="0" anchor="t">
             <a:noAutofit/>
           </a:bodyPr>
           <a:lstStyle>
@@ -8018,9 +8593,9 @@
               </a:lnSpc>
               <a:buNone/>
               <a:tabLst>
-                <a:tab algn="l" pos="0"/>
+                <a:tab pos="0" algn="l"/>
               </a:tabLst>
-              <a:defRPr b="0" lang="en-US" sz="900" spc="-1" strike="noStrike">
+              <a:defRPr lang="en-US" sz="900" b="0" strike="noStrike" spc="-1">
                 <a:solidFill>
                   <a:srgbClr val="000000"/>
                 </a:solidFill>
@@ -8036,11 +8611,11 @@
               </a:lnSpc>
               <a:buNone/>
               <a:tabLst>
-                <a:tab algn="l" pos="0"/>
+                <a:tab pos="0" algn="l"/>
               </a:tabLst>
             </a:pPr>
             <a:r>
-              <a:rPr b="0" lang="en-US" sz="900" spc="-1" strike="noStrike">
+              <a:rPr lang="en-US" sz="900" b="0" strike="noStrike" spc="-1">
                 <a:solidFill>
                   <a:srgbClr val="000000"/>
                 </a:solidFill>
@@ -8049,7 +8624,7 @@
               </a:rPr>
               <a:t>2024  -  RPS  Consulting  all  r ights  reserved</a:t>
             </a:r>
-            <a:endParaRPr b="0" lang="en-IN" sz="900" spc="-1" strike="noStrike">
+            <a:endParaRPr lang="en-IN" sz="900" b="0" strike="noStrike" spc="-1">
               <a:latin typeface="Times New Roman"/>
             </a:endParaRPr>
           </a:p>
@@ -8079,7 +8654,7 @@
           </a:ln>
         </p:spPr>
         <p:txBody>
-          <a:bodyPr lIns="0" rIns="0" tIns="0" bIns="0" anchor="t">
+          <a:bodyPr lIns="0" tIns="0" rIns="0" bIns="0" anchor="t">
             <a:noAutofit/>
           </a:bodyPr>
           <a:lstStyle>
@@ -8089,9 +8664,9 @@
               </a:lnSpc>
               <a:buNone/>
               <a:tabLst>
-                <a:tab algn="l" pos="0"/>
+                <a:tab pos="0" algn="l"/>
               </a:tabLst>
-              <a:defRPr b="0" lang="en-US" sz="1200" spc="-1" strike="noStrike">
+              <a:defRPr lang="en-US" sz="1200" b="0" strike="noStrike" spc="-1">
                 <a:solidFill>
                   <a:srgbClr val="000000"/>
                 </a:solidFill>
@@ -8107,20 +8682,20 @@
               </a:lnSpc>
               <a:buNone/>
               <a:tabLst>
-                <a:tab algn="l" pos="0"/>
+                <a:tab pos="0" algn="l"/>
               </a:tabLst>
             </a:pPr>
             <a:fld id="{C018785E-DDAD-45BB-A2F2-35AF2BD37E57}" type="slidenum">
-              <a:rPr b="0" lang="en-US" sz="1200" spc="-1" strike="noStrike">
+              <a:rPr lang="en-US" sz="1200" b="0" strike="noStrike" spc="-1">
                 <a:solidFill>
                   <a:srgbClr val="000000"/>
                 </a:solidFill>
                 <a:latin typeface="Courier New"/>
                 <a:ea typeface="Courier New"/>
               </a:rPr>
-              <a:t>&lt;number&gt;</a:t>
+              <a:t>4</a:t>
             </a:fld>
-            <a:endParaRPr b="0" lang="en-IN" sz="1200" spc="-1" strike="noStrike">
+            <a:endParaRPr lang="en-IN" sz="1200" b="0" strike="noStrike" spc="-1">
               <a:latin typeface="Times New Roman"/>
             </a:endParaRPr>
           </a:p>
@@ -8146,9 +8721,10 @@
           </a:ln>
         </p:spPr>
         <p:txBody>
-          <a:bodyPr lIns="0" rIns="0" tIns="0" bIns="0" anchor="t">
+          <a:bodyPr lIns="0" tIns="0" rIns="0" bIns="0" anchor="t">
             <a:noAutofit/>
           </a:bodyPr>
+          <a:lstStyle/>
           <a:p>
             <a:pPr algn="ctr">
               <a:lnSpc>
@@ -8156,31 +8732,31 @@
               </a:lnSpc>
               <a:buNone/>
               <a:tabLst>
-                <a:tab algn="l" pos="0"/>
+                <a:tab pos="0" algn="l"/>
               </a:tabLst>
             </a:pPr>
             <a:r>
-              <a:rPr b="1" lang="en-US" sz="3200" spc="-1" strike="noStrike">
+              <a:rPr lang="en-US" sz="3200" b="1" strike="noStrike" spc="-1">
                 <a:solidFill>
-                  <a:srgbClr val="1f497d"/>
+                  <a:srgbClr val="1F497D"/>
                 </a:solidFill>
                 <a:latin typeface="Times New Roman"/>
                 <a:ea typeface="Times New Roman"/>
               </a:rPr>
               <a:t>HOW THIS SYSTEM WORKS?</a:t>
             </a:r>
-            <a:endParaRPr b="0" lang="en-IN" sz="3200" spc="-1" strike="noStrike">
-              <a:solidFill>
-                <a:srgbClr val="000000"/>
-              </a:solidFill>
-              <a:latin typeface="Arial"/>
-            </a:endParaRPr>
-          </a:p>
-        </p:txBody>
-      </p:sp>
-      <p:sp>
-        <p:nvSpPr>
-          <p:cNvPr id="100" name=""/>
+            <a:endParaRPr lang="en-IN" sz="3200" b="0" strike="noStrike" spc="-1">
+              <a:solidFill>
+                <a:srgbClr val="000000"/>
+              </a:solidFill>
+              <a:latin typeface="Arial"/>
+            </a:endParaRPr>
+          </a:p>
+        </p:txBody>
+      </p:sp>
+      <p:sp>
+        <p:nvSpPr>
+          <p:cNvPr id="100" name="TextBox 99"/>
           <p:cNvSpPr txBox="1"/>
           <p:nvPr/>
         </p:nvSpPr>
@@ -8198,9 +8774,10 @@
           </a:ln>
         </p:spPr>
         <p:txBody>
-          <a:bodyPr lIns="90000" rIns="90000" tIns="45000" bIns="45000" anchor="t">
+          <a:bodyPr lIns="90000" tIns="45000" rIns="90000" bIns="45000" anchor="t">
             <a:noAutofit/>
           </a:bodyPr>
+          <a:lstStyle/>
           <a:p>
             <a:pPr marL="216000" indent="-216000">
               <a:buClr>
@@ -8210,12 +8787,12 @@
               <a:buAutoNum type="arabicPlain"/>
             </a:pPr>
             <a:r>
-              <a:rPr b="1" lang="en-IN" sz="2400" spc="-1" strike="noStrike">
+              <a:rPr lang="en-IN" sz="2400" b="1" strike="noStrike" spc="-1">
                 <a:latin typeface="Arial"/>
               </a:rPr>
               <a:t>Server Initialization</a:t>
             </a:r>
-            <a:endParaRPr b="0" lang="en-IN" sz="2400" spc="-1" strike="noStrike">
+            <a:endParaRPr lang="en-IN" sz="2400" b="0" strike="noStrike" spc="-1">
               <a:latin typeface="Arial"/>
             </a:endParaRPr>
           </a:p>
@@ -8228,7 +8805,7 @@
               <a:buFont typeface="Wingdings" charset="2"/>
               <a:buChar char=""/>
             </a:pPr>
-            <a:endParaRPr b="0" lang="en-IN" sz="2400" spc="-1" strike="noStrike">
+            <a:endParaRPr lang="en-IN" sz="2400" b="0" strike="noStrike" spc="-1">
               <a:latin typeface="Arial"/>
             </a:endParaRPr>
           </a:p>
@@ -8242,14 +8819,11 @@
               <a:buChar char=""/>
             </a:pPr>
             <a:r>
-              <a:rPr b="0" lang="en-IN" sz="2400" spc="-1" strike="noStrike">
+              <a:rPr lang="en-IN" sz="2400" b="0" strike="noStrike" spc="-1">
                 <a:latin typeface="Arial"/>
               </a:rPr>
               <a:t>Socket Creation: The server creates a socket using socket(AF_INET, SOCK_STREAM, 0).</a:t>
             </a:r>
-            <a:endParaRPr b="0" lang="en-IN" sz="2400" spc="-1" strike="noStrike">
-              <a:latin typeface="Arial"/>
-            </a:endParaRPr>
           </a:p>
           <a:p>
             <a:pPr marL="216000" indent="-216000">
@@ -8260,7 +8834,7 @@
               <a:buFont typeface="Wingdings" charset="2"/>
               <a:buChar char=""/>
             </a:pPr>
-            <a:endParaRPr b="0" lang="en-IN" sz="2400" spc="-1" strike="noStrike">
+            <a:endParaRPr lang="en-IN" sz="2400" b="0" strike="noStrike" spc="-1">
               <a:latin typeface="Arial"/>
             </a:endParaRPr>
           </a:p>
@@ -8274,14 +8848,11 @@
               <a:buChar char=""/>
             </a:pPr>
             <a:r>
-              <a:rPr b="0" lang="en-IN" sz="2400" spc="-1" strike="noStrike">
+              <a:rPr lang="en-IN" sz="2400" b="0" strike="noStrike" spc="-1">
                 <a:latin typeface="Arial"/>
               </a:rPr>
               <a:t>Bind to Address: The server binds the socket to an IP address and port (e.g., PORT 8080) using bind().</a:t>
             </a:r>
-            <a:endParaRPr b="0" lang="en-IN" sz="2400" spc="-1" strike="noStrike">
-              <a:latin typeface="Arial"/>
-            </a:endParaRPr>
           </a:p>
           <a:p>
             <a:pPr marL="216000" indent="-216000">
@@ -8292,7 +8863,7 @@
               <a:buFont typeface="Wingdings" charset="2"/>
               <a:buChar char=""/>
             </a:pPr>
-            <a:endParaRPr b="0" lang="en-IN" sz="2400" spc="-1" strike="noStrike">
+            <a:endParaRPr lang="en-IN" sz="2400" b="0" strike="noStrike" spc="-1">
               <a:latin typeface="Arial"/>
             </a:endParaRPr>
           </a:p>
@@ -8306,14 +8877,11 @@
               <a:buChar char=""/>
             </a:pPr>
             <a:r>
-              <a:rPr b="0" lang="en-IN" sz="2400" spc="-1" strike="noStrike">
+              <a:rPr lang="en-IN" sz="2400" b="0" strike="noStrike" spc="-1">
                 <a:latin typeface="Arial"/>
               </a:rPr>
               <a:t>Listening for Connections: The server listens for incoming client connections with listen().</a:t>
             </a:r>
-            <a:endParaRPr b="0" lang="en-IN" sz="2400" spc="-1" strike="noStrike">
-              <a:latin typeface="Arial"/>
-            </a:endParaRPr>
           </a:p>
           <a:p>
             <a:pPr marL="216000" indent="-216000">
@@ -8324,7 +8892,7 @@
               <a:buFont typeface="Wingdings" charset="2"/>
               <a:buChar char=""/>
             </a:pPr>
-            <a:endParaRPr b="0" lang="en-IN" sz="2400" spc="-1" strike="noStrike">
+            <a:endParaRPr lang="en-IN" sz="2400" b="0" strike="noStrike" spc="-1">
               <a:latin typeface="Arial"/>
             </a:endParaRPr>
           </a:p>
@@ -8338,32 +8906,24 @@
               <a:buChar char=""/>
             </a:pPr>
             <a:r>
-              <a:rPr b="0" lang="en-IN" sz="2400" spc="-1" strike="noStrike">
+              <a:rPr lang="en-IN" sz="2400" b="0" strike="noStrike" spc="-1">
                 <a:latin typeface="Arial"/>
               </a:rPr>
               <a:t>Accepting Clients: It accepts connections from clients using accept(), creating a new socket for each client.</a:t>
             </a:r>
-            <a:endParaRPr b="0" lang="en-IN" sz="2400" spc="-1" strike="noStrike">
-              <a:latin typeface="Arial"/>
-            </a:endParaRPr>
           </a:p>
         </p:txBody>
       </p:sp>
     </p:spTree>
   </p:cSld>
-  <mc:AlternateContent>
-    <mc:Choice Requires="p14">
-      <p:transition spd="slow" p14:dur="2000"/>
-    </mc:Choice>
-    <mc:Fallback>
-      <p:transition spd="slow"/>
-    </mc:Fallback>
-  </mc:AlternateContent>
+  <p:clrMapOvr>
+    <a:masterClrMapping/>
+  </p:clrMapOvr>
 </p:sld>
 </file>
 
 <file path=ppt/slides/slide5.xml><?xml version="1.0" encoding="utf-8"?>
-<p:sld xmlns:a="http://schemas.openxmlformats.org/drawingml/2006/main" xmlns:p="http://schemas.openxmlformats.org/presentationml/2006/main" xmlns:r="http://schemas.openxmlformats.org/officeDocument/2006/relationships" xmlns:p14="http://schemas.microsoft.com/office/powerpoint/2010/main" xmlns:p15="http://schemas.microsoft.com/office/powerpoint/2012/main" xmlns:mc="http://schemas.openxmlformats.org/markup-compatibility/2006" showMasterSp="0">
+<p:sld xmlns:a="http://schemas.openxmlformats.org/drawingml/2006/main" xmlns:r="http://schemas.openxmlformats.org/officeDocument/2006/relationships" xmlns:p="http://schemas.openxmlformats.org/presentationml/2006/main" showMasterSp="0">
   <p:cSld>
     <p:spTree>
       <p:nvGrpSpPr>
@@ -8381,12 +8941,12 @@
       </p:grpSpPr>
       <p:pic>
         <p:nvPicPr>
-          <p:cNvPr id="101" name="Google Shape;102;p8" descr=""/>
+          <p:cNvPr id="101" name="Google Shape;102;p8"/>
           <p:cNvPicPr/>
           <p:nvPr/>
         </p:nvPicPr>
         <p:blipFill>
-          <a:blip r:embed="rId1"/>
+          <a:blip r:embed="rId2"/>
           <a:stretch/>
         </p:blipFill>
         <p:spPr>
@@ -8426,9 +8986,10 @@
           </a:ln>
         </p:spPr>
         <p:txBody>
-          <a:bodyPr lIns="0" rIns="0" tIns="0" bIns="0" anchor="t">
+          <a:bodyPr lIns="0" tIns="0" rIns="0" bIns="0" anchor="t">
             <a:noAutofit/>
           </a:bodyPr>
+          <a:lstStyle/>
           <a:p>
             <a:pPr algn="ctr">
               <a:lnSpc>
@@ -8436,20 +8997,20 @@
               </a:lnSpc>
               <a:buNone/>
               <a:tabLst>
-                <a:tab algn="l" pos="0"/>
+                <a:tab pos="0" algn="l"/>
               </a:tabLst>
             </a:pPr>
             <a:r>
-              <a:rPr b="1" lang="en-US" sz="3200" spc="-1" strike="noStrike">
+              <a:rPr lang="en-US" sz="3200" b="1" strike="noStrike" spc="-1">
                 <a:solidFill>
-                  <a:srgbClr val="1f497d"/>
+                  <a:srgbClr val="1F497D"/>
                 </a:solidFill>
                 <a:latin typeface="Times New Roman"/>
                 <a:ea typeface="Times New Roman"/>
               </a:rPr>
               <a:t>HOW THIS SYSTEM WORKS? (CONTINUE...)</a:t>
             </a:r>
-            <a:endParaRPr b="0" lang="en-IN" sz="3200" spc="-1" strike="noStrike">
+            <a:endParaRPr lang="en-IN" sz="3200" b="0" strike="noStrike" spc="-1">
               <a:solidFill>
                 <a:srgbClr val="000000"/>
               </a:solidFill>
@@ -8482,9 +9043,10 @@
           </a:ln>
         </p:spPr>
         <p:txBody>
-          <a:bodyPr lIns="0" rIns="0" tIns="0" bIns="0" anchor="t">
+          <a:bodyPr lIns="0" tIns="0" rIns="0" bIns="0" anchor="t">
             <a:noAutofit/>
           </a:bodyPr>
+          <a:lstStyle/>
           <a:p>
             <a:pPr>
               <a:lnSpc>
@@ -8492,10 +9054,10 @@
               </a:lnSpc>
               <a:buNone/>
               <a:tabLst>
-                <a:tab algn="l" pos="0"/>
+                <a:tab pos="0" algn="l"/>
               </a:tabLst>
             </a:pPr>
-            <a:endParaRPr b="0" lang="en-IN" sz="1800" spc="-1" strike="noStrike">
+            <a:endParaRPr lang="en-IN" sz="1800" b="0" strike="noStrike" spc="-1">
               <a:solidFill>
                 <a:srgbClr val="000000"/>
               </a:solidFill>
@@ -8509,11 +9071,11 @@
               </a:lnSpc>
               <a:buNone/>
               <a:tabLst>
-                <a:tab algn="l" pos="0"/>
+                <a:tab pos="0" algn="l"/>
               </a:tabLst>
             </a:pPr>
             <a:r>
-              <a:rPr b="1" lang="en-US" sz="2600" spc="-1" strike="noStrike">
+              <a:rPr lang="en-US" sz="2600" b="1" strike="noStrike" spc="-1">
                 <a:solidFill>
                   <a:srgbClr val="000000"/>
                 </a:solidFill>
@@ -8522,7 +9084,7 @@
               </a:rPr>
               <a:t>2. Client Initialization</a:t>
             </a:r>
-            <a:endParaRPr b="0" lang="en-IN" sz="2600" spc="-1" strike="noStrike">
+            <a:endParaRPr lang="en-IN" sz="2600" b="0" strike="noStrike" spc="-1">
               <a:solidFill>
                 <a:srgbClr val="000000"/>
               </a:solidFill>
@@ -8536,10 +9098,10 @@
               </a:lnSpc>
               <a:buNone/>
               <a:tabLst>
-                <a:tab algn="l" pos="0"/>
+                <a:tab pos="0" algn="l"/>
               </a:tabLst>
             </a:pPr>
-            <a:endParaRPr b="0" lang="en-IN" sz="2600" spc="-1" strike="noStrike">
+            <a:endParaRPr lang="en-IN" sz="2600" b="0" strike="noStrike" spc="-1">
               <a:solidFill>
                 <a:srgbClr val="000000"/>
               </a:solidFill>
@@ -8558,30 +9120,52 @@
               <a:buFont typeface="Wingdings" charset="2"/>
               <a:buChar char=""/>
               <a:tabLst>
-                <a:tab algn="l" pos="0"/>
+                <a:tab pos="0" algn="l"/>
               </a:tabLst>
             </a:pPr>
             <a:r>
-              <a:rPr b="0" lang="en-US" sz="2600" spc="-1" strike="noStrike">
+              <a:rPr lang="en-US" sz="2600" b="0" strike="noStrike" spc="-1">
                 <a:solidFill>
                   <a:srgbClr val="000000"/>
                 </a:solidFill>
                 <a:latin typeface="Times New Roman"/>
                 <a:ea typeface="Times New Roman"/>
               </a:rPr>
-              <a:t>    </a:t>
-            </a:r>
-            <a:r>
-              <a:rPr b="0" lang="en-US" sz="2600" spc="-1" strike="noStrike">
+              <a:t>    Socket Creation: Each client creates a socket using socket(AF_INET, SOCK_STREAM, 0).</a:t>
+            </a:r>
+            <a:endParaRPr lang="en-IN" sz="2600" b="0" strike="noStrike" spc="-1">
+              <a:solidFill>
+                <a:srgbClr val="000000"/>
+              </a:solidFill>
+              <a:latin typeface="Arial"/>
+            </a:endParaRPr>
+          </a:p>
+          <a:p>
+            <a:pPr marL="432000" indent="-324000">
+              <a:lnSpc>
+                <a:spcPct val="100000"/>
+              </a:lnSpc>
+              <a:buClr>
+                <a:srgbClr val="000000"/>
+              </a:buClr>
+              <a:buSzPct val="45000"/>
+              <a:buFont typeface="Wingdings" charset="2"/>
+              <a:buChar char=""/>
+              <a:tabLst>
+                <a:tab pos="0" algn="l"/>
+              </a:tabLst>
+            </a:pPr>
+            <a:r>
+              <a:rPr lang="en-US" sz="2600" b="0" strike="noStrike" spc="-1">
                 <a:solidFill>
                   <a:srgbClr val="000000"/>
                 </a:solidFill>
                 <a:latin typeface="Times New Roman"/>
                 <a:ea typeface="Times New Roman"/>
               </a:rPr>
-              <a:t>Socket Creation: Each client creates a socket using socket(AF_INET, SOCK_STREAM, 0).</a:t>
-            </a:r>
-            <a:endParaRPr b="0" lang="en-IN" sz="2600" spc="-1" strike="noStrike">
+              <a:t>    Connecting to Server: The client connects to the server using connect(), specifying the server’s IP address and port.</a:t>
+            </a:r>
+            <a:endParaRPr lang="en-IN" sz="2600" b="0" strike="noStrike" spc="-1">
               <a:solidFill>
                 <a:srgbClr val="000000"/>
               </a:solidFill>
@@ -8600,72 +9184,20 @@
               <a:buFont typeface="Wingdings" charset="2"/>
               <a:buChar char=""/>
               <a:tabLst>
-                <a:tab algn="l" pos="0"/>
+                <a:tab pos="0" algn="l"/>
               </a:tabLst>
             </a:pPr>
             <a:r>
-              <a:rPr b="0" lang="en-US" sz="2600" spc="-1" strike="noStrike">
+              <a:rPr lang="en-US" sz="2600" b="0" strike="noStrike" spc="-1">
                 <a:solidFill>
                   <a:srgbClr val="000000"/>
                 </a:solidFill>
                 <a:latin typeface="Times New Roman"/>
                 <a:ea typeface="Times New Roman"/>
               </a:rPr>
-              <a:t>    </a:t>
-            </a:r>
-            <a:r>
-              <a:rPr b="0" lang="en-US" sz="2600" spc="-1" strike="noStrike">
-                <a:solidFill>
-                  <a:srgbClr val="000000"/>
-                </a:solidFill>
-                <a:latin typeface="Times New Roman"/>
-                <a:ea typeface="Times New Roman"/>
-              </a:rPr>
-              <a:t>Connecting to Server: The client connects to the server using connect(), specifying the server’s IP address and port.</a:t>
-            </a:r>
-            <a:endParaRPr b="0" lang="en-IN" sz="2600" spc="-1" strike="noStrike">
-              <a:solidFill>
-                <a:srgbClr val="000000"/>
-              </a:solidFill>
-              <a:latin typeface="Arial"/>
-            </a:endParaRPr>
-          </a:p>
-          <a:p>
-            <a:pPr marL="432000" indent="-324000">
-              <a:lnSpc>
-                <a:spcPct val="100000"/>
-              </a:lnSpc>
-              <a:buClr>
-                <a:srgbClr val="000000"/>
-              </a:buClr>
-              <a:buSzPct val="45000"/>
-              <a:buFont typeface="Wingdings" charset="2"/>
-              <a:buChar char=""/>
-              <a:tabLst>
-                <a:tab algn="l" pos="0"/>
-              </a:tabLst>
-            </a:pPr>
-            <a:r>
-              <a:rPr b="0" lang="en-US" sz="2600" spc="-1" strike="noStrike">
-                <a:solidFill>
-                  <a:srgbClr val="000000"/>
-                </a:solidFill>
-                <a:latin typeface="Times New Roman"/>
-                <a:ea typeface="Times New Roman"/>
-              </a:rPr>
-              <a:t>    </a:t>
-            </a:r>
-            <a:r>
-              <a:rPr b="0" lang="en-US" sz="2600" spc="-1" strike="noStrike">
-                <a:solidFill>
-                  <a:srgbClr val="000000"/>
-                </a:solidFill>
-                <a:latin typeface="Times New Roman"/>
-                <a:ea typeface="Times New Roman"/>
-              </a:rPr>
-              <a:t>Sending Username: After connecting, the client sends its username to the server using send().</a:t>
-            </a:r>
-            <a:endParaRPr b="0" lang="en-IN" sz="2600" spc="-1" strike="noStrike">
+              <a:t>    Sending Username: After connecting, the client sends its username to the server using send().</a:t>
+            </a:r>
+            <a:endParaRPr lang="en-IN" sz="2600" b="0" strike="noStrike" spc="-1">
               <a:solidFill>
                 <a:srgbClr val="000000"/>
               </a:solidFill>
@@ -8679,10 +9211,10 @@
               </a:lnSpc>
               <a:buNone/>
               <a:tabLst>
-                <a:tab algn="l" pos="0"/>
+                <a:tab pos="0" algn="l"/>
               </a:tabLst>
             </a:pPr>
-            <a:endParaRPr b="0" lang="en-IN" sz="1800" spc="-1" strike="noStrike">
+            <a:endParaRPr lang="en-IN" sz="1800" b="0" strike="noStrike" spc="-1">
               <a:solidFill>
                 <a:srgbClr val="000000"/>
               </a:solidFill>
@@ -8696,10 +9228,10 @@
               </a:lnSpc>
               <a:buNone/>
               <a:tabLst>
-                <a:tab algn="l" pos="0"/>
+                <a:tab pos="0" algn="l"/>
               </a:tabLst>
             </a:pPr>
-            <a:endParaRPr b="0" lang="en-IN" sz="1800" spc="-1" strike="noStrike">
+            <a:endParaRPr lang="en-IN" sz="1800" b="0" strike="noStrike" spc="-1">
               <a:solidFill>
                 <a:srgbClr val="000000"/>
               </a:solidFill>
@@ -8713,10 +9245,10 @@
               </a:lnSpc>
               <a:buNone/>
               <a:tabLst>
-                <a:tab algn="l" pos="0"/>
+                <a:tab pos="0" algn="l"/>
               </a:tabLst>
             </a:pPr>
-            <a:endParaRPr b="0" lang="en-IN" sz="1800" spc="-1" strike="noStrike">
+            <a:endParaRPr lang="en-IN" sz="1800" b="0" strike="noStrike" spc="-1">
               <a:solidFill>
                 <a:srgbClr val="000000"/>
               </a:solidFill>
@@ -8730,10 +9262,10 @@
               </a:lnSpc>
               <a:buNone/>
               <a:tabLst>
-                <a:tab algn="l" pos="0"/>
+                <a:tab pos="0" algn="l"/>
               </a:tabLst>
             </a:pPr>
-            <a:endParaRPr b="0" lang="en-IN" sz="1800" spc="-1" strike="noStrike">
+            <a:endParaRPr lang="en-IN" sz="1800" b="0" strike="noStrike" spc="-1">
               <a:solidFill>
                 <a:srgbClr val="000000"/>
               </a:solidFill>
@@ -8747,10 +9279,10 @@
               </a:lnSpc>
               <a:buNone/>
               <a:tabLst>
-                <a:tab algn="l" pos="0"/>
+                <a:tab pos="0" algn="l"/>
               </a:tabLst>
             </a:pPr>
-            <a:endParaRPr b="0" lang="en-IN" sz="1800" spc="-1" strike="noStrike">
+            <a:endParaRPr lang="en-IN" sz="1800" b="0" strike="noStrike" spc="-1">
               <a:solidFill>
                 <a:srgbClr val="000000"/>
               </a:solidFill>
@@ -8764,10 +9296,10 @@
               </a:lnSpc>
               <a:buNone/>
               <a:tabLst>
-                <a:tab algn="l" pos="0"/>
+                <a:tab pos="0" algn="l"/>
               </a:tabLst>
             </a:pPr>
-            <a:endParaRPr b="0" lang="en-IN" sz="1800" spc="-1" strike="noStrike">
+            <a:endParaRPr lang="en-IN" sz="1800" b="0" strike="noStrike" spc="-1">
               <a:solidFill>
                 <a:srgbClr val="000000"/>
               </a:solidFill>
@@ -8781,10 +9313,10 @@
               </a:lnSpc>
               <a:buNone/>
               <a:tabLst>
-                <a:tab algn="l" pos="0"/>
+                <a:tab pos="0" algn="l"/>
               </a:tabLst>
             </a:pPr>
-            <a:endParaRPr b="0" lang="en-IN" sz="1800" spc="-1" strike="noStrike">
+            <a:endParaRPr lang="en-IN" sz="1800" b="0" strike="noStrike" spc="-1">
               <a:solidFill>
                 <a:srgbClr val="000000"/>
               </a:solidFill>
@@ -8798,10 +9330,10 @@
               </a:lnSpc>
               <a:buNone/>
               <a:tabLst>
-                <a:tab algn="l" pos="0"/>
+                <a:tab pos="0" algn="l"/>
               </a:tabLst>
             </a:pPr>
-            <a:endParaRPr b="0" lang="en-IN" sz="1800" spc="-1" strike="noStrike">
+            <a:endParaRPr lang="en-IN" sz="1800" b="0" strike="noStrike" spc="-1">
               <a:solidFill>
                 <a:srgbClr val="000000"/>
               </a:solidFill>
@@ -8815,10 +9347,10 @@
               </a:lnSpc>
               <a:buNone/>
               <a:tabLst>
-                <a:tab algn="l" pos="0"/>
+                <a:tab pos="0" algn="l"/>
               </a:tabLst>
             </a:pPr>
-            <a:endParaRPr b="0" lang="en-IN" sz="1800" spc="-1" strike="noStrike">
+            <a:endParaRPr lang="en-IN" sz="1800" b="0" strike="noStrike" spc="-1">
               <a:solidFill>
                 <a:srgbClr val="000000"/>
               </a:solidFill>
@@ -8832,10 +9364,10 @@
               </a:lnSpc>
               <a:buNone/>
               <a:tabLst>
-                <a:tab algn="l" pos="0"/>
+                <a:tab pos="0" algn="l"/>
               </a:tabLst>
             </a:pPr>
-            <a:endParaRPr b="0" lang="en-IN" sz="1800" spc="-1" strike="noStrike">
+            <a:endParaRPr lang="en-IN" sz="1800" b="0" strike="noStrike" spc="-1">
               <a:solidFill>
                 <a:srgbClr val="000000"/>
               </a:solidFill>
@@ -8849,10 +9381,10 @@
               </a:lnSpc>
               <a:buNone/>
               <a:tabLst>
-                <a:tab algn="l" pos="0"/>
+                <a:tab pos="0" algn="l"/>
               </a:tabLst>
             </a:pPr>
-            <a:endParaRPr b="0" lang="en-IN" sz="1800" spc="-1" strike="noStrike">
+            <a:endParaRPr lang="en-IN" sz="1800" b="0" strike="noStrike" spc="-1">
               <a:solidFill>
                 <a:srgbClr val="000000"/>
               </a:solidFill>
@@ -8866,10 +9398,10 @@
               </a:lnSpc>
               <a:buNone/>
               <a:tabLst>
-                <a:tab algn="l" pos="0"/>
+                <a:tab pos="0" algn="l"/>
               </a:tabLst>
             </a:pPr>
-            <a:endParaRPr b="0" lang="en-IN" sz="1800" spc="-1" strike="noStrike">
+            <a:endParaRPr lang="en-IN" sz="1800" b="0" strike="noStrike" spc="-1">
               <a:solidFill>
                 <a:srgbClr val="000000"/>
               </a:solidFill>
@@ -8902,7 +9434,7 @@
           </a:ln>
         </p:spPr>
         <p:txBody>
-          <a:bodyPr lIns="0" rIns="0" tIns="0" bIns="0" anchor="t">
+          <a:bodyPr lIns="0" tIns="0" rIns="0" bIns="0" anchor="t">
             <a:noAutofit/>
           </a:bodyPr>
           <a:lstStyle>
@@ -8912,9 +9444,9 @@
               </a:lnSpc>
               <a:buNone/>
               <a:tabLst>
-                <a:tab algn="l" pos="0"/>
+                <a:tab pos="0" algn="l"/>
               </a:tabLst>
-              <a:defRPr b="0" lang="en-US" sz="900" spc="-1" strike="noStrike">
+              <a:defRPr lang="en-US" sz="900" b="0" strike="noStrike" spc="-1">
                 <a:solidFill>
                   <a:srgbClr val="000000"/>
                 </a:solidFill>
@@ -8930,11 +9462,11 @@
               </a:lnSpc>
               <a:buNone/>
               <a:tabLst>
-                <a:tab algn="l" pos="0"/>
+                <a:tab pos="0" algn="l"/>
               </a:tabLst>
             </a:pPr>
             <a:r>
-              <a:rPr b="0" lang="en-US" sz="900" spc="-1" strike="noStrike">
+              <a:rPr lang="en-US" sz="900" b="0" strike="noStrike" spc="-1">
                 <a:solidFill>
                   <a:srgbClr val="000000"/>
                 </a:solidFill>
@@ -8943,7 +9475,7 @@
               </a:rPr>
               <a:t>2024  -  RPS  Consulting  all  r ights  reserved</a:t>
             </a:r>
-            <a:endParaRPr b="0" lang="en-IN" sz="900" spc="-1" strike="noStrike">
+            <a:endParaRPr lang="en-IN" sz="900" b="0" strike="noStrike" spc="-1">
               <a:latin typeface="Times New Roman"/>
             </a:endParaRPr>
           </a:p>
@@ -8973,7 +9505,7 @@
           </a:ln>
         </p:spPr>
         <p:txBody>
-          <a:bodyPr lIns="0" rIns="0" tIns="0" bIns="0" anchor="t">
+          <a:bodyPr lIns="0" tIns="0" rIns="0" bIns="0" anchor="t">
             <a:noAutofit/>
           </a:bodyPr>
           <a:lstStyle>
@@ -8983,9 +9515,9 @@
               </a:lnSpc>
               <a:buNone/>
               <a:tabLst>
-                <a:tab algn="l" pos="0"/>
+                <a:tab pos="0" algn="l"/>
               </a:tabLst>
-              <a:defRPr b="0" lang="en-US" sz="1200" spc="-1" strike="noStrike">
+              <a:defRPr lang="en-US" sz="1200" b="0" strike="noStrike" spc="-1">
                 <a:solidFill>
                   <a:srgbClr val="000000"/>
                 </a:solidFill>
@@ -9001,20 +9533,20 @@
               </a:lnSpc>
               <a:buNone/>
               <a:tabLst>
-                <a:tab algn="l" pos="0"/>
+                <a:tab pos="0" algn="l"/>
               </a:tabLst>
             </a:pPr>
             <a:fld id="{E4B3D838-424C-4D00-A950-7D82DC396DDF}" type="slidenum">
-              <a:rPr b="0" lang="en-US" sz="1200" spc="-1" strike="noStrike">
+              <a:rPr lang="en-US" sz="1200" b="0" strike="noStrike" spc="-1">
                 <a:solidFill>
                   <a:srgbClr val="000000"/>
                 </a:solidFill>
                 <a:latin typeface="Courier New"/>
                 <a:ea typeface="Courier New"/>
               </a:rPr>
-              <a:t>&lt;number&gt;</a:t>
+              <a:t>5</a:t>
             </a:fld>
-            <a:endParaRPr b="0" lang="en-IN" sz="1200" spc="-1" strike="noStrike">
+            <a:endParaRPr lang="en-IN" sz="1200" b="0" strike="noStrike" spc="-1">
               <a:latin typeface="Times New Roman"/>
             </a:endParaRPr>
           </a:p>
@@ -9022,19 +9554,14 @@
       </p:sp>
     </p:spTree>
   </p:cSld>
-  <mc:AlternateContent>
-    <mc:Choice Requires="p14">
-      <p:transition spd="slow" p14:dur="2000"/>
-    </mc:Choice>
-    <mc:Fallback>
-      <p:transition spd="slow"/>
-    </mc:Fallback>
-  </mc:AlternateContent>
+  <p:clrMapOvr>
+    <a:masterClrMapping/>
+  </p:clrMapOvr>
 </p:sld>
 </file>
 
 <file path=ppt/slides/slide6.xml><?xml version="1.0" encoding="utf-8"?>
-<p:sld xmlns:a="http://schemas.openxmlformats.org/drawingml/2006/main" xmlns:p="http://schemas.openxmlformats.org/presentationml/2006/main" xmlns:r="http://schemas.openxmlformats.org/officeDocument/2006/relationships" xmlns:p14="http://schemas.microsoft.com/office/powerpoint/2010/main" xmlns:p15="http://schemas.microsoft.com/office/powerpoint/2012/main" xmlns:mc="http://schemas.openxmlformats.org/markup-compatibility/2006" showMasterSp="0">
+<p:sld xmlns:a="http://schemas.openxmlformats.org/drawingml/2006/main" xmlns:r="http://schemas.openxmlformats.org/officeDocument/2006/relationships" xmlns:p="http://schemas.openxmlformats.org/presentationml/2006/main" showMasterSp="0">
   <p:cSld>
     <p:spTree>
       <p:nvGrpSpPr>
@@ -9052,12 +9579,12 @@
       </p:grpSpPr>
       <p:pic>
         <p:nvPicPr>
-          <p:cNvPr id="106" name="Google Shape;111;p9" descr=""/>
+          <p:cNvPr id="106" name="Google Shape;111;p9"/>
           <p:cNvPicPr/>
           <p:nvPr/>
         </p:nvPicPr>
         <p:blipFill>
-          <a:blip r:embed="rId1"/>
+          <a:blip r:embed="rId2"/>
           <a:stretch/>
         </p:blipFill>
         <p:spPr>
@@ -9097,7 +9624,7 @@
           </a:ln>
         </p:spPr>
         <p:txBody>
-          <a:bodyPr lIns="0" rIns="0" tIns="0" bIns="0" anchor="t">
+          <a:bodyPr lIns="0" tIns="0" rIns="0" bIns="0" anchor="t">
             <a:noAutofit/>
           </a:bodyPr>
           <a:lstStyle>
@@ -9107,9 +9634,9 @@
               </a:lnSpc>
               <a:buNone/>
               <a:tabLst>
-                <a:tab algn="l" pos="0"/>
+                <a:tab pos="0" algn="l"/>
               </a:tabLst>
-              <a:defRPr b="0" lang="en-US" sz="1400" spc="-1" strike="noStrike">
+              <a:defRPr lang="en-US" sz="1400" b="0" strike="noStrike" spc="-1">
                 <a:solidFill>
                   <a:srgbClr val="000000"/>
                 </a:solidFill>
@@ -9125,11 +9652,11 @@
               </a:lnSpc>
               <a:buNone/>
               <a:tabLst>
-                <a:tab algn="l" pos="0"/>
+                <a:tab pos="0" algn="l"/>
               </a:tabLst>
             </a:pPr>
             <a:r>
-              <a:rPr b="0" lang="en-US" sz="1400" spc="-1" strike="noStrike">
+              <a:rPr lang="en-US" sz="1400" b="0" strike="noStrike" spc="-1">
                 <a:solidFill>
                   <a:srgbClr val="000000"/>
                 </a:solidFill>
@@ -9138,7 +9665,7 @@
               </a:rPr>
               <a:t>2024  -  RPS  Consulting  all  r ights  reserved</a:t>
             </a:r>
-            <a:endParaRPr b="0" lang="en-IN" sz="1400" spc="-1" strike="noStrike">
+            <a:endParaRPr lang="en-IN" sz="1400" b="0" strike="noStrike" spc="-1">
               <a:latin typeface="Times New Roman"/>
             </a:endParaRPr>
           </a:p>
@@ -9168,7 +9695,7 @@
           </a:ln>
         </p:spPr>
         <p:txBody>
-          <a:bodyPr lIns="0" rIns="0" tIns="0" bIns="0" anchor="t">
+          <a:bodyPr lIns="0" tIns="0" rIns="0" bIns="0" anchor="t">
             <a:noAutofit/>
           </a:bodyPr>
           <a:lstStyle>
@@ -9178,9 +9705,9 @@
               </a:lnSpc>
               <a:buNone/>
               <a:tabLst>
-                <a:tab algn="l" pos="0"/>
+                <a:tab pos="0" algn="l"/>
               </a:tabLst>
-              <a:defRPr b="0" lang="en-US" sz="1200" spc="-1" strike="noStrike">
+              <a:defRPr lang="en-US" sz="1200" b="0" strike="noStrike" spc="-1">
                 <a:solidFill>
                   <a:srgbClr val="000000"/>
                 </a:solidFill>
@@ -9196,20 +9723,20 @@
               </a:lnSpc>
               <a:buNone/>
               <a:tabLst>
-                <a:tab algn="l" pos="0"/>
+                <a:tab pos="0" algn="l"/>
               </a:tabLst>
             </a:pPr>
             <a:fld id="{4881928D-8AA8-4D22-8A20-D97AE2E46DC7}" type="slidenum">
-              <a:rPr b="0" lang="en-US" sz="1200" spc="-1" strike="noStrike">
+              <a:rPr lang="en-US" sz="1200" b="0" strike="noStrike" spc="-1">
                 <a:solidFill>
                   <a:srgbClr val="000000"/>
                 </a:solidFill>
                 <a:latin typeface="Courier New"/>
                 <a:ea typeface="Courier New"/>
               </a:rPr>
-              <a:t>&lt;number&gt;</a:t>
+              <a:t>6</a:t>
             </a:fld>
-            <a:endParaRPr b="0" lang="en-IN" sz="1200" spc="-1" strike="noStrike">
+            <a:endParaRPr lang="en-IN" sz="1200" b="0" strike="noStrike" spc="-1">
               <a:latin typeface="Times New Roman"/>
             </a:endParaRPr>
           </a:p>
@@ -9239,9 +9766,10 @@
           </a:ln>
         </p:spPr>
         <p:txBody>
-          <a:bodyPr lIns="0" rIns="0" tIns="0" bIns="0" anchor="t">
+          <a:bodyPr lIns="0" tIns="0" rIns="0" bIns="0" anchor="t">
             <a:noAutofit/>
           </a:bodyPr>
+          <a:lstStyle/>
           <a:p>
             <a:pPr marL="432000" indent="-324000">
               <a:spcBef>
@@ -9255,7 +9783,7 @@
               <a:buChar char=""/>
             </a:pPr>
             <a:r>
-              <a:rPr b="1" lang="en-IN" sz="2600" spc="-1" strike="noStrike">
+              <a:rPr lang="en-IN" sz="2600" b="1" strike="noStrike" spc="-1">
                 <a:solidFill>
                   <a:srgbClr val="000000"/>
                 </a:solidFill>
@@ -9263,7 +9791,7 @@
               </a:rPr>
               <a:t>3. Handling Messages</a:t>
             </a:r>
-            <a:endParaRPr b="0" lang="en-IN" sz="2600" spc="-1" strike="noStrike">
+            <a:endParaRPr lang="en-IN" sz="2600" b="0" strike="noStrike" spc="-1">
               <a:solidFill>
                 <a:srgbClr val="000000"/>
               </a:solidFill>
@@ -9283,29 +9811,36 @@
               <a:buChar char=""/>
             </a:pPr>
             <a:r>
-              <a:rPr b="0" lang="en-IN" sz="2600" spc="-1" strike="noStrike">
+              <a:rPr lang="en-IN" sz="2600" b="0" strike="noStrike" spc="-1">
                 <a:solidFill>
                   <a:srgbClr val="000000"/>
                 </a:solidFill>
                 <a:latin typeface="Arial"/>
               </a:rPr>
-              <a:t>    </a:t>
-            </a:r>
-            <a:r>
-              <a:rPr b="0" lang="en-IN" sz="2600" spc="-1" strike="noStrike">
+              <a:t>    Receiving Messages: Both client and server use separate threads to handle incoming messages. They use recv() to receive data from the socket.</a:t>
+            </a:r>
+          </a:p>
+          <a:p>
+            <a:pPr marL="432000" indent="-324000">
+              <a:spcBef>
+                <a:spcPts val="1417"/>
+              </a:spcBef>
+              <a:buClr>
+                <a:srgbClr val="000000"/>
+              </a:buClr>
+              <a:buSzPct val="45000"/>
+              <a:buFont typeface="Wingdings" charset="2"/>
+              <a:buChar char=""/>
+            </a:pPr>
+            <a:r>
+              <a:rPr lang="en-IN" sz="2600" b="0" strike="noStrike" spc="-1">
                 <a:solidFill>
                   <a:srgbClr val="000000"/>
                 </a:solidFill>
                 <a:latin typeface="Arial"/>
               </a:rPr>
-              <a:t>Receiving Messages: Both client and server use separate threads to handle incoming messages. They use recv() to receive data from the socket.</a:t>
-            </a:r>
-            <a:endParaRPr b="0" lang="en-IN" sz="2600" spc="-1" strike="noStrike">
-              <a:solidFill>
-                <a:srgbClr val="000000"/>
-              </a:solidFill>
-              <a:latin typeface="Arial"/>
-            </a:endParaRPr>
+              <a:t>    Displaying Messages: Received messages are displayed to the user (on the console) using std::cout.</a:t>
+            </a:r>
           </a:p>
           <a:p>
             <a:pPr marL="432000" indent="-324000">
@@ -9320,44 +9855,7 @@
               <a:buChar char=""/>
             </a:pPr>
             <a:r>
-              <a:rPr b="0" lang="en-IN" sz="2600" spc="-1" strike="noStrike">
-                <a:solidFill>
-                  <a:srgbClr val="000000"/>
-                </a:solidFill>
-                <a:latin typeface="Arial"/>
-              </a:rPr>
-              <a:t>    </a:t>
-            </a:r>
-            <a:r>
-              <a:rPr b="0" lang="en-IN" sz="2600" spc="-1" strike="noStrike">
-                <a:solidFill>
-                  <a:srgbClr val="000000"/>
-                </a:solidFill>
-                <a:latin typeface="Arial"/>
-              </a:rPr>
-              <a:t>Displaying Messages: Received messages are displayed to the user (on the console) using std::cout.</a:t>
-            </a:r>
-            <a:endParaRPr b="0" lang="en-IN" sz="2600" spc="-1" strike="noStrike">
-              <a:solidFill>
-                <a:srgbClr val="000000"/>
-              </a:solidFill>
-              <a:latin typeface="Arial"/>
-            </a:endParaRPr>
-          </a:p>
-          <a:p>
-            <a:pPr marL="432000" indent="-324000">
-              <a:spcBef>
-                <a:spcPts val="1417"/>
-              </a:spcBef>
-              <a:buClr>
-                <a:srgbClr val="000000"/>
-              </a:buClr>
-              <a:buSzPct val="45000"/>
-              <a:buFont typeface="Wingdings" charset="2"/>
-              <a:buChar char=""/>
-            </a:pPr>
-            <a:r>
-              <a:rPr b="1" lang="en-IN" sz="2600" spc="-1" strike="noStrike">
+              <a:rPr lang="en-IN" sz="2600" b="1" strike="noStrike" spc="-1">
                 <a:solidFill>
                   <a:srgbClr val="000000"/>
                 </a:solidFill>
@@ -9365,7 +9863,7 @@
               </a:rPr>
               <a:t>4. Multithreading</a:t>
             </a:r>
-            <a:endParaRPr b="0" lang="en-IN" sz="2600" spc="-1" strike="noStrike">
+            <a:endParaRPr lang="en-IN" sz="2600" b="0" strike="noStrike" spc="-1">
               <a:solidFill>
                 <a:srgbClr val="000000"/>
               </a:solidFill>
@@ -9385,84 +9883,49 @@
               <a:buChar char=""/>
             </a:pPr>
             <a:r>
-              <a:rPr b="0" lang="en-IN" sz="2600" spc="-1" strike="noStrike">
+              <a:rPr lang="en-IN" sz="2600" b="0" strike="noStrike" spc="-1">
                 <a:solidFill>
                   <a:srgbClr val="000000"/>
                 </a:solidFill>
                 <a:latin typeface="Arial"/>
               </a:rPr>
-              <a:t>    </a:t>
-            </a:r>
-            <a:r>
-              <a:rPr b="0" lang="en-IN" sz="2600" spc="-1" strike="noStrike">
+              <a:t>    Client Threads: The client application starts a separate thread to handle message reception (receive_messages function).</a:t>
+            </a:r>
+          </a:p>
+          <a:p>
+            <a:pPr marL="432000" indent="-324000">
+              <a:spcBef>
+                <a:spcPts val="1417"/>
+              </a:spcBef>
+              <a:buClr>
+                <a:srgbClr val="000000"/>
+              </a:buClr>
+              <a:buSzPct val="45000"/>
+              <a:buFont typeface="Wingdings" charset="2"/>
+              <a:buChar char=""/>
+            </a:pPr>
+            <a:r>
+              <a:rPr lang="en-IN" sz="2600" b="0" strike="noStrike" spc="-1">
                 <a:solidFill>
                   <a:srgbClr val="000000"/>
                 </a:solidFill>
                 <a:latin typeface="Arial"/>
               </a:rPr>
-              <a:t>Client Threads: The client application starts a separate thread to handle message reception (receive_messages function).</a:t>
-            </a:r>
-            <a:endParaRPr b="0" lang="en-IN" sz="2600" spc="-1" strike="noStrike">
-              <a:solidFill>
-                <a:srgbClr val="000000"/>
-              </a:solidFill>
-              <a:latin typeface="Arial"/>
-            </a:endParaRPr>
-          </a:p>
-          <a:p>
-            <a:pPr marL="432000" indent="-324000">
-              <a:spcBef>
-                <a:spcPts val="1417"/>
-              </a:spcBef>
-              <a:buClr>
-                <a:srgbClr val="000000"/>
-              </a:buClr>
-              <a:buSzPct val="45000"/>
-              <a:buFont typeface="Wingdings" charset="2"/>
-              <a:buChar char=""/>
-            </a:pPr>
-            <a:r>
-              <a:rPr b="0" lang="en-IN" sz="2600" spc="-1" strike="noStrike">
-                <a:solidFill>
-                  <a:srgbClr val="000000"/>
-                </a:solidFill>
-                <a:latin typeface="Arial"/>
-              </a:rPr>
-              <a:t>    </a:t>
-            </a:r>
-            <a:r>
-              <a:rPr b="0" lang="en-IN" sz="2600" spc="-1" strike="noStrike">
-                <a:solidFill>
-                  <a:srgbClr val="000000"/>
-                </a:solidFill>
-                <a:latin typeface="Arial"/>
-              </a:rPr>
-              <a:t>Server Threads: The server would typically use threads to handle multiple clients concurrently.</a:t>
-            </a:r>
-            <a:endParaRPr b="0" lang="en-IN" sz="2600" spc="-1" strike="noStrike">
-              <a:solidFill>
-                <a:srgbClr val="000000"/>
-              </a:solidFill>
-              <a:latin typeface="Arial"/>
-            </a:endParaRPr>
+              <a:t>    Server Threads: The server would typically use threads to handle multiple clients concurrently.</a:t>
+            </a:r>
           </a:p>
         </p:txBody>
       </p:sp>
     </p:spTree>
   </p:cSld>
-  <mc:AlternateContent>
-    <mc:Choice Requires="p14">
-      <p:transition spd="slow" p14:dur="2000"/>
-    </mc:Choice>
-    <mc:Fallback>
-      <p:transition spd="slow"/>
-    </mc:Fallback>
-  </mc:AlternateContent>
+  <p:clrMapOvr>
+    <a:masterClrMapping/>
+  </p:clrMapOvr>
 </p:sld>
 </file>
 
 <file path=ppt/slides/slide7.xml><?xml version="1.0" encoding="utf-8"?>
-<p:sld xmlns:a="http://schemas.openxmlformats.org/drawingml/2006/main" xmlns:p="http://schemas.openxmlformats.org/presentationml/2006/main" xmlns:r="http://schemas.openxmlformats.org/officeDocument/2006/relationships" xmlns:p14="http://schemas.microsoft.com/office/powerpoint/2010/main" xmlns:p15="http://schemas.microsoft.com/office/powerpoint/2012/main" xmlns:mc="http://schemas.openxmlformats.org/markup-compatibility/2006" showMasterSp="0">
+<p:sld xmlns:a="http://schemas.openxmlformats.org/drawingml/2006/main" xmlns:r="http://schemas.openxmlformats.org/officeDocument/2006/relationships" xmlns:p="http://schemas.openxmlformats.org/presentationml/2006/main" showMasterSp="0">
   <p:cSld>
     <p:spTree>
       <p:nvGrpSpPr>
@@ -9480,12 +9943,12 @@
       </p:grpSpPr>
       <p:pic>
         <p:nvPicPr>
-          <p:cNvPr id="110" name="Google Shape;120;p10" descr=""/>
+          <p:cNvPr id="110" name="Google Shape;120;p10"/>
           <p:cNvPicPr/>
           <p:nvPr/>
         </p:nvPicPr>
         <p:blipFill>
-          <a:blip r:embed="rId1"/>
+          <a:blip r:embed="rId2"/>
           <a:stretch/>
         </p:blipFill>
         <p:spPr>
@@ -9525,9 +9988,10 @@
           </a:ln>
         </p:spPr>
         <p:txBody>
-          <a:bodyPr lIns="0" rIns="0" tIns="0" bIns="0" anchor="t">
+          <a:bodyPr lIns="0" tIns="0" rIns="0" bIns="0" anchor="t">
             <a:noAutofit/>
           </a:bodyPr>
+          <a:lstStyle/>
           <a:p>
             <a:pPr>
               <a:lnSpc>
@@ -9535,11 +9999,11 @@
               </a:lnSpc>
               <a:buNone/>
               <a:tabLst>
-                <a:tab algn="l" pos="0"/>
+                <a:tab pos="0" algn="l"/>
               </a:tabLst>
             </a:pPr>
             <a:r>
-              <a:rPr b="1" lang="en-US" sz="2600" spc="-1" strike="noStrike">
+              <a:rPr lang="en-US" sz="2600" b="1" strike="noStrike" spc="-1">
                 <a:solidFill>
                   <a:srgbClr val="000000"/>
                 </a:solidFill>
@@ -9548,7 +10012,7 @@
               </a:rPr>
               <a:t>5. Sending Messages</a:t>
             </a:r>
-            <a:endParaRPr b="0" lang="en-IN" sz="2600" spc="-1" strike="noStrike">
+            <a:endParaRPr lang="en-IN" sz="2600" b="0" strike="noStrike" spc="-1">
               <a:solidFill>
                 <a:srgbClr val="000000"/>
               </a:solidFill>
@@ -9567,30 +10031,52 @@
               <a:buFont typeface="Wingdings" charset="2"/>
               <a:buChar char=""/>
               <a:tabLst>
-                <a:tab algn="l" pos="0"/>
+                <a:tab pos="0" algn="l"/>
               </a:tabLst>
             </a:pPr>
             <a:r>
-              <a:rPr b="0" lang="en-US" sz="2600" spc="-1" strike="noStrike">
+              <a:rPr lang="en-US" sz="2600" b="0" strike="noStrike" spc="-1">
                 <a:solidFill>
                   <a:srgbClr val="000000"/>
                 </a:solidFill>
                 <a:latin typeface="Times New Roman"/>
                 <a:ea typeface="Times New Roman"/>
               </a:rPr>
-              <a:t>User Input: The client reads user input from the console and sends it to the </a:t>
-            </a:r>
-            <a:r>
-              <a:rPr b="0" lang="en-US" sz="2600" spc="-1" strike="noStrike">
+              <a:t>User Input: The client reads user input from the console and sends it to the server using send().</a:t>
+            </a:r>
+            <a:endParaRPr lang="en-IN" sz="2600" b="0" strike="noStrike" spc="-1">
+              <a:solidFill>
+                <a:srgbClr val="000000"/>
+              </a:solidFill>
+              <a:latin typeface="Arial"/>
+            </a:endParaRPr>
+          </a:p>
+          <a:p>
+            <a:pPr marL="432000" indent="-324000">
+              <a:lnSpc>
+                <a:spcPct val="100000"/>
+              </a:lnSpc>
+              <a:buClr>
+                <a:srgbClr val="000000"/>
+              </a:buClr>
+              <a:buSzPct val="45000"/>
+              <a:buFont typeface="Wingdings" charset="2"/>
+              <a:buChar char=""/>
+              <a:tabLst>
+                <a:tab pos="0" algn="l"/>
+              </a:tabLst>
+            </a:pPr>
+            <a:r>
+              <a:rPr lang="en-US" sz="2600" b="0" strike="noStrike" spc="-1">
                 <a:solidFill>
                   <a:srgbClr val="000000"/>
                 </a:solidFill>
                 <a:latin typeface="Times New Roman"/>
                 <a:ea typeface="Times New Roman"/>
               </a:rPr>
-              <a:t>server using send().</a:t>
-            </a:r>
-            <a:endParaRPr b="0" lang="en-IN" sz="2600" spc="-1" strike="noStrike">
+              <a:t>Broadcasting: The server receives messages from clients and can broadcast them to other connected clients </a:t>
+            </a:r>
+            <a:endParaRPr lang="en-IN" sz="2600" b="0" strike="noStrike" spc="-1">
               <a:solidFill>
                 <a:srgbClr val="000000"/>
               </a:solidFill>
@@ -9609,52 +10095,10 @@
               <a:buFont typeface="Wingdings" charset="2"/>
               <a:buChar char=""/>
               <a:tabLst>
-                <a:tab algn="l" pos="0"/>
+                <a:tab pos="0" algn="l"/>
               </a:tabLst>
             </a:pPr>
-            <a:r>
-              <a:rPr b="0" lang="en-US" sz="2600" spc="-1" strike="noStrike">
-                <a:solidFill>
-                  <a:srgbClr val="000000"/>
-                </a:solidFill>
-                <a:latin typeface="Times New Roman"/>
-                <a:ea typeface="Times New Roman"/>
-              </a:rPr>
-              <a:t>Broadcasting: The server receives messages from clients and can broadcast them </a:t>
-            </a:r>
-            <a:r>
-              <a:rPr b="0" lang="en-US" sz="2600" spc="-1" strike="noStrike">
-                <a:solidFill>
-                  <a:srgbClr val="000000"/>
-                </a:solidFill>
-                <a:latin typeface="Times New Roman"/>
-                <a:ea typeface="Times New Roman"/>
-              </a:rPr>
-              <a:t>to other connected clients </a:t>
-            </a:r>
-            <a:endParaRPr b="0" lang="en-IN" sz="2600" spc="-1" strike="noStrike">
-              <a:solidFill>
-                <a:srgbClr val="000000"/>
-              </a:solidFill>
-              <a:latin typeface="Arial"/>
-            </a:endParaRPr>
-          </a:p>
-          <a:p>
-            <a:pPr marL="432000" indent="-324000">
-              <a:lnSpc>
-                <a:spcPct val="100000"/>
-              </a:lnSpc>
-              <a:buClr>
-                <a:srgbClr val="000000"/>
-              </a:buClr>
-              <a:buSzPct val="45000"/>
-              <a:buFont typeface="Wingdings" charset="2"/>
-              <a:buChar char=""/>
-              <a:tabLst>
-                <a:tab algn="l" pos="0"/>
-              </a:tabLst>
-            </a:pPr>
-            <a:endParaRPr b="0" lang="en-IN" sz="2600" spc="-1" strike="noStrike">
+            <a:endParaRPr lang="en-IN" sz="2600" b="0" strike="noStrike" spc="-1">
               <a:solidFill>
                 <a:srgbClr val="000000"/>
               </a:solidFill>
@@ -9668,11 +10112,11 @@
               </a:lnSpc>
               <a:buNone/>
               <a:tabLst>
-                <a:tab algn="l" pos="0"/>
+                <a:tab pos="0" algn="l"/>
               </a:tabLst>
             </a:pPr>
             <a:r>
-              <a:rPr b="1" lang="en-US" sz="2600" spc="-1" strike="noStrike">
+              <a:rPr lang="en-US" sz="2600" b="1" strike="noStrike" spc="-1">
                 <a:solidFill>
                   <a:srgbClr val="000000"/>
                 </a:solidFill>
@@ -9681,7 +10125,7 @@
               </a:rPr>
               <a:t>6. Error Handling</a:t>
             </a:r>
-            <a:endParaRPr b="0" lang="en-IN" sz="2600" spc="-1" strike="noStrike">
+            <a:endParaRPr lang="en-IN" sz="2600" b="0" strike="noStrike" spc="-1">
               <a:solidFill>
                 <a:srgbClr val="000000"/>
               </a:solidFill>
@@ -9700,11 +10144,11 @@
               <a:buFont typeface="Wingdings" charset="2"/>
               <a:buChar char=""/>
               <a:tabLst>
-                <a:tab algn="l" pos="0"/>
+                <a:tab pos="0" algn="l"/>
               </a:tabLst>
             </a:pPr>
             <a:r>
-              <a:rPr b="1" lang="en-US" sz="2600" spc="-1" strike="noStrike">
+              <a:rPr lang="en-US" sz="2600" b="1" strike="noStrike" spc="-1">
                 <a:solidFill>
                   <a:srgbClr val="000000"/>
                 </a:solidFill>
@@ -9714,36 +10158,16 @@
               <a:t> </a:t>
             </a:r>
             <a:r>
-              <a:rPr b="0" lang="en-US" sz="2600" spc="-1" strike="noStrike">
+              <a:rPr lang="en-US" sz="2600" b="0" strike="noStrike" spc="-1">
                 <a:solidFill>
                   <a:srgbClr val="000000"/>
                 </a:solidFill>
                 <a:latin typeface="Times New Roman"/>
                 <a:ea typeface="Times New Roman"/>
               </a:rPr>
-              <a:t>Socket Operations: The system checks for errors during socket operations </a:t>
-            </a:r>
-            <a:r>
-              <a:rPr b="0" lang="en-US" sz="2600" spc="-1" strike="noStrike">
-                <a:solidFill>
-                  <a:srgbClr val="000000"/>
-                </a:solidFill>
-                <a:latin typeface="Times New Roman"/>
-                <a:ea typeface="Times New Roman"/>
-              </a:rPr>
-              <a:t>(creation, binding, connection) and handles them by printing error messages to </a:t>
-            </a:r>
-            <a:r>
-              <a:rPr b="0" lang="en-US" sz="2600" spc="-1" strike="noStrike">
-                <a:solidFill>
-                  <a:srgbClr val="000000"/>
-                </a:solidFill>
-                <a:latin typeface="Times New Roman"/>
-                <a:ea typeface="Times New Roman"/>
-              </a:rPr>
-              <a:t>the console.</a:t>
-            </a:r>
-            <a:endParaRPr b="0" lang="en-IN" sz="2600" spc="-1" strike="noStrike">
+              <a:t>Socket Operations: The system checks for errors during socket operations (creation, binding, connection) and handles them by printing error messages to the console.</a:t>
+            </a:r>
+            <a:endParaRPr lang="en-IN" sz="2600" b="0" strike="noStrike" spc="-1">
               <a:solidFill>
                 <a:srgbClr val="000000"/>
               </a:solidFill>
@@ -9762,10 +10186,10 @@
               <a:buFont typeface="Wingdings" charset="2"/>
               <a:buChar char=""/>
               <a:tabLst>
-                <a:tab algn="l" pos="0"/>
+                <a:tab pos="0" algn="l"/>
               </a:tabLst>
             </a:pPr>
-            <a:endParaRPr b="0" lang="en-IN" sz="2600" spc="-1" strike="noStrike">
+            <a:endParaRPr lang="en-IN" sz="2600" b="0" strike="noStrike" spc="-1">
               <a:solidFill>
                 <a:srgbClr val="000000"/>
               </a:solidFill>
@@ -9779,11 +10203,11 @@
               </a:lnSpc>
               <a:buNone/>
               <a:tabLst>
-                <a:tab algn="l" pos="0"/>
+                <a:tab pos="0" algn="l"/>
               </a:tabLst>
             </a:pPr>
             <a:r>
-              <a:rPr b="1" lang="en-US" sz="2600" spc="-1" strike="noStrike">
+              <a:rPr lang="en-US" sz="2600" b="1" strike="noStrike" spc="-1">
                 <a:solidFill>
                   <a:srgbClr val="000000"/>
                 </a:solidFill>
@@ -9792,7 +10216,7 @@
               </a:rPr>
               <a:t>7. Connection Management</a:t>
             </a:r>
-            <a:endParaRPr b="0" lang="en-IN" sz="2600" spc="-1" strike="noStrike">
+            <a:endParaRPr lang="en-IN" sz="2600" b="0" strike="noStrike" spc="-1">
               <a:solidFill>
                 <a:srgbClr val="000000"/>
               </a:solidFill>
@@ -9811,30 +10235,20 @@
               <a:buFont typeface="Wingdings" charset="2"/>
               <a:buChar char=""/>
               <a:tabLst>
-                <a:tab algn="l" pos="0"/>
+                <a:tab pos="0" algn="l"/>
               </a:tabLst>
             </a:pPr>
             <a:r>
-              <a:rPr b="0" lang="en-US" sz="2600" spc="-1" strike="noStrike">
+              <a:rPr lang="en-US" sz="2600" b="0" strike="noStrike" spc="-1">
                 <a:solidFill>
                   <a:srgbClr val="000000"/>
                 </a:solidFill>
                 <a:latin typeface="Times New Roman"/>
                 <a:ea typeface="Times New Roman"/>
               </a:rPr>
-              <a:t>Closing Connections: When either side finishes communication or encounters an </a:t>
-            </a:r>
-            <a:r>
-              <a:rPr b="0" lang="en-US" sz="2600" spc="-1" strike="noStrike">
-                <a:solidFill>
-                  <a:srgbClr val="000000"/>
-                </a:solidFill>
-                <a:latin typeface="Times New Roman"/>
-                <a:ea typeface="Times New Roman"/>
-              </a:rPr>
-              <a:t>error, it closes the socket using close() to release resources.</a:t>
-            </a:r>
-            <a:endParaRPr b="0" lang="en-IN" sz="2600" spc="-1" strike="noStrike">
+              <a:t>Closing Connections: When either side finishes communication or encounters an error, it closes the socket using close() to release resources.</a:t>
+            </a:r>
+            <a:endParaRPr lang="en-IN" sz="2600" b="0" strike="noStrike" spc="-1">
               <a:solidFill>
                 <a:srgbClr val="000000"/>
               </a:solidFill>
@@ -9867,7 +10281,7 @@
           </a:ln>
         </p:spPr>
         <p:txBody>
-          <a:bodyPr lIns="0" rIns="0" tIns="0" bIns="0" anchor="t">
+          <a:bodyPr lIns="0" tIns="0" rIns="0" bIns="0" anchor="t">
             <a:noAutofit/>
           </a:bodyPr>
           <a:lstStyle>
@@ -9877,9 +10291,9 @@
               </a:lnSpc>
               <a:buNone/>
               <a:tabLst>
-                <a:tab algn="l" pos="0"/>
+                <a:tab pos="0" algn="l"/>
               </a:tabLst>
-              <a:defRPr b="0" lang="en-US" sz="800" spc="-1" strike="noStrike">
+              <a:defRPr lang="en-US" sz="800" b="0" strike="noStrike" spc="-1">
                 <a:solidFill>
                   <a:srgbClr val="000000"/>
                 </a:solidFill>
@@ -9895,11 +10309,11 @@
               </a:lnSpc>
               <a:buNone/>
               <a:tabLst>
-                <a:tab algn="l" pos="0"/>
+                <a:tab pos="0" algn="l"/>
               </a:tabLst>
             </a:pPr>
             <a:r>
-              <a:rPr b="0" lang="en-US" sz="800" spc="-1" strike="noStrike">
+              <a:rPr lang="en-US" sz="800" b="0" strike="noStrike" spc="-1">
                 <a:solidFill>
                   <a:srgbClr val="000000"/>
                 </a:solidFill>
@@ -9908,7 +10322,7 @@
               </a:rPr>
               <a:t>2024  -  RPS  Consulting  all  r ights  reserved</a:t>
             </a:r>
-            <a:endParaRPr b="0" lang="en-IN" sz="800" spc="-1" strike="noStrike">
+            <a:endParaRPr lang="en-IN" sz="800" b="0" strike="noStrike" spc="-1">
               <a:latin typeface="Times New Roman"/>
             </a:endParaRPr>
           </a:p>
@@ -9938,7 +10352,7 @@
           </a:ln>
         </p:spPr>
         <p:txBody>
-          <a:bodyPr lIns="0" rIns="0" tIns="0" bIns="0" anchor="t">
+          <a:bodyPr lIns="0" tIns="0" rIns="0" bIns="0" anchor="t">
             <a:noAutofit/>
           </a:bodyPr>
           <a:lstStyle>
@@ -9948,9 +10362,9 @@
               </a:lnSpc>
               <a:buNone/>
               <a:tabLst>
-                <a:tab algn="l" pos="0"/>
+                <a:tab pos="0" algn="l"/>
               </a:tabLst>
-              <a:defRPr b="0" lang="en-US" sz="1200" spc="-1" strike="noStrike">
+              <a:defRPr lang="en-US" sz="1200" b="0" strike="noStrike" spc="-1">
                 <a:solidFill>
                   <a:srgbClr val="000000"/>
                 </a:solidFill>
@@ -9966,20 +10380,20 @@
               </a:lnSpc>
               <a:buNone/>
               <a:tabLst>
-                <a:tab algn="l" pos="0"/>
+                <a:tab pos="0" algn="l"/>
               </a:tabLst>
             </a:pPr>
             <a:fld id="{D44E9E81-F2B2-4352-953A-5ABF2FDAF644}" type="slidenum">
-              <a:rPr b="0" lang="en-US" sz="1200" spc="-1" strike="noStrike">
+              <a:rPr lang="en-US" sz="1200" b="0" strike="noStrike" spc="-1">
                 <a:solidFill>
                   <a:srgbClr val="000000"/>
                 </a:solidFill>
                 <a:latin typeface="Courier New"/>
                 <a:ea typeface="Courier New"/>
               </a:rPr>
-              <a:t>&lt;number&gt;</a:t>
+              <a:t>7</a:t>
             </a:fld>
-            <a:endParaRPr b="0" lang="en-IN" sz="1200" spc="-1" strike="noStrike">
+            <a:endParaRPr lang="en-IN" sz="1200" b="0" strike="noStrike" spc="-1">
               <a:latin typeface="Times New Roman"/>
             </a:endParaRPr>
           </a:p>
@@ -9987,19 +10401,14 @@
       </p:sp>
     </p:spTree>
   </p:cSld>
-  <mc:AlternateContent>
-    <mc:Choice Requires="p14">
-      <p:transition spd="slow" p14:dur="2000"/>
-    </mc:Choice>
-    <mc:Fallback>
-      <p:transition spd="slow"/>
-    </mc:Fallback>
-  </mc:AlternateContent>
+  <p:clrMapOvr>
+    <a:masterClrMapping/>
+  </p:clrMapOvr>
 </p:sld>
 </file>
 
 <file path=ppt/slides/slide8.xml><?xml version="1.0" encoding="utf-8"?>
-<p:sld xmlns:a="http://schemas.openxmlformats.org/drawingml/2006/main" xmlns:p="http://schemas.openxmlformats.org/presentationml/2006/main" xmlns:r="http://schemas.openxmlformats.org/officeDocument/2006/relationships" xmlns:p14="http://schemas.microsoft.com/office/powerpoint/2010/main" xmlns:p15="http://schemas.microsoft.com/office/powerpoint/2012/main" xmlns:mc="http://schemas.openxmlformats.org/markup-compatibility/2006">
+<p:sld xmlns:a="http://schemas.openxmlformats.org/drawingml/2006/main" xmlns:r="http://schemas.openxmlformats.org/officeDocument/2006/relationships" xmlns:p="http://schemas.openxmlformats.org/presentationml/2006/main">
   <p:cSld>
     <p:spTree>
       <p:nvGrpSpPr>
@@ -10039,9 +10448,10 @@
           </a:ln>
         </p:spPr>
         <p:txBody>
-          <a:bodyPr lIns="0" rIns="0" tIns="0" bIns="0" anchor="t">
+          <a:bodyPr lIns="0" tIns="0" rIns="0" bIns="0" anchor="t">
             <a:noAutofit/>
           </a:bodyPr>
+          <a:lstStyle/>
           <a:p>
             <a:pPr algn="ctr">
               <a:lnSpc>
@@ -10049,20 +10459,20 @@
               </a:lnSpc>
               <a:buNone/>
               <a:tabLst>
-                <a:tab algn="l" pos="0"/>
+                <a:tab pos="0" algn="l"/>
               </a:tabLst>
             </a:pPr>
             <a:r>
-              <a:rPr b="1" lang="en-US" sz="3200" spc="-1" strike="noStrike">
+              <a:rPr lang="en-US" sz="3200" b="1" strike="noStrike" spc="-1">
                 <a:solidFill>
-                  <a:srgbClr val="1f497d"/>
+                  <a:srgbClr val="1F497D"/>
                 </a:solidFill>
                 <a:latin typeface="Times New Roman"/>
                 <a:ea typeface="Times New Roman"/>
               </a:rPr>
               <a:t>OUTPUT SCREENSHOT</a:t>
             </a:r>
-            <a:endParaRPr b="0" lang="en-IN" sz="3200" spc="-1" strike="noStrike">
+            <a:endParaRPr lang="en-IN" sz="3200" b="0" strike="noStrike" spc="-1">
               <a:solidFill>
                 <a:srgbClr val="000000"/>
               </a:solidFill>
@@ -10095,9 +10505,10 @@
           </a:ln>
         </p:spPr>
         <p:txBody>
-          <a:bodyPr lIns="0" rIns="0" tIns="0" bIns="0" anchor="t">
+          <a:bodyPr lIns="0" tIns="0" rIns="0" bIns="0" anchor="t">
             <a:noAutofit/>
           </a:bodyPr>
+          <a:lstStyle/>
           <a:p>
             <a:pPr>
               <a:lnSpc>
@@ -10105,10 +10516,10 @@
               </a:lnSpc>
               <a:buNone/>
               <a:tabLst>
-                <a:tab algn="l" pos="0"/>
+                <a:tab pos="0" algn="l"/>
               </a:tabLst>
             </a:pPr>
-            <a:endParaRPr b="0" lang="en-IN" sz="1800" spc="-1" strike="noStrike">
+            <a:endParaRPr lang="en-IN" sz="1800" b="0" strike="noStrike" spc="-1">
               <a:solidFill>
                 <a:srgbClr val="000000"/>
               </a:solidFill>
@@ -10122,10 +10533,10 @@
               </a:lnSpc>
               <a:buNone/>
               <a:tabLst>
-                <a:tab algn="l" pos="0"/>
+                <a:tab pos="0" algn="l"/>
               </a:tabLst>
             </a:pPr>
-            <a:endParaRPr b="0" lang="en-IN" sz="1800" spc="-1" strike="noStrike">
+            <a:endParaRPr lang="en-IN" sz="1800" b="0" strike="noStrike" spc="-1">
               <a:solidFill>
                 <a:srgbClr val="000000"/>
               </a:solidFill>
@@ -10139,10 +10550,10 @@
               </a:lnSpc>
               <a:buNone/>
               <a:tabLst>
-                <a:tab algn="l" pos="0"/>
+                <a:tab pos="0" algn="l"/>
               </a:tabLst>
             </a:pPr>
-            <a:endParaRPr b="0" lang="en-IN" sz="1800" spc="-1" strike="noStrike">
+            <a:endParaRPr lang="en-IN" sz="1800" b="0" strike="noStrike" spc="-1">
               <a:solidFill>
                 <a:srgbClr val="000000"/>
               </a:solidFill>
@@ -10156,10 +10567,10 @@
               </a:lnSpc>
               <a:buNone/>
               <a:tabLst>
-                <a:tab algn="l" pos="0"/>
+                <a:tab pos="0" algn="l"/>
               </a:tabLst>
             </a:pPr>
-            <a:endParaRPr b="0" lang="en-IN" sz="1800" spc="-1" strike="noStrike">
+            <a:endParaRPr lang="en-IN" sz="1800" b="0" strike="noStrike" spc="-1">
               <a:solidFill>
                 <a:srgbClr val="000000"/>
               </a:solidFill>
@@ -10173,10 +10584,10 @@
               </a:lnSpc>
               <a:buNone/>
               <a:tabLst>
-                <a:tab algn="l" pos="0"/>
+                <a:tab pos="0" algn="l"/>
               </a:tabLst>
             </a:pPr>
-            <a:endParaRPr b="0" lang="en-IN" sz="1800" spc="-1" strike="noStrike">
+            <a:endParaRPr lang="en-IN" sz="1800" b="0" strike="noStrike" spc="-1">
               <a:solidFill>
                 <a:srgbClr val="000000"/>
               </a:solidFill>
@@ -10190,10 +10601,10 @@
               </a:lnSpc>
               <a:buNone/>
               <a:tabLst>
-                <a:tab algn="l" pos="0"/>
+                <a:tab pos="0" algn="l"/>
               </a:tabLst>
             </a:pPr>
-            <a:endParaRPr b="0" lang="en-IN" sz="1800" spc="-1" strike="noStrike">
+            <a:endParaRPr lang="en-IN" sz="1800" b="0" strike="noStrike" spc="-1">
               <a:solidFill>
                 <a:srgbClr val="000000"/>
               </a:solidFill>
@@ -10207,10 +10618,10 @@
               </a:lnSpc>
               <a:buNone/>
               <a:tabLst>
-                <a:tab algn="l" pos="0"/>
+                <a:tab pos="0" algn="l"/>
               </a:tabLst>
             </a:pPr>
-            <a:endParaRPr b="0" lang="en-IN" sz="1800" spc="-1" strike="noStrike">
+            <a:endParaRPr lang="en-IN" sz="1800" b="0" strike="noStrike" spc="-1">
               <a:solidFill>
                 <a:srgbClr val="000000"/>
               </a:solidFill>
@@ -10224,10 +10635,10 @@
               </a:lnSpc>
               <a:buNone/>
               <a:tabLst>
-                <a:tab algn="l" pos="0"/>
+                <a:tab pos="0" algn="l"/>
               </a:tabLst>
             </a:pPr>
-            <a:endParaRPr b="0" lang="en-IN" sz="1800" spc="-1" strike="noStrike">
+            <a:endParaRPr lang="en-IN" sz="1800" b="0" strike="noStrike" spc="-1">
               <a:solidFill>
                 <a:srgbClr val="000000"/>
               </a:solidFill>
@@ -10241,10 +10652,10 @@
               </a:lnSpc>
               <a:buNone/>
               <a:tabLst>
-                <a:tab algn="l" pos="0"/>
+                <a:tab pos="0" algn="l"/>
               </a:tabLst>
             </a:pPr>
-            <a:endParaRPr b="0" lang="en-IN" sz="1800" spc="-1" strike="noStrike">
+            <a:endParaRPr lang="en-IN" sz="1800" b="0" strike="noStrike" spc="-1">
               <a:solidFill>
                 <a:srgbClr val="000000"/>
               </a:solidFill>
@@ -10258,10 +10669,10 @@
               </a:lnSpc>
               <a:buNone/>
               <a:tabLst>
-                <a:tab algn="l" pos="0"/>
+                <a:tab pos="0" algn="l"/>
               </a:tabLst>
             </a:pPr>
-            <a:endParaRPr b="0" lang="en-IN" sz="1800" spc="-1" strike="noStrike">
+            <a:endParaRPr lang="en-IN" sz="1800" b="0" strike="noStrike" spc="-1">
               <a:solidFill>
                 <a:srgbClr val="000000"/>
               </a:solidFill>
@@ -10275,10 +10686,10 @@
               </a:lnSpc>
               <a:buNone/>
               <a:tabLst>
-                <a:tab algn="l" pos="0"/>
+                <a:tab pos="0" algn="l"/>
               </a:tabLst>
             </a:pPr>
-            <a:endParaRPr b="0" lang="en-IN" sz="1800" spc="-1" strike="noStrike">
+            <a:endParaRPr lang="en-IN" sz="1800" b="0" strike="noStrike" spc="-1">
               <a:solidFill>
                 <a:srgbClr val="000000"/>
               </a:solidFill>
@@ -10292,10 +10703,10 @@
               </a:lnSpc>
               <a:buNone/>
               <a:tabLst>
-                <a:tab algn="l" pos="0"/>
+                <a:tab pos="0" algn="l"/>
               </a:tabLst>
             </a:pPr>
-            <a:endParaRPr b="0" lang="en-IN" sz="1800" spc="-1" strike="noStrike">
+            <a:endParaRPr lang="en-IN" sz="1800" b="0" strike="noStrike" spc="-1">
               <a:solidFill>
                 <a:srgbClr val="000000"/>
               </a:solidFill>
@@ -10309,10 +10720,10 @@
               </a:lnSpc>
               <a:buNone/>
               <a:tabLst>
-                <a:tab algn="l" pos="0"/>
+                <a:tab pos="0" algn="l"/>
               </a:tabLst>
             </a:pPr>
-            <a:endParaRPr b="0" lang="en-IN" sz="1800" spc="-1" strike="noStrike">
+            <a:endParaRPr lang="en-IN" sz="1800" b="0" strike="noStrike" spc="-1">
               <a:solidFill>
                 <a:srgbClr val="000000"/>
               </a:solidFill>
@@ -10326,10 +10737,10 @@
               </a:lnSpc>
               <a:buNone/>
               <a:tabLst>
-                <a:tab algn="l" pos="0"/>
+                <a:tab pos="0" algn="l"/>
               </a:tabLst>
             </a:pPr>
-            <a:endParaRPr b="0" lang="en-IN" sz="1800" spc="-1" strike="noStrike">
+            <a:endParaRPr lang="en-IN" sz="1800" b="0" strike="noStrike" spc="-1">
               <a:solidFill>
                 <a:srgbClr val="000000"/>
               </a:solidFill>
@@ -10343,10 +10754,10 @@
               </a:lnSpc>
               <a:buNone/>
               <a:tabLst>
-                <a:tab algn="l" pos="0"/>
+                <a:tab pos="0" algn="l"/>
               </a:tabLst>
             </a:pPr>
-            <a:endParaRPr b="0" lang="en-IN" sz="1800" spc="-1" strike="noStrike">
+            <a:endParaRPr lang="en-IN" sz="1800" b="0" strike="noStrike" spc="-1">
               <a:solidFill>
                 <a:srgbClr val="000000"/>
               </a:solidFill>
@@ -10360,10 +10771,10 @@
               </a:lnSpc>
               <a:buNone/>
               <a:tabLst>
-                <a:tab algn="l" pos="0"/>
+                <a:tab pos="0" algn="l"/>
               </a:tabLst>
             </a:pPr>
-            <a:endParaRPr b="0" lang="en-IN" sz="1800" spc="-1" strike="noStrike">
+            <a:endParaRPr lang="en-IN" sz="1800" b="0" strike="noStrike" spc="-1">
               <a:solidFill>
                 <a:srgbClr val="000000"/>
               </a:solidFill>
@@ -10377,10 +10788,10 @@
               </a:lnSpc>
               <a:buNone/>
               <a:tabLst>
-                <a:tab algn="l" pos="0"/>
+                <a:tab pos="0" algn="l"/>
               </a:tabLst>
             </a:pPr>
-            <a:endParaRPr b="0" lang="en-IN" sz="1800" spc="-1" strike="noStrike">
+            <a:endParaRPr lang="en-IN" sz="1800" b="0" strike="noStrike" spc="-1">
               <a:solidFill>
                 <a:srgbClr val="000000"/>
               </a:solidFill>
@@ -10394,10 +10805,10 @@
               </a:lnSpc>
               <a:buNone/>
               <a:tabLst>
-                <a:tab algn="l" pos="0"/>
+                <a:tab pos="0" algn="l"/>
               </a:tabLst>
             </a:pPr>
-            <a:endParaRPr b="0" lang="en-IN" sz="1800" spc="-1" strike="noStrike">
+            <a:endParaRPr lang="en-IN" sz="1800" b="0" strike="noStrike" spc="-1">
               <a:solidFill>
                 <a:srgbClr val="000000"/>
               </a:solidFill>
@@ -10411,10 +10822,10 @@
               </a:lnSpc>
               <a:buNone/>
               <a:tabLst>
-                <a:tab algn="l" pos="0"/>
+                <a:tab pos="0" algn="l"/>
               </a:tabLst>
             </a:pPr>
-            <a:endParaRPr b="0" lang="en-IN" sz="1800" spc="-1" strike="noStrike">
+            <a:endParaRPr lang="en-IN" sz="1800" b="0" strike="noStrike" spc="-1">
               <a:solidFill>
                 <a:srgbClr val="000000"/>
               </a:solidFill>
@@ -10428,10 +10839,10 @@
               </a:lnSpc>
               <a:buNone/>
               <a:tabLst>
-                <a:tab algn="l" pos="0"/>
+                <a:tab pos="0" algn="l"/>
               </a:tabLst>
             </a:pPr>
-            <a:endParaRPr b="0" lang="en-IN" sz="1800" spc="-1" strike="noStrike">
+            <a:endParaRPr lang="en-IN" sz="1800" b="0" strike="noStrike" spc="-1">
               <a:solidFill>
                 <a:srgbClr val="000000"/>
               </a:solidFill>
@@ -10445,61 +10856,21 @@
               </a:lnSpc>
               <a:buNone/>
               <a:tabLst>
-                <a:tab algn="l" pos="0"/>
+                <a:tab pos="0" algn="l"/>
               </a:tabLst>
             </a:pPr>
             <a:r>
-              <a:rPr b="0" lang="en-US" sz="1800" spc="-1" strike="noStrike">
+              <a:rPr lang="en-US" sz="1800" b="0" strike="noStrike" spc="-1">
                 <a:solidFill>
                   <a:srgbClr val="000000"/>
                 </a:solidFill>
                 <a:latin typeface="Calibri"/>
                 <a:ea typeface="Calibri"/>
               </a:rPr>
-              <a:t>	</a:t>
-            </a:r>
-            <a:r>
-              <a:rPr b="0" lang="en-US" sz="1800" spc="-1" strike="noStrike">
-                <a:solidFill>
-                  <a:srgbClr val="000000"/>
-                </a:solidFill>
-                <a:latin typeface="Calibri"/>
-                <a:ea typeface="Calibri"/>
-              </a:rPr>
-              <a:t>	</a:t>
-            </a:r>
-            <a:r>
-              <a:rPr b="0" lang="en-US" sz="1800" spc="-1" strike="noStrike">
-                <a:solidFill>
-                  <a:srgbClr val="000000"/>
-                </a:solidFill>
-                <a:latin typeface="Calibri"/>
-                <a:ea typeface="Calibri"/>
-              </a:rPr>
-              <a:t>	</a:t>
-            </a:r>
-            <a:r>
-              <a:rPr b="0" lang="en-US" sz="1800" spc="-1" strike="noStrike">
-                <a:solidFill>
-                  <a:srgbClr val="000000"/>
-                </a:solidFill>
-                <a:latin typeface="Calibri"/>
-                <a:ea typeface="Calibri"/>
-              </a:rPr>
-              <a:t>	</a:t>
-            </a:r>
-            <a:r>
-              <a:rPr b="0" lang="en-US" sz="1800" spc="-1" strike="noStrike">
-                <a:solidFill>
-                  <a:srgbClr val="000000"/>
-                </a:solidFill>
-                <a:latin typeface="Calibri"/>
-                <a:ea typeface="Calibri"/>
-              </a:rPr>
-              <a:t>         </a:t>
-            </a:r>
-            <a:r>
-              <a:rPr b="0" lang="en-US" sz="2800" spc="-1" strike="noStrike">
+              <a:t>				         </a:t>
+            </a:r>
+            <a:r>
+              <a:rPr lang="en-US" sz="2800" b="0" strike="noStrike" spc="-1">
                 <a:solidFill>
                   <a:srgbClr val="000000"/>
                 </a:solidFill>
@@ -10508,7 +10879,7 @@
               </a:rPr>
               <a:t>Server terminal</a:t>
             </a:r>
-            <a:endParaRPr b="0" lang="en-IN" sz="2800" spc="-1" strike="noStrike">
+            <a:endParaRPr lang="en-IN" sz="2800" b="0" strike="noStrike" spc="-1">
               <a:solidFill>
                 <a:srgbClr val="000000"/>
               </a:solidFill>
@@ -10519,12 +10890,12 @@
       </p:sp>
       <p:pic>
         <p:nvPicPr>
-          <p:cNvPr id="116" name="" descr=""/>
+          <p:cNvPr id="116" name="Picture 115"/>
           <p:cNvPicPr/>
           <p:nvPr/>
         </p:nvPicPr>
         <p:blipFill>
-          <a:blip r:embed="rId1"/>
+          <a:blip r:embed="rId2"/>
           <a:stretch/>
         </p:blipFill>
         <p:spPr>
@@ -10542,19 +10913,14 @@
       </p:pic>
     </p:spTree>
   </p:cSld>
-  <mc:AlternateContent>
-    <mc:Choice Requires="p14">
-      <p:transition spd="slow" p14:dur="2000"/>
-    </mc:Choice>
-    <mc:Fallback>
-      <p:transition spd="slow"/>
-    </mc:Fallback>
-  </mc:AlternateContent>
+  <p:clrMapOvr>
+    <a:masterClrMapping/>
+  </p:clrMapOvr>
 </p:sld>
 </file>
 
 <file path=ppt/slides/slide9.xml><?xml version="1.0" encoding="utf-8"?>
-<p:sld xmlns:a="http://schemas.openxmlformats.org/drawingml/2006/main" xmlns:p="http://schemas.openxmlformats.org/presentationml/2006/main" xmlns:r="http://schemas.openxmlformats.org/officeDocument/2006/relationships" xmlns:p14="http://schemas.microsoft.com/office/powerpoint/2010/main" xmlns:p15="http://schemas.microsoft.com/office/powerpoint/2012/main" xmlns:mc="http://schemas.openxmlformats.org/markup-compatibility/2006">
+<p:sld xmlns:a="http://schemas.openxmlformats.org/drawingml/2006/main" xmlns:r="http://schemas.openxmlformats.org/officeDocument/2006/relationships" xmlns:p="http://schemas.openxmlformats.org/presentationml/2006/main">
   <p:cSld>
     <p:spTree>
       <p:nvGrpSpPr>
@@ -10594,9 +10960,10 @@
           </a:ln>
         </p:spPr>
         <p:txBody>
-          <a:bodyPr lIns="0" rIns="0" tIns="0" bIns="0" anchor="t">
+          <a:bodyPr lIns="0" tIns="0" rIns="0" bIns="0" anchor="t">
             <a:noAutofit/>
           </a:bodyPr>
+          <a:lstStyle/>
           <a:p>
             <a:pPr>
               <a:lnSpc>
@@ -10604,50 +10971,20 @@
               </a:lnSpc>
               <a:buNone/>
               <a:tabLst>
-                <a:tab algn="l" pos="0"/>
+                <a:tab pos="0" algn="l"/>
               </a:tabLst>
             </a:pPr>
             <a:r>
-              <a:rPr b="0" lang="en-US" sz="2400" spc="-1" strike="noStrike">
+              <a:rPr lang="en-US" sz="2400" b="0" strike="noStrike" spc="-1">
                 <a:solidFill>
                   <a:srgbClr val="000000"/>
                 </a:solidFill>
                 <a:latin typeface="Times New Roman"/>
                 <a:ea typeface="Times New Roman"/>
               </a:rPr>
-              <a:t>	</a:t>
-            </a:r>
-            <a:r>
-              <a:rPr b="0" lang="en-US" sz="2400" spc="-1" strike="noStrike">
-                <a:solidFill>
-                  <a:srgbClr val="000000"/>
-                </a:solidFill>
-                <a:latin typeface="Times New Roman"/>
-                <a:ea typeface="Times New Roman"/>
-              </a:rPr>
-              <a:t>	</a:t>
-            </a:r>
-            <a:r>
-              <a:rPr b="0" lang="en-US" sz="2400" spc="-1" strike="noStrike">
-                <a:solidFill>
-                  <a:srgbClr val="000000"/>
-                </a:solidFill>
-                <a:latin typeface="Times New Roman"/>
-                <a:ea typeface="Times New Roman"/>
-              </a:rPr>
-              <a:t>	</a:t>
-            </a:r>
-            <a:r>
-              <a:rPr b="0" lang="en-US" sz="2400" spc="-1" strike="noStrike">
-                <a:solidFill>
-                  <a:srgbClr val="000000"/>
-                </a:solidFill>
-                <a:latin typeface="Times New Roman"/>
-                <a:ea typeface="Times New Roman"/>
-              </a:rPr>
-              <a:t>Client 1 connected</a:t>
-            </a:r>
-            <a:endParaRPr b="0" lang="en-IN" sz="2400" spc="-1" strike="noStrike">
+              <a:t>			Client 1 connected</a:t>
+            </a:r>
+            <a:endParaRPr lang="en-IN" sz="2400" b="0" strike="noStrike" spc="-1">
               <a:solidFill>
                 <a:srgbClr val="000000"/>
               </a:solidFill>
@@ -10658,12 +10995,12 @@
       </p:sp>
       <p:pic>
         <p:nvPicPr>
-          <p:cNvPr id="118" name="" descr=""/>
+          <p:cNvPr id="118" name="Picture 117"/>
           <p:cNvPicPr/>
           <p:nvPr/>
         </p:nvPicPr>
         <p:blipFill>
-          <a:blip r:embed="rId1"/>
+          <a:blip r:embed="rId2"/>
           <a:stretch/>
         </p:blipFill>
         <p:spPr>
@@ -10681,14 +11018,9 @@
       </p:pic>
     </p:spTree>
   </p:cSld>
-  <mc:AlternateContent>
-    <mc:Choice Requires="p14">
-      <p:transition spd="slow" p14:dur="2000"/>
-    </mc:Choice>
-    <mc:Fallback>
-      <p:transition spd="slow"/>
-    </mc:Fallback>
-  </mc:AlternateContent>
+  <p:clrMapOvr>
+    <a:masterClrMapping/>
+  </p:clrMapOvr>
 </p:sld>
 </file>
 
@@ -10703,31 +11035,31 @@
         <a:sysClr val="window" lastClr="FFFFFF"/>
       </a:lt1>
       <a:dk2>
-        <a:srgbClr val="1f497d"/>
+        <a:srgbClr val="1F497D"/>
       </a:dk2>
       <a:lt2>
-        <a:srgbClr val="eeece1"/>
+        <a:srgbClr val="EEECE1"/>
       </a:lt2>
       <a:accent1>
-        <a:srgbClr val="4f81bd"/>
+        <a:srgbClr val="4F81BD"/>
       </a:accent1>
       <a:accent2>
-        <a:srgbClr val="c0504d"/>
+        <a:srgbClr val="C0504D"/>
       </a:accent2>
       <a:accent3>
-        <a:srgbClr val="9bbb59"/>
+        <a:srgbClr val="9BBB59"/>
       </a:accent3>
       <a:accent4>
-        <a:srgbClr val="8064a2"/>
+        <a:srgbClr val="8064A2"/>
       </a:accent4>
       <a:accent5>
-        <a:srgbClr val="4bacc6"/>
+        <a:srgbClr val="4BACC6"/>
       </a:accent5>
       <a:accent6>
-        <a:srgbClr val="f79646"/>
+        <a:srgbClr val="F79646"/>
       </a:accent6>
       <a:hlink>
-        <a:srgbClr val="0000ff"/>
+        <a:srgbClr val="0000FF"/>
       </a:hlink>
       <a:folHlink>
         <a:srgbClr val="800080"/>
@@ -10915,6 +11247,8 @@
       </a:bgFillStyleLst>
     </a:fmtScheme>
   </a:themeElements>
+  <a:objectDefaults/>
+  <a:extraClrSchemeLst/>
 </a:theme>
 </file>
 
@@ -10929,31 +11263,31 @@
         <a:sysClr val="window" lastClr="FFFFFF"/>
       </a:lt1>
       <a:dk2>
-        <a:srgbClr val="1f497d"/>
+        <a:srgbClr val="1F497D"/>
       </a:dk2>
       <a:lt2>
-        <a:srgbClr val="eeece1"/>
+        <a:srgbClr val="EEECE1"/>
       </a:lt2>
       <a:accent1>
-        <a:srgbClr val="4f81bd"/>
+        <a:srgbClr val="4F81BD"/>
       </a:accent1>
       <a:accent2>
-        <a:srgbClr val="c0504d"/>
+        <a:srgbClr val="C0504D"/>
       </a:accent2>
       <a:accent3>
-        <a:srgbClr val="9bbb59"/>
+        <a:srgbClr val="9BBB59"/>
       </a:accent3>
       <a:accent4>
-        <a:srgbClr val="8064a2"/>
+        <a:srgbClr val="8064A2"/>
       </a:accent4>
       <a:accent5>
-        <a:srgbClr val="4bacc6"/>
+        <a:srgbClr val="4BACC6"/>
       </a:accent5>
       <a:accent6>
-        <a:srgbClr val="f79646"/>
+        <a:srgbClr val="F79646"/>
       </a:accent6>
       <a:hlink>
-        <a:srgbClr val="0000ff"/>
+        <a:srgbClr val="0000FF"/>
       </a:hlink>
       <a:folHlink>
         <a:srgbClr val="800080"/>
@@ -11141,5 +11475,7 @@
       </a:bgFillStyleLst>
     </a:fmtScheme>
   </a:themeElements>
+  <a:objectDefaults/>
+  <a:extraClrSchemeLst/>
 </a:theme>
 </file>